--- a/Презентация PyGame.pptx
+++ b/Презентация PyGame.pptx
@@ -1,6 +1,6 @@
 
 <file path=ppt/presentation.xml><?xml version="1.0" encoding="utf-8"?>
-<p:presentation xmlns:a="http://schemas.openxmlformats.org/drawingml/2006/main" xmlns:r="http://schemas.openxmlformats.org/officeDocument/2006/relationships" xmlns:p="http://schemas.openxmlformats.org/presentationml/2006/main" saveSubsetFonts="1">
+<p:presentation xmlns:a="http://schemas.openxmlformats.org/drawingml/2006/main" xmlns:r="http://schemas.openxmlformats.org/officeDocument/2006/relationships" xmlns:p="http://schemas.openxmlformats.org/presentationml/2006/main" autoCompressPictures="0">
   <p:sldMasterIdLst>
     <p:sldMasterId id="2147483648" r:id="rId1"/>
   </p:sldMasterIdLst>
@@ -9,15 +9,18 @@
     <p:sldId id="257" r:id="rId3"/>
     <p:sldId id="258" r:id="rId4"/>
     <p:sldId id="259" r:id="rId5"/>
-    <p:sldId id="260" r:id="rId6"/>
+    <p:sldId id="262" r:id="rId6"/>
+    <p:sldId id="263" r:id="rId7"/>
+    <p:sldId id="260" r:id="rId8"/>
+    <p:sldId id="261" r:id="rId9"/>
   </p:sldIdLst>
-  <p:sldSz cx="9144000" cy="6858000" type="screen4x3"/>
+  <p:sldSz cx="12192000" cy="6858000"/>
   <p:notesSz cx="6858000" cy="9144000"/>
   <p:defaultTextStyle>
     <a:defPPr>
-      <a:defRPr lang="ru-RU"/>
+      <a:defRPr lang="en-US"/>
     </a:defPPr>
-    <a:lvl1pPr marL="0" algn="l" defTabSz="914400" rtl="0" eaLnBrk="1" latinLnBrk="0" hangingPunct="1">
+    <a:lvl1pPr marL="0" algn="l" defTabSz="457200" rtl="0" eaLnBrk="1" latinLnBrk="0" hangingPunct="1">
       <a:defRPr sz="1800" kern="1200">
         <a:solidFill>
           <a:schemeClr val="tx1"/>
@@ -27,7 +30,7 @@
         <a:cs typeface="+mn-cs"/>
       </a:defRPr>
     </a:lvl1pPr>
-    <a:lvl2pPr marL="457200" algn="l" defTabSz="914400" rtl="0" eaLnBrk="1" latinLnBrk="0" hangingPunct="1">
+    <a:lvl2pPr marL="457200" algn="l" defTabSz="457200" rtl="0" eaLnBrk="1" latinLnBrk="0" hangingPunct="1">
       <a:defRPr sz="1800" kern="1200">
         <a:solidFill>
           <a:schemeClr val="tx1"/>
@@ -37,7 +40,7 @@
         <a:cs typeface="+mn-cs"/>
       </a:defRPr>
     </a:lvl2pPr>
-    <a:lvl3pPr marL="914400" algn="l" defTabSz="914400" rtl="0" eaLnBrk="1" latinLnBrk="0" hangingPunct="1">
+    <a:lvl3pPr marL="914400" algn="l" defTabSz="457200" rtl="0" eaLnBrk="1" latinLnBrk="0" hangingPunct="1">
       <a:defRPr sz="1800" kern="1200">
         <a:solidFill>
           <a:schemeClr val="tx1"/>
@@ -47,7 +50,7 @@
         <a:cs typeface="+mn-cs"/>
       </a:defRPr>
     </a:lvl3pPr>
-    <a:lvl4pPr marL="1371600" algn="l" defTabSz="914400" rtl="0" eaLnBrk="1" latinLnBrk="0" hangingPunct="1">
+    <a:lvl4pPr marL="1371600" algn="l" defTabSz="457200" rtl="0" eaLnBrk="1" latinLnBrk="0" hangingPunct="1">
       <a:defRPr sz="1800" kern="1200">
         <a:solidFill>
           <a:schemeClr val="tx1"/>
@@ -57,7 +60,7 @@
         <a:cs typeface="+mn-cs"/>
       </a:defRPr>
     </a:lvl4pPr>
-    <a:lvl5pPr marL="1828800" algn="l" defTabSz="914400" rtl="0" eaLnBrk="1" latinLnBrk="0" hangingPunct="1">
+    <a:lvl5pPr marL="1828800" algn="l" defTabSz="457200" rtl="0" eaLnBrk="1" latinLnBrk="0" hangingPunct="1">
       <a:defRPr sz="1800" kern="1200">
         <a:solidFill>
           <a:schemeClr val="tx1"/>
@@ -67,7 +70,7 @@
         <a:cs typeface="+mn-cs"/>
       </a:defRPr>
     </a:lvl5pPr>
-    <a:lvl6pPr marL="2286000" algn="l" defTabSz="914400" rtl="0" eaLnBrk="1" latinLnBrk="0" hangingPunct="1">
+    <a:lvl6pPr marL="2286000" algn="l" defTabSz="457200" rtl="0" eaLnBrk="1" latinLnBrk="0" hangingPunct="1">
       <a:defRPr sz="1800" kern="1200">
         <a:solidFill>
           <a:schemeClr val="tx1"/>
@@ -77,7 +80,7 @@
         <a:cs typeface="+mn-cs"/>
       </a:defRPr>
     </a:lvl6pPr>
-    <a:lvl7pPr marL="2743200" algn="l" defTabSz="914400" rtl="0" eaLnBrk="1" latinLnBrk="0" hangingPunct="1">
+    <a:lvl7pPr marL="2743200" algn="l" defTabSz="457200" rtl="0" eaLnBrk="1" latinLnBrk="0" hangingPunct="1">
       <a:defRPr sz="1800" kern="1200">
         <a:solidFill>
           <a:schemeClr val="tx1"/>
@@ -87,7 +90,7 @@
         <a:cs typeface="+mn-cs"/>
       </a:defRPr>
     </a:lvl7pPr>
-    <a:lvl8pPr marL="3200400" algn="l" defTabSz="914400" rtl="0" eaLnBrk="1" latinLnBrk="0" hangingPunct="1">
+    <a:lvl8pPr marL="3200400" algn="l" defTabSz="457200" rtl="0" eaLnBrk="1" latinLnBrk="0" hangingPunct="1">
       <a:defRPr sz="1800" kern="1200">
         <a:solidFill>
           <a:schemeClr val="tx1"/>
@@ -97,7 +100,7 @@
         <a:cs typeface="+mn-cs"/>
       </a:defRPr>
     </a:lvl8pPr>
-    <a:lvl9pPr marL="3657600" algn="l" defTabSz="914400" rtl="0" eaLnBrk="1" latinLnBrk="0" hangingPunct="1">
+    <a:lvl9pPr marL="3657600" algn="l" defTabSz="457200" rtl="0" eaLnBrk="1" latinLnBrk="0" hangingPunct="1">
       <a:defRPr sz="1800" kern="1200">
         <a:solidFill>
           <a:schemeClr val="tx1"/>
@@ -112,7 +115,7 @@
 </file>
 
 <file path=ppt/slideLayouts/slideLayout1.xml><?xml version="1.0" encoding="utf-8"?>
-<p:sldLayout xmlns:a="http://schemas.openxmlformats.org/drawingml/2006/main" xmlns:r="http://schemas.openxmlformats.org/officeDocument/2006/relationships" xmlns:p="http://schemas.openxmlformats.org/presentationml/2006/main" type="title" preserve="1">
+<p:sldLayout xmlns:a="http://schemas.openxmlformats.org/drawingml/2006/main" xmlns:r="http://schemas.openxmlformats.org/officeDocument/2006/relationships" xmlns:p="http://schemas.openxmlformats.org/presentationml/2006/main" showMasterSp="0" type="title" preserve="1">
   <p:cSld name="Титульный слайд">
     <p:spTree>
       <p:nvGrpSpPr>
@@ -130,7 +133,7 @@
       </p:grpSpPr>
       <p:sp>
         <p:nvSpPr>
-          <p:cNvPr id="2" name="Заголовок 1"/>
+          <p:cNvPr id="2" name="Title 1"/>
           <p:cNvSpPr>
             <a:spLocks noGrp="1"/>
           </p:cNvSpPr>
@@ -140,25 +143,31 @@
         </p:nvSpPr>
         <p:spPr>
           <a:xfrm>
-            <a:off x="685800" y="2130425"/>
-            <a:ext cx="7772400" cy="1470025"/>
+            <a:off x="457200" y="4960137"/>
+            <a:ext cx="7772400" cy="1463040"/>
           </a:xfrm>
         </p:spPr>
         <p:txBody>
-          <a:bodyPr/>
-          <a:lstStyle/>
+          <a:bodyPr anchor="ctr">
+            <a:normAutofit/>
+          </a:bodyPr>
+          <a:lstStyle>
+            <a:lvl1pPr algn="r">
+              <a:defRPr sz="5000" spc="200" baseline="0"/>
+            </a:lvl1pPr>
+          </a:lstStyle>
           <a:p>
             <a:r>
               <a:rPr lang="ru-RU" smtClean="0"/>
               <a:t>Образец заголовка</a:t>
             </a:r>
-            <a:endParaRPr lang="ru-RU"/>
-          </a:p>
-        </p:txBody>
-      </p:sp>
-      <p:sp>
-        <p:nvSpPr>
-          <p:cNvPr id="3" name="Подзаголовок 2"/>
+            <a:endParaRPr lang="en-US" dirty="0"/>
+          </a:p>
+        </p:txBody>
+      </p:sp>
+      <p:sp>
+        <p:nvSpPr>
+          <p:cNvPr id="3" name="Subtitle 2"/>
           <p:cNvSpPr>
             <a:spLocks noGrp="1"/>
           </p:cNvSpPr>
@@ -168,102 +177,63 @@
         </p:nvSpPr>
         <p:spPr>
           <a:xfrm>
-            <a:off x="1371600" y="3886200"/>
-            <a:ext cx="6400800" cy="1752600"/>
+            <a:off x="8610600" y="4960137"/>
+            <a:ext cx="3200400" cy="1463040"/>
           </a:xfrm>
         </p:spPr>
         <p:txBody>
-          <a:bodyPr/>
+          <a:bodyPr lIns="91440" rIns="91440" anchor="ctr">
+            <a:normAutofit/>
+          </a:bodyPr>
           <a:lstStyle>
-            <a:lvl1pPr marL="0" indent="0" algn="ctr">
-              <a:buNone/>
-              <a:defRPr>
+            <a:lvl1pPr marL="0" indent="0" algn="l">
+              <a:lnSpc>
+                <a:spcPct val="100000"/>
+              </a:lnSpc>
+              <a:spcBef>
+                <a:spcPts val="0"/>
+              </a:spcBef>
+              <a:buNone/>
+              <a:defRPr sz="1800">
                 <a:solidFill>
                   <a:schemeClr val="tx1">
-                    <a:tint val="75000"/>
+                    <a:lumMod val="95000"/>
+                    <a:lumOff val="5000"/>
                   </a:schemeClr>
                 </a:solidFill>
               </a:defRPr>
             </a:lvl1pPr>
             <a:lvl2pPr marL="457200" indent="0" algn="ctr">
               <a:buNone/>
-              <a:defRPr>
-                <a:solidFill>
-                  <a:schemeClr val="tx1">
-                    <a:tint val="75000"/>
-                  </a:schemeClr>
-                </a:solidFill>
-              </a:defRPr>
+              <a:defRPr sz="1800"/>
             </a:lvl2pPr>
             <a:lvl3pPr marL="914400" indent="0" algn="ctr">
               <a:buNone/>
-              <a:defRPr>
-                <a:solidFill>
-                  <a:schemeClr val="tx1">
-                    <a:tint val="75000"/>
-                  </a:schemeClr>
-                </a:solidFill>
-              </a:defRPr>
+              <a:defRPr sz="1800"/>
             </a:lvl3pPr>
             <a:lvl4pPr marL="1371600" indent="0" algn="ctr">
               <a:buNone/>
-              <a:defRPr>
-                <a:solidFill>
-                  <a:schemeClr val="tx1">
-                    <a:tint val="75000"/>
-                  </a:schemeClr>
-                </a:solidFill>
-              </a:defRPr>
+              <a:defRPr sz="1800"/>
             </a:lvl4pPr>
             <a:lvl5pPr marL="1828800" indent="0" algn="ctr">
               <a:buNone/>
-              <a:defRPr>
-                <a:solidFill>
-                  <a:schemeClr val="tx1">
-                    <a:tint val="75000"/>
-                  </a:schemeClr>
-                </a:solidFill>
-              </a:defRPr>
+              <a:defRPr sz="1800"/>
             </a:lvl5pPr>
             <a:lvl6pPr marL="2286000" indent="0" algn="ctr">
               <a:buNone/>
-              <a:defRPr>
-                <a:solidFill>
-                  <a:schemeClr val="tx1">
-                    <a:tint val="75000"/>
-                  </a:schemeClr>
-                </a:solidFill>
-              </a:defRPr>
+              <a:defRPr sz="1800"/>
             </a:lvl6pPr>
             <a:lvl7pPr marL="2743200" indent="0" algn="ctr">
               <a:buNone/>
-              <a:defRPr>
-                <a:solidFill>
-                  <a:schemeClr val="tx1">
-                    <a:tint val="75000"/>
-                  </a:schemeClr>
-                </a:solidFill>
-              </a:defRPr>
+              <a:defRPr sz="1800"/>
             </a:lvl7pPr>
             <a:lvl8pPr marL="3200400" indent="0" algn="ctr">
               <a:buNone/>
-              <a:defRPr>
-                <a:solidFill>
-                  <a:schemeClr val="tx1">
-                    <a:tint val="75000"/>
-                  </a:schemeClr>
-                </a:solidFill>
-              </a:defRPr>
+              <a:defRPr sz="1800"/>
             </a:lvl8pPr>
             <a:lvl9pPr marL="3657600" indent="0" algn="ctr">
               <a:buNone/>
-              <a:defRPr>
-                <a:solidFill>
-                  <a:schemeClr val="tx1">
-                    <a:tint val="75000"/>
-                  </a:schemeClr>
-                </a:solidFill>
-              </a:defRPr>
+              <a:defRPr sz="1800"/>
             </a:lvl9pPr>
           </a:lstStyle>
           <a:p>
@@ -271,13 +241,13 @@
               <a:rPr lang="ru-RU" smtClean="0"/>
               <a:t>Образец подзаголовка</a:t>
             </a:r>
-            <a:endParaRPr lang="ru-RU"/>
-          </a:p>
-        </p:txBody>
-      </p:sp>
-      <p:sp>
-        <p:nvSpPr>
-          <p:cNvPr id="4" name="Дата 3"/>
+            <a:endParaRPr lang="en-US" dirty="0"/>
+          </a:p>
+        </p:txBody>
+      </p:sp>
+      <p:sp>
+        <p:nvSpPr>
+          <p:cNvPr id="4" name="Date Placeholder 3"/>
           <p:cNvSpPr>
             <a:spLocks noGrp="1"/>
           </p:cNvSpPr>
@@ -288,19 +258,23 @@
         <p:spPr/>
         <p:txBody>
           <a:bodyPr/>
-          <a:lstStyle/>
-          <a:p>
-            <a:fld id="{B4C71EC6-210F-42DE-9C53-41977AD35B3D}" type="datetimeFigureOut">
-              <a:rPr lang="ru-RU" smtClean="0"/>
-              <a:t>04.01.2022</a:t>
+          <a:lstStyle>
+            <a:lvl1pPr algn="l">
+              <a:defRPr/>
+            </a:lvl1pPr>
+          </a:lstStyle>
+          <a:p>
+            <a:fld id="{6AD6EE87-EBD5-4F12-A48A-63ACA297AC8F}" type="datetimeFigureOut">
+              <a:rPr lang="en-US" dirty="0"/>
+              <a:t>1/17/2022</a:t>
             </a:fld>
-            <a:endParaRPr lang="ru-RU"/>
-          </a:p>
-        </p:txBody>
-      </p:sp>
-      <p:sp>
-        <p:nvSpPr>
-          <p:cNvPr id="5" name="Нижний колонтитул 4"/>
+            <a:endParaRPr lang="en-US" dirty="0"/>
+          </a:p>
+        </p:txBody>
+      </p:sp>
+      <p:sp>
+        <p:nvSpPr>
+          <p:cNvPr id="5" name="Footer Placeholder 4"/>
           <p:cNvSpPr>
             <a:spLocks noGrp="1"/>
           </p:cNvSpPr>
@@ -313,13 +287,13 @@
           <a:bodyPr/>
           <a:lstStyle/>
           <a:p>
-            <a:endParaRPr lang="ru-RU"/>
-          </a:p>
-        </p:txBody>
-      </p:sp>
-      <p:sp>
-        <p:nvSpPr>
-          <p:cNvPr id="6" name="Номер слайда 5"/>
+            <a:endParaRPr lang="en-US" dirty="0"/>
+          </a:p>
+        </p:txBody>
+      </p:sp>
+      <p:sp>
+        <p:nvSpPr>
+          <p:cNvPr id="6" name="Slide Number Placeholder 5"/>
           <p:cNvSpPr>
             <a:spLocks noGrp="1"/>
           </p:cNvSpPr>
@@ -332,14 +306,97 @@
           <a:bodyPr/>
           <a:lstStyle/>
           <a:p>
-            <a:fld id="{B19B0651-EE4F-4900-A07F-96A6BFA9D0F0}" type="slidenum">
-              <a:rPr lang="ru-RU" smtClean="0"/>
+            <a:fld id="{4FAB73BC-B049-4115-A692-8D63A059BFB8}" type="slidenum">
+              <a:rPr lang="en-US" dirty="0"/>
               <a:t>‹#›</a:t>
             </a:fld>
-            <a:endParaRPr lang="ru-RU"/>
-          </a:p>
-        </p:txBody>
-      </p:sp>
+            <a:endParaRPr lang="en-US" dirty="0"/>
+          </a:p>
+        </p:txBody>
+      </p:sp>
+      <p:sp>
+        <p:nvSpPr>
+          <p:cNvPr id="13" name="Rectangle 12"/>
+          <p:cNvSpPr/>
+          <p:nvPr/>
+        </p:nvSpPr>
+        <p:spPr>
+          <a:xfrm>
+            <a:off x="0" y="-1"/>
+            <a:ext cx="12192000" cy="4572001"/>
+          </a:xfrm>
+          <a:prstGeom prst="rect">
+            <a:avLst/>
+          </a:prstGeom>
+          <a:blipFill dpi="0" rotWithShape="1">
+            <a:blip r:embed="rId2">
+              <a:duotone>
+                <a:schemeClr val="accent1">
+                  <a:shade val="45000"/>
+                  <a:satMod val="135000"/>
+                </a:schemeClr>
+                <a:prstClr val="white"/>
+              </a:duotone>
+            </a:blip>
+            <a:srcRect/>
+            <a:tile tx="25400" ty="6350" sx="71000" sy="71000" flip="none" algn="tl"/>
+          </a:blipFill>
+          <a:ln>
+            <a:noFill/>
+          </a:ln>
+        </p:spPr>
+        <p:style>
+          <a:lnRef idx="2">
+            <a:schemeClr val="accent1">
+              <a:shade val="50000"/>
+            </a:schemeClr>
+          </a:lnRef>
+          <a:fillRef idx="1">
+            <a:schemeClr val="accent1"/>
+          </a:fillRef>
+          <a:effectRef idx="0">
+            <a:schemeClr val="accent1"/>
+          </a:effectRef>
+          <a:fontRef idx="minor">
+            <a:schemeClr val="lt1"/>
+          </a:fontRef>
+        </p:style>
+      </p:sp>
+      <p:cxnSp>
+        <p:nvCxnSpPr>
+          <p:cNvPr id="14" name="Straight Connector 13"/>
+          <p:cNvCxnSpPr/>
+          <p:nvPr/>
+        </p:nvCxnSpPr>
+        <p:spPr>
+          <a:xfrm flipV="1">
+            <a:off x="8386842" y="5264106"/>
+            <a:ext cx="0" cy="914400"/>
+          </a:xfrm>
+          <a:prstGeom prst="line">
+            <a:avLst/>
+          </a:prstGeom>
+          <a:ln w="19050">
+            <a:solidFill>
+              <a:schemeClr val="accent1"/>
+            </a:solidFill>
+          </a:ln>
+        </p:spPr>
+        <p:style>
+          <a:lnRef idx="1">
+            <a:schemeClr val="accent1"/>
+          </a:lnRef>
+          <a:fillRef idx="0">
+            <a:schemeClr val="accent1"/>
+          </a:fillRef>
+          <a:effectRef idx="0">
+            <a:schemeClr val="accent1"/>
+          </a:effectRef>
+          <a:fontRef idx="minor">
+            <a:schemeClr val="tx1"/>
+          </a:fontRef>
+        </p:style>
+      </p:cxnSp>
     </p:spTree>
   </p:cSld>
   <p:clrMapOvr>
@@ -367,7 +424,7 @@
       </p:grpSpPr>
       <p:sp>
         <p:nvSpPr>
-          <p:cNvPr id="2" name="Заголовок 1"/>
+          <p:cNvPr id="2" name="Title 1"/>
           <p:cNvSpPr>
             <a:spLocks noGrp="1"/>
           </p:cNvSpPr>
@@ -384,13 +441,13 @@
               <a:rPr lang="ru-RU" smtClean="0"/>
               <a:t>Образец заголовка</a:t>
             </a:r>
-            <a:endParaRPr lang="ru-RU"/>
-          </a:p>
-        </p:txBody>
-      </p:sp>
-      <p:sp>
-        <p:nvSpPr>
-          <p:cNvPr id="3" name="Вертикальный текст 2"/>
+            <a:endParaRPr lang="en-US" dirty="0"/>
+          </a:p>
+        </p:txBody>
+      </p:sp>
+      <p:sp>
+        <p:nvSpPr>
+          <p:cNvPr id="3" name="Vertical Text Placeholder 2"/>
           <p:cNvSpPr>
             <a:spLocks noGrp="1"/>
           </p:cNvSpPr>
@@ -436,13 +493,13 @@
               <a:rPr lang="ru-RU" smtClean="0"/>
               <a:t>Пятый уровень</a:t>
             </a:r>
-            <a:endParaRPr lang="ru-RU"/>
-          </a:p>
-        </p:txBody>
-      </p:sp>
-      <p:sp>
-        <p:nvSpPr>
-          <p:cNvPr id="4" name="Дата 3"/>
+            <a:endParaRPr lang="en-US" dirty="0"/>
+          </a:p>
+        </p:txBody>
+      </p:sp>
+      <p:sp>
+        <p:nvSpPr>
+          <p:cNvPr id="4" name="Date Placeholder 3"/>
           <p:cNvSpPr>
             <a:spLocks noGrp="1"/>
           </p:cNvSpPr>
@@ -455,17 +512,17 @@
           <a:bodyPr/>
           <a:lstStyle/>
           <a:p>
-            <a:fld id="{B4C71EC6-210F-42DE-9C53-41977AD35B3D}" type="datetimeFigureOut">
-              <a:rPr lang="ru-RU" smtClean="0"/>
-              <a:t>04.01.2022</a:t>
+            <a:fld id="{4CD73815-2707-4475-8F1A-B873CB631BB4}" type="datetimeFigureOut">
+              <a:rPr lang="en-US" dirty="0"/>
+              <a:t>1/17/2022</a:t>
             </a:fld>
-            <a:endParaRPr lang="ru-RU"/>
-          </a:p>
-        </p:txBody>
-      </p:sp>
-      <p:sp>
-        <p:nvSpPr>
-          <p:cNvPr id="5" name="Нижний колонтитул 4"/>
+            <a:endParaRPr lang="en-US" dirty="0"/>
+          </a:p>
+        </p:txBody>
+      </p:sp>
+      <p:sp>
+        <p:nvSpPr>
+          <p:cNvPr id="5" name="Footer Placeholder 4"/>
           <p:cNvSpPr>
             <a:spLocks noGrp="1"/>
           </p:cNvSpPr>
@@ -478,13 +535,13 @@
           <a:bodyPr/>
           <a:lstStyle/>
           <a:p>
-            <a:endParaRPr lang="ru-RU"/>
-          </a:p>
-        </p:txBody>
-      </p:sp>
-      <p:sp>
-        <p:nvSpPr>
-          <p:cNvPr id="6" name="Номер слайда 5"/>
+            <a:endParaRPr lang="en-US" dirty="0"/>
+          </a:p>
+        </p:txBody>
+      </p:sp>
+      <p:sp>
+        <p:nvSpPr>
+          <p:cNvPr id="6" name="Slide Number Placeholder 5"/>
           <p:cNvSpPr>
             <a:spLocks noGrp="1"/>
           </p:cNvSpPr>
@@ -497,11 +554,11 @@
           <a:bodyPr/>
           <a:lstStyle/>
           <a:p>
-            <a:fld id="{B19B0651-EE4F-4900-A07F-96A6BFA9D0F0}" type="slidenum">
-              <a:rPr lang="ru-RU" smtClean="0"/>
+            <a:fld id="{4FAB73BC-B049-4115-A692-8D63A059BFB8}" type="slidenum">
+              <a:rPr lang="en-US" dirty="0"/>
               <a:t>‹#›</a:t>
             </a:fld>
-            <a:endParaRPr lang="ru-RU"/>
+            <a:endParaRPr lang="en-US" dirty="0"/>
           </a:p>
         </p:txBody>
       </p:sp>
@@ -514,7 +571,7 @@
 </file>
 
 <file path=ppt/slideLayouts/slideLayout11.xml><?xml version="1.0" encoding="utf-8"?>
-<p:sldLayout xmlns:a="http://schemas.openxmlformats.org/drawingml/2006/main" xmlns:r="http://schemas.openxmlformats.org/officeDocument/2006/relationships" xmlns:p="http://schemas.openxmlformats.org/presentationml/2006/main" type="vertTitleAndTx" preserve="1">
+<p:sldLayout xmlns:a="http://schemas.openxmlformats.org/drawingml/2006/main" xmlns:r="http://schemas.openxmlformats.org/officeDocument/2006/relationships" xmlns:p="http://schemas.openxmlformats.org/presentationml/2006/main" showMasterSp="0" type="vertTitleAndTx" preserve="1">
   <p:cSld name="Вертикальный заголовок и текст">
     <p:spTree>
       <p:nvGrpSpPr>
@@ -532,7 +589,7 @@
       </p:grpSpPr>
       <p:sp>
         <p:nvSpPr>
-          <p:cNvPr id="2" name="Вертикальный заголовок 1"/>
+          <p:cNvPr id="2" name="Vertical Title 1"/>
           <p:cNvSpPr>
             <a:spLocks noGrp="1"/>
           </p:cNvSpPr>
@@ -542,25 +599,25 @@
         </p:nvSpPr>
         <p:spPr>
           <a:xfrm>
-            <a:off x="6629400" y="274638"/>
-            <a:ext cx="2057400" cy="5851525"/>
+            <a:off x="8724901" y="762000"/>
+            <a:ext cx="2628900" cy="5410200"/>
           </a:xfrm>
         </p:spPr>
         <p:txBody>
-          <a:bodyPr vert="eaVert"/>
+          <a:bodyPr vert="eaVert" lIns="45720" tIns="91440" rIns="45720" bIns="91440"/>
           <a:lstStyle/>
           <a:p>
             <a:r>
               <a:rPr lang="ru-RU" smtClean="0"/>
               <a:t>Образец заголовка</a:t>
             </a:r>
-            <a:endParaRPr lang="ru-RU"/>
-          </a:p>
-        </p:txBody>
-      </p:sp>
-      <p:sp>
-        <p:nvSpPr>
-          <p:cNvPr id="3" name="Вертикальный текст 2"/>
+            <a:endParaRPr lang="en-US" dirty="0"/>
+          </a:p>
+        </p:txBody>
+      </p:sp>
+      <p:sp>
+        <p:nvSpPr>
+          <p:cNvPr id="3" name="Vertical Text Placeholder 2"/>
           <p:cNvSpPr>
             <a:spLocks noGrp="1"/>
           </p:cNvSpPr>
@@ -570,8 +627,8 @@
         </p:nvSpPr>
         <p:spPr>
           <a:xfrm>
-            <a:off x="457200" y="274638"/>
-            <a:ext cx="6019800" cy="5851525"/>
+            <a:off x="990601" y="762000"/>
+            <a:ext cx="7581900" cy="5410200"/>
           </a:xfrm>
         </p:spPr>
         <p:txBody>
@@ -611,13 +668,13 @@
               <a:rPr lang="ru-RU" smtClean="0"/>
               <a:t>Пятый уровень</a:t>
             </a:r>
-            <a:endParaRPr lang="ru-RU"/>
-          </a:p>
-        </p:txBody>
-      </p:sp>
-      <p:sp>
-        <p:nvSpPr>
-          <p:cNvPr id="4" name="Дата 3"/>
+            <a:endParaRPr lang="en-US" dirty="0"/>
+          </a:p>
+        </p:txBody>
+      </p:sp>
+      <p:sp>
+        <p:nvSpPr>
+          <p:cNvPr id="4" name="Date Placeholder 3"/>
           <p:cNvSpPr>
             <a:spLocks noGrp="1"/>
           </p:cNvSpPr>
@@ -630,17 +687,17 @@
           <a:bodyPr/>
           <a:lstStyle/>
           <a:p>
-            <a:fld id="{B4C71EC6-210F-42DE-9C53-41977AD35B3D}" type="datetimeFigureOut">
-              <a:rPr lang="ru-RU" smtClean="0"/>
-              <a:t>04.01.2022</a:t>
+            <a:fld id="{2A4AFB99-0EAB-4182-AFF8-E214C82A68F6}" type="datetimeFigureOut">
+              <a:rPr lang="en-US" dirty="0"/>
+              <a:t>1/17/2022</a:t>
             </a:fld>
-            <a:endParaRPr lang="ru-RU"/>
-          </a:p>
-        </p:txBody>
-      </p:sp>
-      <p:sp>
-        <p:nvSpPr>
-          <p:cNvPr id="5" name="Нижний колонтитул 4"/>
+            <a:endParaRPr lang="en-US" dirty="0"/>
+          </a:p>
+        </p:txBody>
+      </p:sp>
+      <p:sp>
+        <p:nvSpPr>
+          <p:cNvPr id="5" name="Footer Placeholder 4"/>
           <p:cNvSpPr>
             <a:spLocks noGrp="1"/>
           </p:cNvSpPr>
@@ -653,13 +710,13 @@
           <a:bodyPr/>
           <a:lstStyle/>
           <a:p>
-            <a:endParaRPr lang="ru-RU"/>
-          </a:p>
-        </p:txBody>
-      </p:sp>
-      <p:sp>
-        <p:nvSpPr>
-          <p:cNvPr id="6" name="Номер слайда 5"/>
+            <a:endParaRPr lang="en-US" dirty="0"/>
+          </a:p>
+        </p:txBody>
+      </p:sp>
+      <p:sp>
+        <p:nvSpPr>
+          <p:cNvPr id="6" name="Slide Number Placeholder 5"/>
           <p:cNvSpPr>
             <a:spLocks noGrp="1"/>
           </p:cNvSpPr>
@@ -672,14 +729,49 @@
           <a:bodyPr/>
           <a:lstStyle/>
           <a:p>
-            <a:fld id="{B19B0651-EE4F-4900-A07F-96A6BFA9D0F0}" type="slidenum">
-              <a:rPr lang="ru-RU" smtClean="0"/>
+            <a:fld id="{4FAB73BC-B049-4115-A692-8D63A059BFB8}" type="slidenum">
+              <a:rPr lang="en-US" dirty="0"/>
               <a:t>‹#›</a:t>
             </a:fld>
-            <a:endParaRPr lang="ru-RU"/>
-          </a:p>
-        </p:txBody>
-      </p:sp>
+            <a:endParaRPr lang="en-US" dirty="0"/>
+          </a:p>
+        </p:txBody>
+      </p:sp>
+      <p:cxnSp>
+        <p:nvCxnSpPr>
+          <p:cNvPr id="7" name="Straight Connector 6"/>
+          <p:cNvCxnSpPr/>
+          <p:nvPr/>
+        </p:nvCxnSpPr>
+        <p:spPr>
+          <a:xfrm rot="5400000" flipV="1">
+            <a:off x="10058400" y="59263"/>
+            <a:ext cx="0" cy="914400"/>
+          </a:xfrm>
+          <a:prstGeom prst="line">
+            <a:avLst/>
+          </a:prstGeom>
+          <a:ln w="19050">
+            <a:solidFill>
+              <a:schemeClr val="accent1"/>
+            </a:solidFill>
+          </a:ln>
+        </p:spPr>
+        <p:style>
+          <a:lnRef idx="1">
+            <a:schemeClr val="accent1"/>
+          </a:lnRef>
+          <a:fillRef idx="0">
+            <a:schemeClr val="accent1"/>
+          </a:fillRef>
+          <a:effectRef idx="0">
+            <a:schemeClr val="accent1"/>
+          </a:effectRef>
+          <a:fontRef idx="minor">
+            <a:schemeClr val="tx1"/>
+          </a:fontRef>
+        </p:style>
+      </p:cxnSp>
     </p:spTree>
   </p:cSld>
   <p:clrMapOvr>
@@ -707,7 +799,7 @@
       </p:grpSpPr>
       <p:sp>
         <p:nvSpPr>
-          <p:cNvPr id="2" name="Заголовок 1"/>
+          <p:cNvPr id="2" name="Title 1"/>
           <p:cNvSpPr>
             <a:spLocks noGrp="1"/>
           </p:cNvSpPr>
@@ -724,13 +816,13 @@
               <a:rPr lang="ru-RU" smtClean="0"/>
               <a:t>Образец заголовка</a:t>
             </a:r>
-            <a:endParaRPr lang="ru-RU"/>
-          </a:p>
-        </p:txBody>
-      </p:sp>
-      <p:sp>
-        <p:nvSpPr>
-          <p:cNvPr id="3" name="Содержимое 2"/>
+            <a:endParaRPr lang="en-US" dirty="0"/>
+          </a:p>
+        </p:txBody>
+      </p:sp>
+      <p:sp>
+        <p:nvSpPr>
+          <p:cNvPr id="3" name="Content Placeholder 2"/>
           <p:cNvSpPr>
             <a:spLocks noGrp="1"/>
           </p:cNvSpPr>
@@ -776,13 +868,13 @@
               <a:rPr lang="ru-RU" smtClean="0"/>
               <a:t>Пятый уровень</a:t>
             </a:r>
-            <a:endParaRPr lang="ru-RU"/>
-          </a:p>
-        </p:txBody>
-      </p:sp>
-      <p:sp>
-        <p:nvSpPr>
-          <p:cNvPr id="4" name="Дата 3"/>
+            <a:endParaRPr lang="en-US" dirty="0"/>
+          </a:p>
+        </p:txBody>
+      </p:sp>
+      <p:sp>
+        <p:nvSpPr>
+          <p:cNvPr id="4" name="Date Placeholder 3"/>
           <p:cNvSpPr>
             <a:spLocks noGrp="1"/>
           </p:cNvSpPr>
@@ -795,17 +887,17 @@
           <a:bodyPr/>
           <a:lstStyle/>
           <a:p>
-            <a:fld id="{B4C71EC6-210F-42DE-9C53-41977AD35B3D}" type="datetimeFigureOut">
-              <a:rPr lang="ru-RU" smtClean="0"/>
-              <a:t>04.01.2022</a:t>
+            <a:fld id="{A5D3794B-289A-4A80-97D7-111025398D45}" type="datetimeFigureOut">
+              <a:rPr lang="en-US" dirty="0"/>
+              <a:t>1/17/2022</a:t>
             </a:fld>
-            <a:endParaRPr lang="ru-RU"/>
-          </a:p>
-        </p:txBody>
-      </p:sp>
-      <p:sp>
-        <p:nvSpPr>
-          <p:cNvPr id="5" name="Нижний колонтитул 4"/>
+            <a:endParaRPr lang="en-US" dirty="0"/>
+          </a:p>
+        </p:txBody>
+      </p:sp>
+      <p:sp>
+        <p:nvSpPr>
+          <p:cNvPr id="5" name="Footer Placeholder 4"/>
           <p:cNvSpPr>
             <a:spLocks noGrp="1"/>
           </p:cNvSpPr>
@@ -818,13 +910,13 @@
           <a:bodyPr/>
           <a:lstStyle/>
           <a:p>
-            <a:endParaRPr lang="ru-RU"/>
-          </a:p>
-        </p:txBody>
-      </p:sp>
-      <p:sp>
-        <p:nvSpPr>
-          <p:cNvPr id="6" name="Номер слайда 5"/>
+            <a:endParaRPr lang="en-US" dirty="0"/>
+          </a:p>
+        </p:txBody>
+      </p:sp>
+      <p:sp>
+        <p:nvSpPr>
+          <p:cNvPr id="6" name="Slide Number Placeholder 5"/>
           <p:cNvSpPr>
             <a:spLocks noGrp="1"/>
           </p:cNvSpPr>
@@ -837,11 +929,11 @@
           <a:bodyPr/>
           <a:lstStyle/>
           <a:p>
-            <a:fld id="{B19B0651-EE4F-4900-A07F-96A6BFA9D0F0}" type="slidenum">
-              <a:rPr lang="ru-RU" smtClean="0"/>
+            <a:fld id="{4FAB73BC-B049-4115-A692-8D63A059BFB8}" type="slidenum">
+              <a:rPr lang="en-US" dirty="0"/>
               <a:t>‹#›</a:t>
             </a:fld>
-            <a:endParaRPr lang="ru-RU"/>
+            <a:endParaRPr lang="en-US" dirty="0"/>
           </a:p>
         </p:txBody>
       </p:sp>
@@ -854,7 +946,7 @@
 </file>
 
 <file path=ppt/slideLayouts/slideLayout3.xml><?xml version="1.0" encoding="utf-8"?>
-<p:sldLayout xmlns:a="http://schemas.openxmlformats.org/drawingml/2006/main" xmlns:r="http://schemas.openxmlformats.org/officeDocument/2006/relationships" xmlns:p="http://schemas.openxmlformats.org/presentationml/2006/main" type="secHead" preserve="1">
+<p:sldLayout xmlns:a="http://schemas.openxmlformats.org/drawingml/2006/main" xmlns:r="http://schemas.openxmlformats.org/officeDocument/2006/relationships" xmlns:p="http://schemas.openxmlformats.org/presentationml/2006/main" showMasterSp="0" type="secHead" preserve="1">
   <p:cSld name="Заголовок раздела">
     <p:spTree>
       <p:nvGrpSpPr>
@@ -872,7 +964,7 @@
       </p:grpSpPr>
       <p:sp>
         <p:nvSpPr>
-          <p:cNvPr id="2" name="Заголовок 1"/>
+          <p:cNvPr id="2" name="Title 1"/>
           <p:cNvSpPr>
             <a:spLocks noGrp="1"/>
           </p:cNvSpPr>
@@ -882,15 +974,17 @@
         </p:nvSpPr>
         <p:spPr>
           <a:xfrm>
-            <a:off x="722313" y="4406900"/>
-            <a:ext cx="7772400" cy="1362075"/>
+            <a:off x="457200" y="4960137"/>
+            <a:ext cx="7772400" cy="1463040"/>
           </a:xfrm>
         </p:spPr>
         <p:txBody>
-          <a:bodyPr anchor="t"/>
+          <a:bodyPr anchor="ctr">
+            <a:normAutofit/>
+          </a:bodyPr>
           <a:lstStyle>
-            <a:lvl1pPr algn="l">
-              <a:defRPr sz="4000" b="1" cap="all"/>
+            <a:lvl1pPr algn="r">
+              <a:defRPr sz="5000" b="0" spc="200" baseline="0"/>
             </a:lvl1pPr>
           </a:lstStyle>
           <a:p>
@@ -898,13 +992,13 @@
               <a:rPr lang="ru-RU" smtClean="0"/>
               <a:t>Образец заголовка</a:t>
             </a:r>
-            <a:endParaRPr lang="ru-RU"/>
-          </a:p>
-        </p:txBody>
-      </p:sp>
-      <p:sp>
-        <p:nvSpPr>
-          <p:cNvPr id="3" name="Текст 2"/>
+            <a:endParaRPr lang="en-US" dirty="0"/>
+          </a:p>
+        </p:txBody>
+      </p:sp>
+      <p:sp>
+        <p:nvSpPr>
+          <p:cNvPr id="3" name="Text Placeholder 2"/>
           <p:cNvSpPr>
             <a:spLocks noGrp="1"/>
           </p:cNvSpPr>
@@ -914,19 +1008,28 @@
         </p:nvSpPr>
         <p:spPr>
           <a:xfrm>
-            <a:off x="722313" y="2906713"/>
-            <a:ext cx="7772400" cy="1500187"/>
+            <a:off x="8610600" y="4960137"/>
+            <a:ext cx="3200400" cy="1463040"/>
           </a:xfrm>
         </p:spPr>
         <p:txBody>
-          <a:bodyPr anchor="b"/>
+          <a:bodyPr lIns="91440" rIns="91440" anchor="ctr">
+            <a:normAutofit/>
+          </a:bodyPr>
           <a:lstStyle>
             <a:lvl1pPr marL="0" indent="0">
-              <a:buNone/>
-              <a:defRPr sz="2000">
+              <a:lnSpc>
+                <a:spcPct val="100000"/>
+              </a:lnSpc>
+              <a:spcBef>
+                <a:spcPts val="0"/>
+              </a:spcBef>
+              <a:buNone/>
+              <a:defRPr sz="1800">
                 <a:solidFill>
                   <a:schemeClr val="tx1">
-                    <a:tint val="75000"/>
+                    <a:lumMod val="95000"/>
+                    <a:lumOff val="5000"/>
                   </a:schemeClr>
                 </a:solidFill>
               </a:defRPr>
@@ -1023,7 +1126,7 @@
       </p:sp>
       <p:sp>
         <p:nvSpPr>
-          <p:cNvPr id="4" name="Дата 3"/>
+          <p:cNvPr id="4" name="Date Placeholder 3"/>
           <p:cNvSpPr>
             <a:spLocks noGrp="1"/>
           </p:cNvSpPr>
@@ -1036,17 +1139,17 @@
           <a:bodyPr/>
           <a:lstStyle/>
           <a:p>
-            <a:fld id="{B4C71EC6-210F-42DE-9C53-41977AD35B3D}" type="datetimeFigureOut">
-              <a:rPr lang="ru-RU" smtClean="0"/>
-              <a:t>04.01.2022</a:t>
+            <a:fld id="{5A61015F-7CC6-4D0A-9D87-873EA4C304CC}" type="datetimeFigureOut">
+              <a:rPr lang="en-US" dirty="0"/>
+              <a:t>1/17/2022</a:t>
             </a:fld>
-            <a:endParaRPr lang="ru-RU"/>
-          </a:p>
-        </p:txBody>
-      </p:sp>
-      <p:sp>
-        <p:nvSpPr>
-          <p:cNvPr id="5" name="Нижний колонтитул 4"/>
+            <a:endParaRPr lang="en-US" dirty="0"/>
+          </a:p>
+        </p:txBody>
+      </p:sp>
+      <p:sp>
+        <p:nvSpPr>
+          <p:cNvPr id="5" name="Footer Placeholder 4"/>
           <p:cNvSpPr>
             <a:spLocks noGrp="1"/>
           </p:cNvSpPr>
@@ -1059,13 +1162,13 @@
           <a:bodyPr/>
           <a:lstStyle/>
           <a:p>
-            <a:endParaRPr lang="ru-RU"/>
-          </a:p>
-        </p:txBody>
-      </p:sp>
-      <p:sp>
-        <p:nvSpPr>
-          <p:cNvPr id="6" name="Номер слайда 5"/>
+            <a:endParaRPr lang="en-US" dirty="0"/>
+          </a:p>
+        </p:txBody>
+      </p:sp>
+      <p:sp>
+        <p:nvSpPr>
+          <p:cNvPr id="6" name="Slide Number Placeholder 5"/>
           <p:cNvSpPr>
             <a:spLocks noGrp="1"/>
           </p:cNvSpPr>
@@ -1078,14 +1181,97 @@
           <a:bodyPr/>
           <a:lstStyle/>
           <a:p>
-            <a:fld id="{B19B0651-EE4F-4900-A07F-96A6BFA9D0F0}" type="slidenum">
-              <a:rPr lang="ru-RU" smtClean="0"/>
+            <a:fld id="{4FAB73BC-B049-4115-A692-8D63A059BFB8}" type="slidenum">
+              <a:rPr lang="en-US" dirty="0"/>
               <a:t>‹#›</a:t>
             </a:fld>
-            <a:endParaRPr lang="ru-RU"/>
-          </a:p>
-        </p:txBody>
-      </p:sp>
+            <a:endParaRPr lang="en-US" dirty="0"/>
+          </a:p>
+        </p:txBody>
+      </p:sp>
+      <p:sp>
+        <p:nvSpPr>
+          <p:cNvPr id="10" name="Rectangle 9"/>
+          <p:cNvSpPr/>
+          <p:nvPr/>
+        </p:nvSpPr>
+        <p:spPr>
+          <a:xfrm>
+            <a:off x="0" y="-1"/>
+            <a:ext cx="12192000" cy="4572000"/>
+          </a:xfrm>
+          <a:prstGeom prst="rect">
+            <a:avLst/>
+          </a:prstGeom>
+          <a:blipFill dpi="0" rotWithShape="1">
+            <a:blip r:embed="rId2">
+              <a:duotone>
+                <a:schemeClr val="accent3">
+                  <a:shade val="45000"/>
+                  <a:satMod val="135000"/>
+                </a:schemeClr>
+                <a:prstClr val="white"/>
+              </a:duotone>
+            </a:blip>
+            <a:srcRect/>
+            <a:tile tx="25400" ty="6350" sx="71000" sy="71000" flip="none" algn="tl"/>
+          </a:blipFill>
+          <a:ln>
+            <a:noFill/>
+          </a:ln>
+        </p:spPr>
+        <p:style>
+          <a:lnRef idx="2">
+            <a:schemeClr val="accent1">
+              <a:shade val="50000"/>
+            </a:schemeClr>
+          </a:lnRef>
+          <a:fillRef idx="1">
+            <a:schemeClr val="accent1"/>
+          </a:fillRef>
+          <a:effectRef idx="0">
+            <a:schemeClr val="accent1"/>
+          </a:effectRef>
+          <a:fontRef idx="minor">
+            <a:schemeClr val="lt1"/>
+          </a:fontRef>
+        </p:style>
+      </p:sp>
+      <p:cxnSp>
+        <p:nvCxnSpPr>
+          <p:cNvPr id="12" name="Straight Connector 11"/>
+          <p:cNvCxnSpPr/>
+          <p:nvPr/>
+        </p:nvCxnSpPr>
+        <p:spPr>
+          <a:xfrm flipV="1">
+            <a:off x="8386842" y="5264106"/>
+            <a:ext cx="0" cy="914400"/>
+          </a:xfrm>
+          <a:prstGeom prst="line">
+            <a:avLst/>
+          </a:prstGeom>
+          <a:ln w="19050">
+            <a:solidFill>
+              <a:schemeClr val="accent3"/>
+            </a:solidFill>
+          </a:ln>
+        </p:spPr>
+        <p:style>
+          <a:lnRef idx="1">
+            <a:schemeClr val="accent1"/>
+          </a:lnRef>
+          <a:fillRef idx="0">
+            <a:schemeClr val="accent1"/>
+          </a:fillRef>
+          <a:effectRef idx="0">
+            <a:schemeClr val="accent1"/>
+          </a:effectRef>
+          <a:fontRef idx="minor">
+            <a:schemeClr val="tx1"/>
+          </a:fontRef>
+        </p:style>
+      </p:cxnSp>
     </p:spTree>
   </p:cSld>
   <p:clrMapOvr>
@@ -1113,159 +1299,51 @@
       </p:grpSpPr>
       <p:sp>
         <p:nvSpPr>
-          <p:cNvPr id="2" name="Заголовок 1"/>
+          <p:cNvPr id="2" name="Title 1"/>
           <p:cNvSpPr>
             <a:spLocks noGrp="1"/>
           </p:cNvSpPr>
           <p:nvPr>
             <p:ph type="title"/>
-          </p:nvPr>
-        </p:nvSpPr>
-        <p:spPr/>
-        <p:txBody>
-          <a:bodyPr/>
-          <a:lstStyle/>
-          <a:p>
-            <a:r>
-              <a:rPr lang="ru-RU" smtClean="0"/>
-              <a:t>Образец заголовка</a:t>
-            </a:r>
-            <a:endParaRPr lang="ru-RU"/>
-          </a:p>
-        </p:txBody>
-      </p:sp>
-      <p:sp>
-        <p:nvSpPr>
-          <p:cNvPr id="3" name="Содержимое 2"/>
-          <p:cNvSpPr>
-            <a:spLocks noGrp="1"/>
-          </p:cNvSpPr>
-          <p:nvPr>
-            <p:ph sz="half" idx="1"/>
           </p:nvPr>
         </p:nvSpPr>
         <p:spPr>
           <a:xfrm>
-            <a:off x="457200" y="1600200"/>
-            <a:ext cx="4038600" cy="4525963"/>
+            <a:off x="1024128" y="585216"/>
+            <a:ext cx="9720072" cy="1499616"/>
           </a:xfrm>
         </p:spPr>
         <p:txBody>
           <a:bodyPr/>
-          <a:lstStyle>
-            <a:lvl1pPr>
-              <a:defRPr sz="2800"/>
-            </a:lvl1pPr>
-            <a:lvl2pPr>
-              <a:defRPr sz="2400"/>
-            </a:lvl2pPr>
-            <a:lvl3pPr>
-              <a:defRPr sz="2000"/>
-            </a:lvl3pPr>
-            <a:lvl4pPr>
-              <a:defRPr sz="1800"/>
-            </a:lvl4pPr>
-            <a:lvl5pPr>
-              <a:defRPr sz="1800"/>
-            </a:lvl5pPr>
-            <a:lvl6pPr>
-              <a:defRPr sz="1800"/>
-            </a:lvl6pPr>
-            <a:lvl7pPr>
-              <a:defRPr sz="1800"/>
-            </a:lvl7pPr>
-            <a:lvl8pPr>
-              <a:defRPr sz="1800"/>
-            </a:lvl8pPr>
-            <a:lvl9pPr>
-              <a:defRPr sz="1800"/>
-            </a:lvl9pPr>
-          </a:lstStyle>
-          <a:p>
-            <a:pPr lvl="0"/>
-            <a:r>
-              <a:rPr lang="ru-RU" smtClean="0"/>
-              <a:t>Образец текста</a:t>
-            </a:r>
-          </a:p>
-          <a:p>
-            <a:pPr lvl="1"/>
-            <a:r>
-              <a:rPr lang="ru-RU" smtClean="0"/>
-              <a:t>Второй уровень</a:t>
-            </a:r>
-          </a:p>
-          <a:p>
-            <a:pPr lvl="2"/>
-            <a:r>
-              <a:rPr lang="ru-RU" smtClean="0"/>
-              <a:t>Третий уровень</a:t>
-            </a:r>
-          </a:p>
-          <a:p>
-            <a:pPr lvl="3"/>
-            <a:r>
-              <a:rPr lang="ru-RU" smtClean="0"/>
-              <a:t>Четвертый уровень</a:t>
-            </a:r>
-          </a:p>
-          <a:p>
-            <a:pPr lvl="4"/>
-            <a:r>
-              <a:rPr lang="ru-RU" smtClean="0"/>
-              <a:t>Пятый уровень</a:t>
-            </a:r>
-            <a:endParaRPr lang="ru-RU"/>
-          </a:p>
-        </p:txBody>
-      </p:sp>
-      <p:sp>
-        <p:nvSpPr>
-          <p:cNvPr id="4" name="Содержимое 3"/>
-          <p:cNvSpPr>
-            <a:spLocks noGrp="1"/>
-          </p:cNvSpPr>
-          <p:nvPr>
-            <p:ph sz="half" idx="2"/>
+          <a:lstStyle/>
+          <a:p>
+            <a:r>
+              <a:rPr lang="ru-RU" smtClean="0"/>
+              <a:t>Образец заголовка</a:t>
+            </a:r>
+            <a:endParaRPr lang="en-US" dirty="0"/>
+          </a:p>
+        </p:txBody>
+      </p:sp>
+      <p:sp>
+        <p:nvSpPr>
+          <p:cNvPr id="3" name="Content Placeholder 2"/>
+          <p:cNvSpPr>
+            <a:spLocks noGrp="1"/>
+          </p:cNvSpPr>
+          <p:nvPr>
+            <p:ph sz="half" idx="1"/>
           </p:nvPr>
         </p:nvSpPr>
         <p:spPr>
           <a:xfrm>
-            <a:off x="4648200" y="1600200"/>
-            <a:ext cx="4038600" cy="4525963"/>
+            <a:off x="1024127" y="2286000"/>
+            <a:ext cx="4754880" cy="4023360"/>
           </a:xfrm>
         </p:spPr>
         <p:txBody>
           <a:bodyPr/>
-          <a:lstStyle>
-            <a:lvl1pPr>
-              <a:defRPr sz="2800"/>
-            </a:lvl1pPr>
-            <a:lvl2pPr>
-              <a:defRPr sz="2400"/>
-            </a:lvl2pPr>
-            <a:lvl3pPr>
-              <a:defRPr sz="2000"/>
-            </a:lvl3pPr>
-            <a:lvl4pPr>
-              <a:defRPr sz="1800"/>
-            </a:lvl4pPr>
-            <a:lvl5pPr>
-              <a:defRPr sz="1800"/>
-            </a:lvl5pPr>
-            <a:lvl6pPr>
-              <a:defRPr sz="1800"/>
-            </a:lvl6pPr>
-            <a:lvl7pPr>
-              <a:defRPr sz="1800"/>
-            </a:lvl7pPr>
-            <a:lvl8pPr>
-              <a:defRPr sz="1800"/>
-            </a:lvl8pPr>
-            <a:lvl9pPr>
-              <a:defRPr sz="1800"/>
-            </a:lvl9pPr>
-          </a:lstStyle>
+          <a:lstStyle/>
           <a:p>
             <a:pPr lvl="0"/>
             <a:r>
@@ -1300,13 +1378,70 @@
               <a:rPr lang="ru-RU" smtClean="0"/>
               <a:t>Пятый уровень</a:t>
             </a:r>
-            <a:endParaRPr lang="ru-RU"/>
-          </a:p>
-        </p:txBody>
-      </p:sp>
-      <p:sp>
-        <p:nvSpPr>
-          <p:cNvPr id="5" name="Дата 4"/>
+            <a:endParaRPr lang="en-US" dirty="0"/>
+          </a:p>
+        </p:txBody>
+      </p:sp>
+      <p:sp>
+        <p:nvSpPr>
+          <p:cNvPr id="4" name="Content Placeholder 3"/>
+          <p:cNvSpPr>
+            <a:spLocks noGrp="1"/>
+          </p:cNvSpPr>
+          <p:nvPr>
+            <p:ph sz="half" idx="2"/>
+          </p:nvPr>
+        </p:nvSpPr>
+        <p:spPr>
+          <a:xfrm>
+            <a:off x="5989320" y="2286000"/>
+            <a:ext cx="4754880" cy="4023360"/>
+          </a:xfrm>
+        </p:spPr>
+        <p:txBody>
+          <a:bodyPr/>
+          <a:lstStyle/>
+          <a:p>
+            <a:pPr lvl="0"/>
+            <a:r>
+              <a:rPr lang="ru-RU" smtClean="0"/>
+              <a:t>Образец текста</a:t>
+            </a:r>
+          </a:p>
+          <a:p>
+            <a:pPr lvl="1"/>
+            <a:r>
+              <a:rPr lang="ru-RU" smtClean="0"/>
+              <a:t>Второй уровень</a:t>
+            </a:r>
+          </a:p>
+          <a:p>
+            <a:pPr lvl="2"/>
+            <a:r>
+              <a:rPr lang="ru-RU" smtClean="0"/>
+              <a:t>Третий уровень</a:t>
+            </a:r>
+          </a:p>
+          <a:p>
+            <a:pPr lvl="3"/>
+            <a:r>
+              <a:rPr lang="ru-RU" smtClean="0"/>
+              <a:t>Четвертый уровень</a:t>
+            </a:r>
+          </a:p>
+          <a:p>
+            <a:pPr lvl="4"/>
+            <a:r>
+              <a:rPr lang="ru-RU" smtClean="0"/>
+              <a:t>Пятый уровень</a:t>
+            </a:r>
+            <a:endParaRPr lang="en-US" dirty="0"/>
+          </a:p>
+        </p:txBody>
+      </p:sp>
+      <p:sp>
+        <p:nvSpPr>
+          <p:cNvPr id="5" name="Date Placeholder 4"/>
           <p:cNvSpPr>
             <a:spLocks noGrp="1"/>
           </p:cNvSpPr>
@@ -1319,17 +1454,17 @@
           <a:bodyPr/>
           <a:lstStyle/>
           <a:p>
-            <a:fld id="{B4C71EC6-210F-42DE-9C53-41977AD35B3D}" type="datetimeFigureOut">
-              <a:rPr lang="ru-RU" smtClean="0"/>
-              <a:t>04.01.2022</a:t>
+            <a:fld id="{93C6A301-0538-44EC-B09D-202E1042A48B}" type="datetimeFigureOut">
+              <a:rPr lang="en-US" dirty="0"/>
+              <a:t>1/17/2022</a:t>
             </a:fld>
-            <a:endParaRPr lang="ru-RU"/>
-          </a:p>
-        </p:txBody>
-      </p:sp>
-      <p:sp>
-        <p:nvSpPr>
-          <p:cNvPr id="6" name="Нижний колонтитул 5"/>
+            <a:endParaRPr lang="en-US" dirty="0"/>
+          </a:p>
+        </p:txBody>
+      </p:sp>
+      <p:sp>
+        <p:nvSpPr>
+          <p:cNvPr id="6" name="Footer Placeholder 5"/>
           <p:cNvSpPr>
             <a:spLocks noGrp="1"/>
           </p:cNvSpPr>
@@ -1342,13 +1477,13 @@
           <a:bodyPr/>
           <a:lstStyle/>
           <a:p>
-            <a:endParaRPr lang="ru-RU"/>
-          </a:p>
-        </p:txBody>
-      </p:sp>
-      <p:sp>
-        <p:nvSpPr>
-          <p:cNvPr id="7" name="Номер слайда 6"/>
+            <a:endParaRPr lang="en-US" dirty="0"/>
+          </a:p>
+        </p:txBody>
+      </p:sp>
+      <p:sp>
+        <p:nvSpPr>
+          <p:cNvPr id="7" name="Slide Number Placeholder 6"/>
           <p:cNvSpPr>
             <a:spLocks noGrp="1"/>
           </p:cNvSpPr>
@@ -1361,11 +1496,11 @@
           <a:bodyPr/>
           <a:lstStyle/>
           <a:p>
-            <a:fld id="{B19B0651-EE4F-4900-A07F-96A6BFA9D0F0}" type="slidenum">
-              <a:rPr lang="ru-RU" smtClean="0"/>
+            <a:fld id="{4FAB73BC-B049-4115-A692-8D63A059BFB8}" type="slidenum">
+              <a:rPr lang="en-US" dirty="0"/>
               <a:t>‹#›</a:t>
             </a:fld>
-            <a:endParaRPr lang="ru-RU"/>
+            <a:endParaRPr lang="en-US" dirty="0"/>
           </a:p>
         </p:txBody>
       </p:sp>
@@ -1396,7 +1531,7 @@
       </p:grpSpPr>
       <p:sp>
         <p:nvSpPr>
-          <p:cNvPr id="2" name="Заголовок 1"/>
+          <p:cNvPr id="10" name="Title 9"/>
           <p:cNvSpPr>
             <a:spLocks noGrp="1"/>
           </p:cNvSpPr>
@@ -1407,23 +1542,19 @@
         <p:spPr/>
         <p:txBody>
           <a:bodyPr/>
-          <a:lstStyle>
-            <a:lvl1pPr>
-              <a:defRPr/>
-            </a:lvl1pPr>
-          </a:lstStyle>
+          <a:lstStyle/>
           <a:p>
             <a:r>
               <a:rPr lang="ru-RU" smtClean="0"/>
               <a:t>Образец заголовка</a:t>
             </a:r>
-            <a:endParaRPr lang="ru-RU"/>
-          </a:p>
-        </p:txBody>
-      </p:sp>
-      <p:sp>
-        <p:nvSpPr>
-          <p:cNvPr id="3" name="Текст 2"/>
+            <a:endParaRPr lang="en-US" dirty="0"/>
+          </a:p>
+        </p:txBody>
+      </p:sp>
+      <p:sp>
+        <p:nvSpPr>
+          <p:cNvPr id="3" name="Text Placeholder 2"/>
           <p:cNvSpPr>
             <a:spLocks noGrp="1"/>
           </p:cNvSpPr>
@@ -1433,16 +1564,29 @@
         </p:nvSpPr>
         <p:spPr>
           <a:xfrm>
-            <a:off x="457200" y="1535113"/>
-            <a:ext cx="4040188" cy="639762"/>
+            <a:off x="1024128" y="2179636"/>
+            <a:ext cx="4754880" cy="822960"/>
           </a:xfrm>
         </p:spPr>
         <p:txBody>
-          <a:bodyPr anchor="b"/>
+          <a:bodyPr lIns="137160" rIns="137160" anchor="ctr">
+            <a:normAutofit/>
+          </a:bodyPr>
           <a:lstStyle>
             <a:lvl1pPr marL="0" indent="0">
-              <a:buNone/>
-              <a:defRPr sz="2400" b="1"/>
+              <a:spcBef>
+                <a:spcPts val="0"/>
+              </a:spcBef>
+              <a:spcAft>
+                <a:spcPts val="0"/>
+              </a:spcAft>
+              <a:buNone/>
+              <a:defRPr sz="2300" b="0" cap="none" baseline="0">
+                <a:solidFill>
+                  <a:schemeClr val="accent1"/>
+                </a:solidFill>
+                <a:latin typeface="+mn-lt"/>
+              </a:defRPr>
             </a:lvl1pPr>
             <a:lvl2pPr marL="457200" indent="0">
               <a:buNone/>
@@ -1488,7 +1632,7 @@
       </p:sp>
       <p:sp>
         <p:nvSpPr>
-          <p:cNvPr id="4" name="Содержимое 3"/>
+          <p:cNvPr id="4" name="Content Placeholder 3"/>
           <p:cNvSpPr>
             <a:spLocks noGrp="1"/>
           </p:cNvSpPr>
@@ -1498,41 +1642,13 @@
         </p:nvSpPr>
         <p:spPr>
           <a:xfrm>
-            <a:off x="457200" y="2174875"/>
-            <a:ext cx="4040188" cy="3951288"/>
+            <a:off x="1024128" y="2967788"/>
+            <a:ext cx="4754880" cy="3341572"/>
           </a:xfrm>
         </p:spPr>
         <p:txBody>
           <a:bodyPr/>
-          <a:lstStyle>
-            <a:lvl1pPr>
-              <a:defRPr sz="2400"/>
-            </a:lvl1pPr>
-            <a:lvl2pPr>
-              <a:defRPr sz="2000"/>
-            </a:lvl2pPr>
-            <a:lvl3pPr>
-              <a:defRPr sz="1800"/>
-            </a:lvl3pPr>
-            <a:lvl4pPr>
-              <a:defRPr sz="1600"/>
-            </a:lvl4pPr>
-            <a:lvl5pPr>
-              <a:defRPr sz="1600"/>
-            </a:lvl5pPr>
-            <a:lvl6pPr>
-              <a:defRPr sz="1600"/>
-            </a:lvl6pPr>
-            <a:lvl7pPr>
-              <a:defRPr sz="1600"/>
-            </a:lvl7pPr>
-            <a:lvl8pPr>
-              <a:defRPr sz="1600"/>
-            </a:lvl8pPr>
-            <a:lvl9pPr>
-              <a:defRPr sz="1600"/>
-            </a:lvl9pPr>
-          </a:lstStyle>
+          <a:lstStyle/>
           <a:p>
             <a:pPr lvl="0"/>
             <a:r>
@@ -1567,13 +1683,13 @@
               <a:rPr lang="ru-RU" smtClean="0"/>
               <a:t>Пятый уровень</a:t>
             </a:r>
-            <a:endParaRPr lang="ru-RU"/>
-          </a:p>
-        </p:txBody>
-      </p:sp>
-      <p:sp>
-        <p:nvSpPr>
-          <p:cNvPr id="5" name="Текст 4"/>
+            <a:endParaRPr lang="en-US" dirty="0"/>
+          </a:p>
+        </p:txBody>
+      </p:sp>
+      <p:sp>
+        <p:nvSpPr>
+          <p:cNvPr id="5" name="Text Placeholder 4"/>
           <p:cNvSpPr>
             <a:spLocks noGrp="1"/>
           </p:cNvSpPr>
@@ -1583,16 +1699,31 @@
         </p:nvSpPr>
         <p:spPr>
           <a:xfrm>
-            <a:off x="4645025" y="1535113"/>
-            <a:ext cx="4041775" cy="639762"/>
+            <a:off x="5990888" y="2179636"/>
+            <a:ext cx="4754880" cy="822960"/>
           </a:xfrm>
         </p:spPr>
         <p:txBody>
-          <a:bodyPr anchor="b"/>
+          <a:bodyPr lIns="137160" rIns="137160" anchor="ctr">
+            <a:normAutofit/>
+          </a:bodyPr>
           <a:lstStyle>
             <a:lvl1pPr marL="0" indent="0">
-              <a:buNone/>
-              <a:defRPr sz="2400" b="1"/>
+              <a:spcBef>
+                <a:spcPts val="0"/>
+              </a:spcBef>
+              <a:spcAft>
+                <a:spcPts val="0"/>
+              </a:spcAft>
+              <a:buNone/>
+              <a:defRPr lang="en-US" sz="2300" b="0" kern="1200" cap="none" baseline="0" dirty="0">
+                <a:solidFill>
+                  <a:schemeClr val="accent1"/>
+                </a:solidFill>
+                <a:latin typeface="+mn-lt"/>
+                <a:ea typeface="+mn-ea"/>
+                <a:cs typeface="+mn-cs"/>
+              </a:defRPr>
             </a:lvl1pPr>
             <a:lvl2pPr marL="457200" indent="0">
               <a:buNone/>
@@ -1628,7 +1759,15 @@
             </a:lvl9pPr>
           </a:lstStyle>
           <a:p>
-            <a:pPr lvl="0"/>
+            <a:pPr marL="0" lvl="0" indent="0" algn="l" defTabSz="914400" rtl="0" eaLnBrk="1" latinLnBrk="0" hangingPunct="1">
+              <a:lnSpc>
+                <a:spcPct val="90000"/>
+              </a:lnSpc>
+              <a:spcBef>
+                <a:spcPts val="1800"/>
+              </a:spcBef>
+              <a:buNone/>
+            </a:pPr>
             <a:r>
               <a:rPr lang="ru-RU" smtClean="0"/>
               <a:t>Образец текста</a:t>
@@ -1638,7 +1777,7 @@
       </p:sp>
       <p:sp>
         <p:nvSpPr>
-          <p:cNvPr id="6" name="Содержимое 5"/>
+          <p:cNvPr id="6" name="Content Placeholder 5"/>
           <p:cNvSpPr>
             <a:spLocks noGrp="1"/>
           </p:cNvSpPr>
@@ -1648,41 +1787,13 @@
         </p:nvSpPr>
         <p:spPr>
           <a:xfrm>
-            <a:off x="4645025" y="2174875"/>
-            <a:ext cx="4041775" cy="3951288"/>
+            <a:off x="5990888" y="2967788"/>
+            <a:ext cx="4754880" cy="3341572"/>
           </a:xfrm>
         </p:spPr>
         <p:txBody>
           <a:bodyPr/>
-          <a:lstStyle>
-            <a:lvl1pPr>
-              <a:defRPr sz="2400"/>
-            </a:lvl1pPr>
-            <a:lvl2pPr>
-              <a:defRPr sz="2000"/>
-            </a:lvl2pPr>
-            <a:lvl3pPr>
-              <a:defRPr sz="1800"/>
-            </a:lvl3pPr>
-            <a:lvl4pPr>
-              <a:defRPr sz="1600"/>
-            </a:lvl4pPr>
-            <a:lvl5pPr>
-              <a:defRPr sz="1600"/>
-            </a:lvl5pPr>
-            <a:lvl6pPr>
-              <a:defRPr sz="1600"/>
-            </a:lvl6pPr>
-            <a:lvl7pPr>
-              <a:defRPr sz="1600"/>
-            </a:lvl7pPr>
-            <a:lvl8pPr>
-              <a:defRPr sz="1600"/>
-            </a:lvl8pPr>
-            <a:lvl9pPr>
-              <a:defRPr sz="1600"/>
-            </a:lvl9pPr>
-          </a:lstStyle>
+          <a:lstStyle/>
           <a:p>
             <a:pPr lvl="0"/>
             <a:r>
@@ -1717,13 +1828,13 @@
               <a:rPr lang="ru-RU" smtClean="0"/>
               <a:t>Пятый уровень</a:t>
             </a:r>
-            <a:endParaRPr lang="ru-RU"/>
-          </a:p>
-        </p:txBody>
-      </p:sp>
-      <p:sp>
-        <p:nvSpPr>
-          <p:cNvPr id="7" name="Дата 6"/>
+            <a:endParaRPr lang="en-US" dirty="0"/>
+          </a:p>
+        </p:txBody>
+      </p:sp>
+      <p:sp>
+        <p:nvSpPr>
+          <p:cNvPr id="7" name="Date Placeholder 6"/>
           <p:cNvSpPr>
             <a:spLocks noGrp="1"/>
           </p:cNvSpPr>
@@ -1736,17 +1847,17 @@
           <a:bodyPr/>
           <a:lstStyle/>
           <a:p>
-            <a:fld id="{B4C71EC6-210F-42DE-9C53-41977AD35B3D}" type="datetimeFigureOut">
-              <a:rPr lang="ru-RU" smtClean="0"/>
-              <a:t>04.01.2022</a:t>
+            <a:fld id="{D789574A-8875-45EF-8EA2-3CAA0F7ABC4C}" type="datetimeFigureOut">
+              <a:rPr lang="en-US" dirty="0"/>
+              <a:t>1/17/2022</a:t>
             </a:fld>
-            <a:endParaRPr lang="ru-RU"/>
-          </a:p>
-        </p:txBody>
-      </p:sp>
-      <p:sp>
-        <p:nvSpPr>
-          <p:cNvPr id="8" name="Нижний колонтитул 7"/>
+            <a:endParaRPr lang="en-US" dirty="0"/>
+          </a:p>
+        </p:txBody>
+      </p:sp>
+      <p:sp>
+        <p:nvSpPr>
+          <p:cNvPr id="8" name="Footer Placeholder 7"/>
           <p:cNvSpPr>
             <a:spLocks noGrp="1"/>
           </p:cNvSpPr>
@@ -1759,13 +1870,13 @@
           <a:bodyPr/>
           <a:lstStyle/>
           <a:p>
-            <a:endParaRPr lang="ru-RU"/>
-          </a:p>
-        </p:txBody>
-      </p:sp>
-      <p:sp>
-        <p:nvSpPr>
-          <p:cNvPr id="9" name="Номер слайда 8"/>
+            <a:endParaRPr lang="en-US" dirty="0"/>
+          </a:p>
+        </p:txBody>
+      </p:sp>
+      <p:sp>
+        <p:nvSpPr>
+          <p:cNvPr id="9" name="Slide Number Placeholder 8"/>
           <p:cNvSpPr>
             <a:spLocks noGrp="1"/>
           </p:cNvSpPr>
@@ -1778,11 +1889,11 @@
           <a:bodyPr/>
           <a:lstStyle/>
           <a:p>
-            <a:fld id="{B19B0651-EE4F-4900-A07F-96A6BFA9D0F0}" type="slidenum">
-              <a:rPr lang="ru-RU" smtClean="0"/>
+            <a:fld id="{4FAB73BC-B049-4115-A692-8D63A059BFB8}" type="slidenum">
+              <a:rPr lang="en-US" dirty="0"/>
               <a:t>‹#›</a:t>
             </a:fld>
-            <a:endParaRPr lang="ru-RU"/>
+            <a:endParaRPr lang="en-US" dirty="0"/>
           </a:p>
         </p:txBody>
       </p:sp>
@@ -1813,7 +1924,7 @@
       </p:grpSpPr>
       <p:sp>
         <p:nvSpPr>
-          <p:cNvPr id="2" name="Заголовок 1"/>
+          <p:cNvPr id="2" name="Title 1"/>
           <p:cNvSpPr>
             <a:spLocks noGrp="1"/>
           </p:cNvSpPr>
@@ -1830,13 +1941,13 @@
               <a:rPr lang="ru-RU" smtClean="0"/>
               <a:t>Образец заголовка</a:t>
             </a:r>
-            <a:endParaRPr lang="ru-RU"/>
-          </a:p>
-        </p:txBody>
-      </p:sp>
-      <p:sp>
-        <p:nvSpPr>
-          <p:cNvPr id="3" name="Дата 2"/>
+            <a:endParaRPr lang="en-US" dirty="0"/>
+          </a:p>
+        </p:txBody>
+      </p:sp>
+      <p:sp>
+        <p:nvSpPr>
+          <p:cNvPr id="3" name="Date Placeholder 2"/>
           <p:cNvSpPr>
             <a:spLocks noGrp="1"/>
           </p:cNvSpPr>
@@ -1849,17 +1960,17 @@
           <a:bodyPr/>
           <a:lstStyle/>
           <a:p>
-            <a:fld id="{B4C71EC6-210F-42DE-9C53-41977AD35B3D}" type="datetimeFigureOut">
-              <a:rPr lang="ru-RU" smtClean="0"/>
-              <a:t>04.01.2022</a:t>
+            <a:fld id="{67EF4D4C-5367-4C26-9E2B-D8088D7FCA81}" type="datetimeFigureOut">
+              <a:rPr lang="en-US" dirty="0"/>
+              <a:t>1/17/2022</a:t>
             </a:fld>
-            <a:endParaRPr lang="ru-RU"/>
-          </a:p>
-        </p:txBody>
-      </p:sp>
-      <p:sp>
-        <p:nvSpPr>
-          <p:cNvPr id="4" name="Нижний колонтитул 3"/>
+            <a:endParaRPr lang="en-US" dirty="0"/>
+          </a:p>
+        </p:txBody>
+      </p:sp>
+      <p:sp>
+        <p:nvSpPr>
+          <p:cNvPr id="4" name="Footer Placeholder 3"/>
           <p:cNvSpPr>
             <a:spLocks noGrp="1"/>
           </p:cNvSpPr>
@@ -1872,13 +1983,13 @@
           <a:bodyPr/>
           <a:lstStyle/>
           <a:p>
-            <a:endParaRPr lang="ru-RU"/>
-          </a:p>
-        </p:txBody>
-      </p:sp>
-      <p:sp>
-        <p:nvSpPr>
-          <p:cNvPr id="5" name="Номер слайда 4"/>
+            <a:endParaRPr lang="en-US" dirty="0"/>
+          </a:p>
+        </p:txBody>
+      </p:sp>
+      <p:sp>
+        <p:nvSpPr>
+          <p:cNvPr id="5" name="Slide Number Placeholder 4"/>
           <p:cNvSpPr>
             <a:spLocks noGrp="1"/>
           </p:cNvSpPr>
@@ -1891,11 +2002,11 @@
           <a:bodyPr/>
           <a:lstStyle/>
           <a:p>
-            <a:fld id="{B19B0651-EE4F-4900-A07F-96A6BFA9D0F0}" type="slidenum">
-              <a:rPr lang="ru-RU" smtClean="0"/>
+            <a:fld id="{4FAB73BC-B049-4115-A692-8D63A059BFB8}" type="slidenum">
+              <a:rPr lang="en-US" dirty="0"/>
               <a:t>‹#›</a:t>
             </a:fld>
-            <a:endParaRPr lang="ru-RU"/>
+            <a:endParaRPr lang="en-US" dirty="0"/>
           </a:p>
         </p:txBody>
       </p:sp>
@@ -1908,7 +2019,7 @@
 </file>
 
 <file path=ppt/slideLayouts/slideLayout7.xml><?xml version="1.0" encoding="utf-8"?>
-<p:sldLayout xmlns:a="http://schemas.openxmlformats.org/drawingml/2006/main" xmlns:r="http://schemas.openxmlformats.org/officeDocument/2006/relationships" xmlns:p="http://schemas.openxmlformats.org/presentationml/2006/main" type="blank" preserve="1">
+<p:sldLayout xmlns:a="http://schemas.openxmlformats.org/drawingml/2006/main" xmlns:r="http://schemas.openxmlformats.org/officeDocument/2006/relationships" xmlns:p="http://schemas.openxmlformats.org/presentationml/2006/main" showMasterSp="0" type="blank" preserve="1">
   <p:cSld name="Пустой слайд">
     <p:spTree>
       <p:nvGrpSpPr>
@@ -1926,7 +2037,7 @@
       </p:grpSpPr>
       <p:sp>
         <p:nvSpPr>
-          <p:cNvPr id="2" name="Дата 1"/>
+          <p:cNvPr id="2" name="Date Placeholder 1"/>
           <p:cNvSpPr>
             <a:spLocks noGrp="1"/>
           </p:cNvSpPr>
@@ -1939,17 +2050,17 @@
           <a:bodyPr/>
           <a:lstStyle/>
           <a:p>
-            <a:fld id="{B4C71EC6-210F-42DE-9C53-41977AD35B3D}" type="datetimeFigureOut">
-              <a:rPr lang="ru-RU" smtClean="0"/>
-              <a:t>04.01.2022</a:t>
+            <a:fld id="{56E91E96-98B0-4413-9547-46F3504108EF}" type="datetimeFigureOut">
+              <a:rPr lang="en-US" dirty="0"/>
+              <a:t>1/17/2022</a:t>
             </a:fld>
-            <a:endParaRPr lang="ru-RU"/>
-          </a:p>
-        </p:txBody>
-      </p:sp>
-      <p:sp>
-        <p:nvSpPr>
-          <p:cNvPr id="3" name="Нижний колонтитул 2"/>
+            <a:endParaRPr lang="en-US" dirty="0"/>
+          </a:p>
+        </p:txBody>
+      </p:sp>
+      <p:sp>
+        <p:nvSpPr>
+          <p:cNvPr id="3" name="Footer Placeholder 2"/>
           <p:cNvSpPr>
             <a:spLocks noGrp="1"/>
           </p:cNvSpPr>
@@ -1962,13 +2073,13 @@
           <a:bodyPr/>
           <a:lstStyle/>
           <a:p>
-            <a:endParaRPr lang="ru-RU"/>
-          </a:p>
-        </p:txBody>
-      </p:sp>
-      <p:sp>
-        <p:nvSpPr>
-          <p:cNvPr id="4" name="Номер слайда 3"/>
+            <a:endParaRPr lang="en-US" dirty="0"/>
+          </a:p>
+        </p:txBody>
+      </p:sp>
+      <p:sp>
+        <p:nvSpPr>
+          <p:cNvPr id="4" name="Slide Number Placeholder 3"/>
           <p:cNvSpPr>
             <a:spLocks noGrp="1"/>
           </p:cNvSpPr>
@@ -1981,11 +2092,11 @@
           <a:bodyPr/>
           <a:lstStyle/>
           <a:p>
-            <a:fld id="{B19B0651-EE4F-4900-A07F-96A6BFA9D0F0}" type="slidenum">
-              <a:rPr lang="ru-RU" smtClean="0"/>
+            <a:fld id="{4FAB73BC-B049-4115-A692-8D63A059BFB8}" type="slidenum">
+              <a:rPr lang="en-US" dirty="0"/>
               <a:t>‹#›</a:t>
             </a:fld>
-            <a:endParaRPr lang="ru-RU"/>
+            <a:endParaRPr lang="en-US" dirty="0"/>
           </a:p>
         </p:txBody>
       </p:sp>
@@ -2016,7 +2127,7 @@
       </p:grpSpPr>
       <p:sp>
         <p:nvSpPr>
-          <p:cNvPr id="2" name="Заголовок 1"/>
+          <p:cNvPr id="8" name="Title 7"/>
           <p:cNvSpPr>
             <a:spLocks noGrp="1"/>
           </p:cNvSpPr>
@@ -2026,15 +2137,20 @@
         </p:nvSpPr>
         <p:spPr>
           <a:xfrm>
-            <a:off x="457200" y="273050"/>
-            <a:ext cx="3008313" cy="1162050"/>
+            <a:off x="1024128" y="471509"/>
+            <a:ext cx="4389120" cy="1737360"/>
           </a:xfrm>
         </p:spPr>
         <p:txBody>
-          <a:bodyPr anchor="b"/>
+          <a:bodyPr>
+            <a:noAutofit/>
+          </a:bodyPr>
           <a:lstStyle>
-            <a:lvl1pPr algn="l">
-              <a:defRPr sz="2000" b="1"/>
+            <a:lvl1pPr>
+              <a:lnSpc>
+                <a:spcPct val="80000"/>
+              </a:lnSpc>
+              <a:defRPr sz="4000"/>
             </a:lvl1pPr>
           </a:lstStyle>
           <a:p>
@@ -2042,13 +2158,13 @@
               <a:rPr lang="ru-RU" smtClean="0"/>
               <a:t>Образец заголовка</a:t>
             </a:r>
-            <a:endParaRPr lang="ru-RU"/>
-          </a:p>
-        </p:txBody>
-      </p:sp>
-      <p:sp>
-        <p:nvSpPr>
-          <p:cNvPr id="3" name="Содержимое 2"/>
+            <a:endParaRPr lang="en-US" dirty="0"/>
+          </a:p>
+        </p:txBody>
+      </p:sp>
+      <p:sp>
+        <p:nvSpPr>
+          <p:cNvPr id="3" name="Content Placeholder 2"/>
           <p:cNvSpPr>
             <a:spLocks noGrp="1"/>
           </p:cNvSpPr>
@@ -2058,39 +2174,39 @@
         </p:nvSpPr>
         <p:spPr>
           <a:xfrm>
-            <a:off x="3575050" y="273050"/>
-            <a:ext cx="5111750" cy="5853113"/>
+            <a:off x="5715000" y="822960"/>
+            <a:ext cx="5678424" cy="5184648"/>
           </a:xfrm>
         </p:spPr>
         <p:txBody>
           <a:bodyPr/>
           <a:lstStyle>
             <a:lvl1pPr>
-              <a:defRPr sz="3200"/>
+              <a:defRPr sz="2400"/>
             </a:lvl1pPr>
             <a:lvl2pPr>
-              <a:defRPr sz="2800"/>
+              <a:defRPr sz="2000"/>
             </a:lvl2pPr>
             <a:lvl3pPr>
-              <a:defRPr sz="2400"/>
+              <a:defRPr sz="1600"/>
             </a:lvl3pPr>
             <a:lvl4pPr>
-              <a:defRPr sz="2000"/>
+              <a:defRPr sz="1600"/>
             </a:lvl4pPr>
             <a:lvl5pPr>
-              <a:defRPr sz="2000"/>
+              <a:defRPr sz="1600"/>
             </a:lvl5pPr>
             <a:lvl6pPr>
-              <a:defRPr sz="2000"/>
+              <a:defRPr sz="1600"/>
             </a:lvl6pPr>
             <a:lvl7pPr>
-              <a:defRPr sz="2000"/>
+              <a:defRPr sz="1600"/>
             </a:lvl7pPr>
             <a:lvl8pPr>
-              <a:defRPr sz="2000"/>
+              <a:defRPr sz="1600"/>
             </a:lvl8pPr>
             <a:lvl9pPr>
-              <a:defRPr sz="2000"/>
+              <a:defRPr sz="1600"/>
             </a:lvl9pPr>
           </a:lstStyle>
           <a:p>
@@ -2127,13 +2243,13 @@
               <a:rPr lang="ru-RU" smtClean="0"/>
               <a:t>Пятый уровень</a:t>
             </a:r>
-            <a:endParaRPr lang="ru-RU"/>
-          </a:p>
-        </p:txBody>
-      </p:sp>
-      <p:sp>
-        <p:nvSpPr>
-          <p:cNvPr id="4" name="Текст 3"/>
+            <a:endParaRPr lang="en-US" dirty="0"/>
+          </a:p>
+        </p:txBody>
+      </p:sp>
+      <p:sp>
+        <p:nvSpPr>
+          <p:cNvPr id="4" name="Text Placeholder 3"/>
           <p:cNvSpPr>
             <a:spLocks noGrp="1"/>
           </p:cNvSpPr>
@@ -2143,16 +2259,24 @@
         </p:nvSpPr>
         <p:spPr>
           <a:xfrm>
-            <a:off x="457200" y="1435100"/>
-            <a:ext cx="3008313" cy="4691063"/>
+            <a:off x="1024128" y="2257506"/>
+            <a:ext cx="4389120" cy="3762294"/>
           </a:xfrm>
         </p:spPr>
         <p:txBody>
-          <a:bodyPr/>
+          <a:bodyPr lIns="91440" rIns="91440">
+            <a:normAutofit/>
+          </a:bodyPr>
           <a:lstStyle>
             <a:lvl1pPr marL="0" indent="0">
-              <a:buNone/>
-              <a:defRPr sz="1400"/>
+              <a:lnSpc>
+                <a:spcPct val="108000"/>
+              </a:lnSpc>
+              <a:spcBef>
+                <a:spcPts val="600"/>
+              </a:spcBef>
+              <a:buNone/>
+              <a:defRPr sz="1600"/>
             </a:lvl1pPr>
             <a:lvl2pPr marL="457200" indent="0">
               <a:buNone/>
@@ -2198,7 +2322,7 @@
       </p:sp>
       <p:sp>
         <p:nvSpPr>
-          <p:cNvPr id="5" name="Дата 4"/>
+          <p:cNvPr id="5" name="Date Placeholder 4"/>
           <p:cNvSpPr>
             <a:spLocks noGrp="1"/>
           </p:cNvSpPr>
@@ -2211,17 +2335,17 @@
           <a:bodyPr/>
           <a:lstStyle/>
           <a:p>
-            <a:fld id="{B4C71EC6-210F-42DE-9C53-41977AD35B3D}" type="datetimeFigureOut">
-              <a:rPr lang="ru-RU" smtClean="0"/>
-              <a:t>04.01.2022</a:t>
+            <a:fld id="{05C68B11-C5A8-448C-8CE9-B1A273C79CFC}" type="datetimeFigureOut">
+              <a:rPr lang="en-US" dirty="0"/>
+              <a:t>1/17/2022</a:t>
             </a:fld>
-            <a:endParaRPr lang="ru-RU"/>
-          </a:p>
-        </p:txBody>
-      </p:sp>
-      <p:sp>
-        <p:nvSpPr>
-          <p:cNvPr id="6" name="Нижний колонтитул 5"/>
+            <a:endParaRPr lang="en-US" dirty="0"/>
+          </a:p>
+        </p:txBody>
+      </p:sp>
+      <p:sp>
+        <p:nvSpPr>
+          <p:cNvPr id="6" name="Footer Placeholder 5"/>
           <p:cNvSpPr>
             <a:spLocks noGrp="1"/>
           </p:cNvSpPr>
@@ -2234,13 +2358,13 @@
           <a:bodyPr/>
           <a:lstStyle/>
           <a:p>
-            <a:endParaRPr lang="ru-RU"/>
-          </a:p>
-        </p:txBody>
-      </p:sp>
-      <p:sp>
-        <p:nvSpPr>
-          <p:cNvPr id="7" name="Номер слайда 6"/>
+            <a:endParaRPr lang="en-US" dirty="0"/>
+          </a:p>
+        </p:txBody>
+      </p:sp>
+      <p:sp>
+        <p:nvSpPr>
+          <p:cNvPr id="7" name="Slide Number Placeholder 6"/>
           <p:cNvSpPr>
             <a:spLocks noGrp="1"/>
           </p:cNvSpPr>
@@ -2253,11 +2377,11 @@
           <a:bodyPr/>
           <a:lstStyle/>
           <a:p>
-            <a:fld id="{B19B0651-EE4F-4900-A07F-96A6BFA9D0F0}" type="slidenum">
-              <a:rPr lang="ru-RU" smtClean="0"/>
+            <a:fld id="{4FAB73BC-B049-4115-A692-8D63A059BFB8}" type="slidenum">
+              <a:rPr lang="en-US" dirty="0"/>
               <a:t>‹#›</a:t>
             </a:fld>
-            <a:endParaRPr lang="ru-RU"/>
+            <a:endParaRPr lang="en-US" dirty="0"/>
           </a:p>
         </p:txBody>
       </p:sp>
@@ -2270,7 +2394,7 @@
 </file>
 
 <file path=ppt/slideLayouts/slideLayout9.xml><?xml version="1.0" encoding="utf-8"?>
-<p:sldLayout xmlns:a="http://schemas.openxmlformats.org/drawingml/2006/main" xmlns:r="http://schemas.openxmlformats.org/officeDocument/2006/relationships" xmlns:p="http://schemas.openxmlformats.org/presentationml/2006/main" type="picTx" preserve="1">
+<p:sldLayout xmlns:a="http://schemas.openxmlformats.org/drawingml/2006/main" xmlns:r="http://schemas.openxmlformats.org/officeDocument/2006/relationships" xmlns:p="http://schemas.openxmlformats.org/presentationml/2006/main" showMasterSp="0" type="picTx" preserve="1">
   <p:cSld name="Рисунок с подписью">
     <p:spTree>
       <p:nvGrpSpPr>
@@ -2288,7 +2412,7 @@
       </p:grpSpPr>
       <p:sp>
         <p:nvSpPr>
-          <p:cNvPr id="2" name="Заголовок 1"/>
+          <p:cNvPr id="2" name="Title 1"/>
           <p:cNvSpPr>
             <a:spLocks noGrp="1"/>
           </p:cNvSpPr>
@@ -2298,15 +2422,17 @@
         </p:nvSpPr>
         <p:spPr>
           <a:xfrm>
-            <a:off x="1792288" y="4800600"/>
-            <a:ext cx="5486400" cy="566738"/>
+            <a:off x="457200" y="4960138"/>
+            <a:ext cx="7772400" cy="1463040"/>
           </a:xfrm>
         </p:spPr>
         <p:txBody>
-          <a:bodyPr anchor="b"/>
+          <a:bodyPr anchor="ctr">
+            <a:normAutofit/>
+          </a:bodyPr>
           <a:lstStyle>
-            <a:lvl1pPr algn="l">
-              <a:defRPr sz="2000" b="1"/>
+            <a:lvl1pPr algn="r">
+              <a:defRPr sz="5000" spc="200" baseline="0"/>
             </a:lvl1pPr>
           </a:lstStyle>
           <a:p>
@@ -2314,15 +2440,15 @@
               <a:rPr lang="ru-RU" smtClean="0"/>
               <a:t>Образец заголовка</a:t>
             </a:r>
-            <a:endParaRPr lang="ru-RU"/>
-          </a:p>
-        </p:txBody>
-      </p:sp>
-      <p:sp>
-        <p:nvSpPr>
-          <p:cNvPr id="3" name="Рисунок 2"/>
-          <p:cNvSpPr>
-            <a:spLocks noGrp="1"/>
+            <a:endParaRPr lang="en-US" dirty="0"/>
+          </a:p>
+        </p:txBody>
+      </p:sp>
+      <p:sp>
+        <p:nvSpPr>
+          <p:cNvPr id="3" name="Picture Placeholder 2"/>
+          <p:cNvSpPr>
+            <a:spLocks noGrp="1" noChangeAspect="1"/>
           </p:cNvSpPr>
           <p:nvPr>
             <p:ph type="pic" idx="1"/>
@@ -2330,12 +2456,15 @@
         </p:nvSpPr>
         <p:spPr>
           <a:xfrm>
-            <a:off x="1792288" y="612775"/>
-            <a:ext cx="5486400" cy="4114800"/>
+            <a:off x="0" y="-1"/>
+            <a:ext cx="12188952" cy="4572000"/>
           </a:xfrm>
+          <a:solidFill>
+            <a:schemeClr val="accent1"/>
+          </a:solidFill>
         </p:spPr>
         <p:txBody>
-          <a:bodyPr/>
+          <a:bodyPr lIns="457200" tIns="365760" rIns="45720" bIns="45720" anchor="t"/>
           <a:lstStyle>
             <a:lvl1pPr marL="0" indent="0">
               <a:buNone/>
@@ -2375,13 +2504,17 @@
             </a:lvl9pPr>
           </a:lstStyle>
           <a:p>
-            <a:endParaRPr lang="ru-RU"/>
-          </a:p>
-        </p:txBody>
-      </p:sp>
-      <p:sp>
-        <p:nvSpPr>
-          <p:cNvPr id="4" name="Текст 3"/>
+            <a:r>
+              <a:rPr lang="ru-RU" smtClean="0"/>
+              <a:t>Вставка рисунка</a:t>
+            </a:r>
+            <a:endParaRPr lang="en-US" dirty="0"/>
+          </a:p>
+        </p:txBody>
+      </p:sp>
+      <p:sp>
+        <p:nvSpPr>
+          <p:cNvPr id="4" name="Text Placeholder 3"/>
           <p:cNvSpPr>
             <a:spLocks noGrp="1"/>
           </p:cNvSpPr>
@@ -2391,48 +2524,63 @@
         </p:nvSpPr>
         <p:spPr>
           <a:xfrm>
-            <a:off x="1792288" y="5367338"/>
-            <a:ext cx="5486400" cy="804862"/>
+            <a:off x="8610600" y="4960138"/>
+            <a:ext cx="3200400" cy="1463040"/>
           </a:xfrm>
         </p:spPr>
         <p:txBody>
-          <a:bodyPr/>
+          <a:bodyPr lIns="91440" rIns="91440" anchor="ctr">
+            <a:normAutofit/>
+          </a:bodyPr>
           <a:lstStyle>
             <a:lvl1pPr marL="0" indent="0">
-              <a:buNone/>
-              <a:defRPr sz="1400"/>
+              <a:lnSpc>
+                <a:spcPct val="100000"/>
+              </a:lnSpc>
+              <a:spcBef>
+                <a:spcPts val="0"/>
+              </a:spcBef>
+              <a:buNone/>
+              <a:defRPr sz="1800">
+                <a:solidFill>
+                  <a:schemeClr val="tx1">
+                    <a:lumMod val="95000"/>
+                    <a:lumOff val="5000"/>
+                  </a:schemeClr>
+                </a:solidFill>
+              </a:defRPr>
             </a:lvl1pPr>
             <a:lvl2pPr marL="457200" indent="0">
               <a:buNone/>
-              <a:defRPr sz="1200"/>
+              <a:defRPr sz="1400"/>
             </a:lvl2pPr>
             <a:lvl3pPr marL="914400" indent="0">
               <a:buNone/>
-              <a:defRPr sz="1000"/>
+              <a:defRPr sz="1200"/>
             </a:lvl3pPr>
             <a:lvl4pPr marL="1371600" indent="0">
               <a:buNone/>
-              <a:defRPr sz="900"/>
+              <a:defRPr sz="1000"/>
             </a:lvl4pPr>
             <a:lvl5pPr marL="1828800" indent="0">
               <a:buNone/>
-              <a:defRPr sz="900"/>
+              <a:defRPr sz="1000"/>
             </a:lvl5pPr>
             <a:lvl6pPr marL="2286000" indent="0">
               <a:buNone/>
-              <a:defRPr sz="900"/>
+              <a:defRPr sz="1000"/>
             </a:lvl6pPr>
             <a:lvl7pPr marL="2743200" indent="0">
               <a:buNone/>
-              <a:defRPr sz="900"/>
+              <a:defRPr sz="1000"/>
             </a:lvl7pPr>
             <a:lvl8pPr marL="3200400" indent="0">
               <a:buNone/>
-              <a:defRPr sz="900"/>
+              <a:defRPr sz="1000"/>
             </a:lvl8pPr>
             <a:lvl9pPr marL="3657600" indent="0">
               <a:buNone/>
-              <a:defRPr sz="900"/>
+              <a:defRPr sz="1000"/>
             </a:lvl9pPr>
           </a:lstStyle>
           <a:p>
@@ -2446,7 +2594,7 @@
       </p:sp>
       <p:sp>
         <p:nvSpPr>
-          <p:cNvPr id="5" name="Дата 4"/>
+          <p:cNvPr id="5" name="Date Placeholder 4"/>
           <p:cNvSpPr>
             <a:spLocks noGrp="1"/>
           </p:cNvSpPr>
@@ -2459,17 +2607,17 @@
           <a:bodyPr/>
           <a:lstStyle/>
           <a:p>
-            <a:fld id="{B4C71EC6-210F-42DE-9C53-41977AD35B3D}" type="datetimeFigureOut">
-              <a:rPr lang="ru-RU" smtClean="0"/>
-              <a:t>04.01.2022</a:t>
+            <a:fld id="{C7616CA0-919D-4A49-9C8A-62FDFB3A5183}" type="datetimeFigureOut">
+              <a:rPr lang="en-US" dirty="0"/>
+              <a:t>1/17/2022</a:t>
             </a:fld>
-            <a:endParaRPr lang="ru-RU"/>
-          </a:p>
-        </p:txBody>
-      </p:sp>
-      <p:sp>
-        <p:nvSpPr>
-          <p:cNvPr id="6" name="Нижний колонтитул 5"/>
+            <a:endParaRPr lang="en-US" dirty="0"/>
+          </a:p>
+        </p:txBody>
+      </p:sp>
+      <p:sp>
+        <p:nvSpPr>
+          <p:cNvPr id="6" name="Footer Placeholder 5"/>
           <p:cNvSpPr>
             <a:spLocks noGrp="1"/>
           </p:cNvSpPr>
@@ -2482,13 +2630,13 @@
           <a:bodyPr/>
           <a:lstStyle/>
           <a:p>
-            <a:endParaRPr lang="ru-RU"/>
-          </a:p>
-        </p:txBody>
-      </p:sp>
-      <p:sp>
-        <p:nvSpPr>
-          <p:cNvPr id="7" name="Номер слайда 6"/>
+            <a:endParaRPr lang="en-US" dirty="0"/>
+          </a:p>
+        </p:txBody>
+      </p:sp>
+      <p:sp>
+        <p:nvSpPr>
+          <p:cNvPr id="7" name="Slide Number Placeholder 6"/>
           <p:cNvSpPr>
             <a:spLocks noGrp="1"/>
           </p:cNvSpPr>
@@ -2501,14 +2649,49 @@
           <a:bodyPr/>
           <a:lstStyle/>
           <a:p>
-            <a:fld id="{B19B0651-EE4F-4900-A07F-96A6BFA9D0F0}" type="slidenum">
-              <a:rPr lang="ru-RU" smtClean="0"/>
+            <a:fld id="{867E5644-1E61-4311-A31E-84CB9C7AA8A9}" type="slidenum">
+              <a:rPr lang="en-US" dirty="0"/>
               <a:t>‹#›</a:t>
             </a:fld>
-            <a:endParaRPr lang="ru-RU"/>
-          </a:p>
-        </p:txBody>
-      </p:sp>
+            <a:endParaRPr lang="en-US" dirty="0"/>
+          </a:p>
+        </p:txBody>
+      </p:sp>
+      <p:cxnSp>
+        <p:nvCxnSpPr>
+          <p:cNvPr id="8" name="Straight Connector 7"/>
+          <p:cNvCxnSpPr/>
+          <p:nvPr/>
+        </p:nvCxnSpPr>
+        <p:spPr>
+          <a:xfrm flipV="1">
+            <a:off x="8386843" y="5264106"/>
+            <a:ext cx="0" cy="914400"/>
+          </a:xfrm>
+          <a:prstGeom prst="line">
+            <a:avLst/>
+          </a:prstGeom>
+          <a:ln w="19050">
+            <a:solidFill>
+              <a:schemeClr val="accent1"/>
+            </a:solidFill>
+          </a:ln>
+        </p:spPr>
+        <p:style>
+          <a:lnRef idx="1">
+            <a:schemeClr val="accent1"/>
+          </a:lnRef>
+          <a:fillRef idx="0">
+            <a:schemeClr val="accent1"/>
+          </a:fillRef>
+          <a:effectRef idx="0">
+            <a:schemeClr val="accent1"/>
+          </a:effectRef>
+          <a:fontRef idx="minor">
+            <a:schemeClr val="tx1"/>
+          </a:fontRef>
+        </p:style>
+      </p:cxnSp>
     </p:spTree>
   </p:cSld>
   <p:clrMapOvr>
@@ -2522,7 +2705,7 @@
   <p:cSld>
     <p:bg>
       <p:bgRef idx="1001">
-        <a:schemeClr val="bg1"/>
+        <a:schemeClr val="bg2"/>
       </p:bgRef>
     </p:bg>
     <p:spTree>
@@ -2541,7 +2724,7 @@
       </p:grpSpPr>
       <p:sp>
         <p:nvSpPr>
-          <p:cNvPr id="2" name="Заголовок 1"/>
+          <p:cNvPr id="2" name="Title Placeholder 1"/>
           <p:cNvSpPr>
             <a:spLocks noGrp="1"/>
           </p:cNvSpPr>
@@ -2551,8 +2734,8 @@
         </p:nvSpPr>
         <p:spPr>
           <a:xfrm>
-            <a:off x="457200" y="274638"/>
-            <a:ext cx="8229600" cy="1143000"/>
+            <a:off x="1024128" y="585216"/>
+            <a:ext cx="9720072" cy="1499616"/>
           </a:xfrm>
           <a:prstGeom prst="rect">
             <a:avLst/>
@@ -2568,13 +2751,13 @@
               <a:rPr lang="ru-RU" smtClean="0"/>
               <a:t>Образец заголовка</a:t>
             </a:r>
-            <a:endParaRPr lang="ru-RU"/>
-          </a:p>
-        </p:txBody>
-      </p:sp>
-      <p:sp>
-        <p:nvSpPr>
-          <p:cNvPr id="3" name="Текст 2"/>
+            <a:endParaRPr lang="en-US" dirty="0"/>
+          </a:p>
+        </p:txBody>
+      </p:sp>
+      <p:sp>
+        <p:nvSpPr>
+          <p:cNvPr id="3" name="Text Placeholder 2"/>
           <p:cNvSpPr>
             <a:spLocks noGrp="1"/>
           </p:cNvSpPr>
@@ -2584,15 +2767,15 @@
         </p:nvSpPr>
         <p:spPr>
           <a:xfrm>
-            <a:off x="457200" y="1600200"/>
-            <a:ext cx="8229600" cy="4525963"/>
+            <a:off x="1024128" y="2286000"/>
+            <a:ext cx="9720073" cy="4023360"/>
           </a:xfrm>
           <a:prstGeom prst="rect">
             <a:avLst/>
           </a:prstGeom>
         </p:spPr>
         <p:txBody>
-          <a:bodyPr vert="horz" lIns="91440" tIns="45720" rIns="91440" bIns="45720" rtlCol="0">
+          <a:bodyPr vert="horz" lIns="45720" tIns="45720" rIns="45720" bIns="45720" rtlCol="0">
             <a:normAutofit/>
           </a:bodyPr>
           <a:lstStyle/>
@@ -2630,13 +2813,13 @@
               <a:rPr lang="ru-RU" smtClean="0"/>
               <a:t>Пятый уровень</a:t>
             </a:r>
-            <a:endParaRPr lang="ru-RU"/>
-          </a:p>
-        </p:txBody>
-      </p:sp>
-      <p:sp>
-        <p:nvSpPr>
-          <p:cNvPr id="4" name="Дата 3"/>
+            <a:endParaRPr lang="en-US" dirty="0"/>
+          </a:p>
+        </p:txBody>
+      </p:sp>
+      <p:sp>
+        <p:nvSpPr>
+          <p:cNvPr id="4" name="Date Placeholder 3"/>
           <p:cNvSpPr>
             <a:spLocks noGrp="1"/>
           </p:cNvSpPr>
@@ -2646,8 +2829,8 @@
         </p:nvSpPr>
         <p:spPr>
           <a:xfrm>
-            <a:off x="457200" y="6356350"/>
-            <a:ext cx="2133600" cy="365125"/>
+            <a:off x="1024129" y="6470704"/>
+            <a:ext cx="2154143" cy="274320"/>
           </a:xfrm>
           <a:prstGeom prst="rect">
             <a:avLst/>
@@ -2657,27 +2840,30 @@
           <a:bodyPr vert="horz" lIns="91440" tIns="45720" rIns="91440" bIns="45720" rtlCol="0" anchor="ctr"/>
           <a:lstStyle>
             <a:lvl1pPr algn="l">
-              <a:defRPr sz="1200">
+              <a:defRPr sz="1000">
                 <a:solidFill>
                   <a:schemeClr val="tx1">
-                    <a:tint val="75000"/>
+                    <a:lumMod val="95000"/>
+                    <a:lumOff val="5000"/>
                   </a:schemeClr>
                 </a:solidFill>
+                <a:latin typeface="+mj-lt"/>
               </a:defRPr>
             </a:lvl1pPr>
           </a:lstStyle>
           <a:p>
-            <a:fld id="{B4C71EC6-210F-42DE-9C53-41977AD35B3D}" type="datetimeFigureOut">
-              <a:rPr lang="ru-RU" smtClean="0"/>
-              <a:t>04.01.2022</a:t>
+            <a:fld id="{90298CD5-6C1E-4009-B41F-6DF62E31D3BE}" type="datetimeFigureOut">
+              <a:rPr lang="en-US" dirty="0"/>
+              <a:pPr/>
+              <a:t>1/17/2022</a:t>
             </a:fld>
-            <a:endParaRPr lang="ru-RU"/>
-          </a:p>
-        </p:txBody>
-      </p:sp>
-      <p:sp>
-        <p:nvSpPr>
-          <p:cNvPr id="5" name="Нижний колонтитул 4"/>
+            <a:endParaRPr lang="en-US" dirty="0"/>
+          </a:p>
+        </p:txBody>
+      </p:sp>
+      <p:sp>
+        <p:nvSpPr>
+          <p:cNvPr id="5" name="Footer Placeholder 4"/>
           <p:cNvSpPr>
             <a:spLocks noGrp="1"/>
           </p:cNvSpPr>
@@ -2687,8 +2873,8 @@
         </p:nvSpPr>
         <p:spPr>
           <a:xfrm>
-            <a:off x="3124200" y="6356350"/>
-            <a:ext cx="2895600" cy="365125"/>
+            <a:off x="4842932" y="6470704"/>
+            <a:ext cx="5901459" cy="274320"/>
           </a:xfrm>
           <a:prstGeom prst="rect">
             <a:avLst/>
@@ -2697,24 +2883,26 @@
         <p:txBody>
           <a:bodyPr vert="horz" lIns="91440" tIns="45720" rIns="91440" bIns="45720" rtlCol="0" anchor="ctr"/>
           <a:lstStyle>
-            <a:lvl1pPr algn="ctr">
-              <a:defRPr sz="1200">
+            <a:lvl1pPr algn="r">
+              <a:defRPr sz="1000" cap="all" baseline="0">
                 <a:solidFill>
                   <a:schemeClr val="tx1">
-                    <a:tint val="75000"/>
+                    <a:lumMod val="95000"/>
+                    <a:lumOff val="5000"/>
                   </a:schemeClr>
                 </a:solidFill>
+                <a:latin typeface="+mj-lt"/>
               </a:defRPr>
             </a:lvl1pPr>
           </a:lstStyle>
           <a:p>
-            <a:endParaRPr lang="ru-RU"/>
-          </a:p>
-        </p:txBody>
-      </p:sp>
-      <p:sp>
-        <p:nvSpPr>
-          <p:cNvPr id="6" name="Номер слайда 5"/>
+            <a:endParaRPr lang="en-US" dirty="0"/>
+          </a:p>
+        </p:txBody>
+      </p:sp>
+      <p:sp>
+        <p:nvSpPr>
+          <p:cNvPr id="6" name="Slide Number Placeholder 5"/>
           <p:cNvSpPr>
             <a:spLocks noGrp="1"/>
           </p:cNvSpPr>
@@ -2724,8 +2912,8 @@
         </p:nvSpPr>
         <p:spPr>
           <a:xfrm>
-            <a:off x="6553200" y="6356350"/>
-            <a:ext cx="2133600" cy="365125"/>
+            <a:off x="10837333" y="6470704"/>
+            <a:ext cx="973667" cy="274320"/>
           </a:xfrm>
           <a:prstGeom prst="rect">
             <a:avLst/>
@@ -2734,28 +2922,66 @@
         <p:txBody>
           <a:bodyPr vert="horz" lIns="91440" tIns="45720" rIns="91440" bIns="45720" rtlCol="0" anchor="ctr"/>
           <a:lstStyle>
-            <a:lvl1pPr algn="r">
-              <a:defRPr sz="1200">
+            <a:lvl1pPr algn="l">
+              <a:defRPr sz="1000">
                 <a:solidFill>
                   <a:schemeClr val="tx1">
-                    <a:tint val="75000"/>
+                    <a:lumMod val="95000"/>
+                    <a:lumOff val="5000"/>
                   </a:schemeClr>
                 </a:solidFill>
+                <a:latin typeface="+mj-lt"/>
               </a:defRPr>
             </a:lvl1pPr>
           </a:lstStyle>
           <a:p>
-            <a:fld id="{B19B0651-EE4F-4900-A07F-96A6BFA9D0F0}" type="slidenum">
-              <a:rPr lang="ru-RU" smtClean="0"/>
+            <a:fld id="{4FAB73BC-B049-4115-A692-8D63A059BFB8}" type="slidenum">
+              <a:rPr lang="en-US" dirty="0"/>
+              <a:pPr/>
               <a:t>‹#›</a:t>
             </a:fld>
-            <a:endParaRPr lang="ru-RU"/>
-          </a:p>
-        </p:txBody>
-      </p:sp>
+            <a:endParaRPr lang="en-US" dirty="0"/>
+          </a:p>
+        </p:txBody>
+      </p:sp>
+      <p:cxnSp>
+        <p:nvCxnSpPr>
+          <p:cNvPr id="7" name="Straight Connector 6"/>
+          <p:cNvCxnSpPr/>
+          <p:nvPr/>
+        </p:nvCxnSpPr>
+        <p:spPr>
+          <a:xfrm flipV="1">
+            <a:off x="762000" y="826324"/>
+            <a:ext cx="0" cy="914400"/>
+          </a:xfrm>
+          <a:prstGeom prst="line">
+            <a:avLst/>
+          </a:prstGeom>
+          <a:ln w="19050">
+            <a:solidFill>
+              <a:schemeClr val="accent1"/>
+            </a:solidFill>
+          </a:ln>
+        </p:spPr>
+        <p:style>
+          <a:lnRef idx="1">
+            <a:schemeClr val="accent1"/>
+          </a:lnRef>
+          <a:fillRef idx="0">
+            <a:schemeClr val="accent1"/>
+          </a:fillRef>
+          <a:effectRef idx="0">
+            <a:schemeClr val="accent1"/>
+          </a:effectRef>
+          <a:fontRef idx="minor">
+            <a:schemeClr val="tx1"/>
+          </a:fontRef>
+        </p:style>
+      </p:cxnSp>
     </p:spTree>
   </p:cSld>
-  <p:clrMap bg1="lt1" tx1="dk1" bg2="lt2" tx2="dk2" accent1="accent1" accent2="accent2" accent3="accent3" accent4="accent4" accent5="accent5" accent6="accent6" hlink="hlink" folHlink="folHlink"/>
+  <p:clrMap bg1="dk1" tx1="lt1" bg2="dk2" tx2="lt2" accent1="accent1" accent2="accent2" accent3="accent3" accent4="accent4" accent5="accent5" accent6="accent6" hlink="hlink" folHlink="folHlink"/>
   <p:sldLayoutIdLst>
     <p:sldLayoutId id="2147483649" r:id="rId1"/>
     <p:sldLayoutId id="2147483650" r:id="rId2"/>
@@ -2765,20 +2991,26 @@
     <p:sldLayoutId id="2147483654" r:id="rId6"/>
     <p:sldLayoutId id="2147483655" r:id="rId7"/>
     <p:sldLayoutId id="2147483656" r:id="rId8"/>
-    <p:sldLayoutId id="2147483657" r:id="rId9"/>
+    <p:sldLayoutId id="2147483660" r:id="rId9"/>
     <p:sldLayoutId id="2147483658" r:id="rId10"/>
     <p:sldLayoutId id="2147483659" r:id="rId11"/>
   </p:sldLayoutIdLst>
   <p:txStyles>
     <p:titleStyle>
-      <a:lvl1pPr algn="ctr" defTabSz="914400" rtl="0" eaLnBrk="1" latinLnBrk="0" hangingPunct="1">
+      <a:lvl1pPr algn="l" defTabSz="914400" rtl="0" eaLnBrk="1" latinLnBrk="0" hangingPunct="1">
+        <a:lnSpc>
+          <a:spcPct val="80000"/>
+        </a:lnSpc>
         <a:spcBef>
           <a:spcPct val="0"/>
         </a:spcBef>
         <a:buNone/>
-        <a:defRPr sz="4400" kern="1200">
+        <a:defRPr sz="5000" kern="1200" cap="all" spc="100" baseline="0">
           <a:solidFill>
-            <a:schemeClr val="tx1"/>
+            <a:schemeClr val="tx1">
+              <a:lumMod val="95000"/>
+              <a:lumOff val="5000"/>
+            </a:schemeClr>
           </a:solidFill>
           <a:latin typeface="+mj-lt"/>
           <a:ea typeface="+mj-ea"/>
@@ -2787,13 +3019,23 @@
       </a:lvl1pPr>
     </p:titleStyle>
     <p:bodyStyle>
-      <a:lvl1pPr marL="342900" indent="-342900" algn="l" defTabSz="914400" rtl="0" eaLnBrk="1" latinLnBrk="0" hangingPunct="1">
+      <a:lvl1pPr marL="91440" indent="-91440" algn="l" defTabSz="914400" rtl="0" eaLnBrk="1" latinLnBrk="0" hangingPunct="1">
+        <a:lnSpc>
+          <a:spcPct val="90000"/>
+        </a:lnSpc>
         <a:spcBef>
-          <a:spcPct val="20000"/>
+          <a:spcPts val="1200"/>
         </a:spcBef>
-        <a:buFont typeface="Arial" pitchFamily="34" charset="0"/>
-        <a:buChar char="•"/>
-        <a:defRPr sz="3200" kern="1200">
+        <a:spcAft>
+          <a:spcPts val="200"/>
+        </a:spcAft>
+        <a:buClr>
+          <a:schemeClr val="accent1"/>
+        </a:buClr>
+        <a:buSzPct val="100000"/>
+        <a:buFont typeface="Tw Cen MT" panose="020B0602020104020603" pitchFamily="34" charset="0"/>
+        <a:buChar char=" "/>
+        <a:defRPr sz="2200" kern="1200">
           <a:solidFill>
             <a:schemeClr val="tx1"/>
           </a:solidFill>
@@ -2802,13 +3044,22 @@
           <a:cs typeface="+mn-cs"/>
         </a:defRPr>
       </a:lvl1pPr>
-      <a:lvl2pPr marL="742950" indent="-285750" algn="l" defTabSz="914400" rtl="0" eaLnBrk="1" latinLnBrk="0" hangingPunct="1">
+      <a:lvl2pPr marL="265176" indent="-137160" algn="l" defTabSz="914400" rtl="0" eaLnBrk="1" latinLnBrk="0" hangingPunct="1">
+        <a:lnSpc>
+          <a:spcPct val="90000"/>
+        </a:lnSpc>
         <a:spcBef>
-          <a:spcPct val="20000"/>
+          <a:spcPts val="200"/>
         </a:spcBef>
-        <a:buFont typeface="Arial" pitchFamily="34" charset="0"/>
-        <a:buChar char="–"/>
-        <a:defRPr sz="2800" kern="1200">
+        <a:spcAft>
+          <a:spcPts val="400"/>
+        </a:spcAft>
+        <a:buClr>
+          <a:schemeClr val="accent1"/>
+        </a:buClr>
+        <a:buFont typeface="Wingdings 3" pitchFamily="18" charset="2"/>
+        <a:buChar char=""/>
+        <a:defRPr sz="1800" kern="1200">
           <a:solidFill>
             <a:schemeClr val="tx1"/>
           </a:solidFill>
@@ -2817,13 +3068,22 @@
           <a:cs typeface="+mn-cs"/>
         </a:defRPr>
       </a:lvl2pPr>
-      <a:lvl3pPr marL="1143000" indent="-228600" algn="l" defTabSz="914400" rtl="0" eaLnBrk="1" latinLnBrk="0" hangingPunct="1">
+      <a:lvl3pPr marL="448056" indent="-137160" algn="l" defTabSz="914400" rtl="0" eaLnBrk="1" latinLnBrk="0" hangingPunct="1">
+        <a:lnSpc>
+          <a:spcPct val="90000"/>
+        </a:lnSpc>
         <a:spcBef>
-          <a:spcPct val="20000"/>
+          <a:spcPts val="200"/>
         </a:spcBef>
-        <a:buFont typeface="Arial" pitchFamily="34" charset="0"/>
-        <a:buChar char="•"/>
-        <a:defRPr sz="2400" kern="1200">
+        <a:spcAft>
+          <a:spcPts val="400"/>
+        </a:spcAft>
+        <a:buClr>
+          <a:schemeClr val="accent1"/>
+        </a:buClr>
+        <a:buFont typeface="Wingdings 3" pitchFamily="18" charset="2"/>
+        <a:buChar char=""/>
+        <a:defRPr sz="1400" kern="1200">
           <a:solidFill>
             <a:schemeClr val="tx1"/>
           </a:solidFill>
@@ -2832,13 +3092,22 @@
           <a:cs typeface="+mn-cs"/>
         </a:defRPr>
       </a:lvl3pPr>
-      <a:lvl4pPr marL="1600200" indent="-228600" algn="l" defTabSz="914400" rtl="0" eaLnBrk="1" latinLnBrk="0" hangingPunct="1">
+      <a:lvl4pPr marL="594360" indent="-137160" algn="l" defTabSz="914400" rtl="0" eaLnBrk="1" latinLnBrk="0" hangingPunct="1">
+        <a:lnSpc>
+          <a:spcPct val="90000"/>
+        </a:lnSpc>
         <a:spcBef>
-          <a:spcPct val="20000"/>
+          <a:spcPts val="200"/>
         </a:spcBef>
-        <a:buFont typeface="Arial" pitchFamily="34" charset="0"/>
-        <a:buChar char="–"/>
-        <a:defRPr sz="2000" kern="1200">
+        <a:spcAft>
+          <a:spcPts val="400"/>
+        </a:spcAft>
+        <a:buClr>
+          <a:schemeClr val="accent1"/>
+        </a:buClr>
+        <a:buFont typeface="Wingdings 3" pitchFamily="18" charset="2"/>
+        <a:buChar char=""/>
+        <a:defRPr sz="1400" kern="1200">
           <a:solidFill>
             <a:schemeClr val="tx1"/>
           </a:solidFill>
@@ -2847,13 +3116,22 @@
           <a:cs typeface="+mn-cs"/>
         </a:defRPr>
       </a:lvl4pPr>
-      <a:lvl5pPr marL="2057400" indent="-228600" algn="l" defTabSz="914400" rtl="0" eaLnBrk="1" latinLnBrk="0" hangingPunct="1">
+      <a:lvl5pPr marL="777240" indent="-137160" algn="l" defTabSz="914400" rtl="0" eaLnBrk="1" latinLnBrk="0" hangingPunct="1">
+        <a:lnSpc>
+          <a:spcPct val="90000"/>
+        </a:lnSpc>
         <a:spcBef>
-          <a:spcPct val="20000"/>
+          <a:spcPts val="200"/>
         </a:spcBef>
-        <a:buFont typeface="Arial" pitchFamily="34" charset="0"/>
-        <a:buChar char="»"/>
-        <a:defRPr sz="2000" kern="1200">
+        <a:spcAft>
+          <a:spcPts val="400"/>
+        </a:spcAft>
+        <a:buClr>
+          <a:schemeClr val="accent1"/>
+        </a:buClr>
+        <a:buFont typeface="Wingdings 3" pitchFamily="18" charset="2"/>
+        <a:buChar char=""/>
+        <a:defRPr sz="1400" kern="1200">
           <a:solidFill>
             <a:schemeClr val="tx1"/>
           </a:solidFill>
@@ -2862,13 +3140,22 @@
           <a:cs typeface="+mn-cs"/>
         </a:defRPr>
       </a:lvl5pPr>
-      <a:lvl6pPr marL="2514600" indent="-228600" algn="l" defTabSz="914400" rtl="0" eaLnBrk="1" latinLnBrk="0" hangingPunct="1">
+      <a:lvl6pPr marL="914400" indent="-137160" algn="l" defTabSz="914400" rtl="0" eaLnBrk="1" latinLnBrk="0" hangingPunct="1">
+        <a:lnSpc>
+          <a:spcPct val="90000"/>
+        </a:lnSpc>
         <a:spcBef>
-          <a:spcPct val="20000"/>
+          <a:spcPts val="200"/>
         </a:spcBef>
-        <a:buFont typeface="Arial" pitchFamily="34" charset="0"/>
-        <a:buChar char="•"/>
-        <a:defRPr sz="2000" kern="1200">
+        <a:spcAft>
+          <a:spcPts val="400"/>
+        </a:spcAft>
+        <a:buClr>
+          <a:schemeClr val="accent1"/>
+        </a:buClr>
+        <a:buFont typeface="Wingdings 3" pitchFamily="18" charset="2"/>
+        <a:buChar char=""/>
+        <a:defRPr sz="1400" kern="1200">
           <a:solidFill>
             <a:schemeClr val="tx1"/>
           </a:solidFill>
@@ -2877,13 +3164,22 @@
           <a:cs typeface="+mn-cs"/>
         </a:defRPr>
       </a:lvl6pPr>
-      <a:lvl7pPr marL="2971800" indent="-228600" algn="l" defTabSz="914400" rtl="0" eaLnBrk="1" latinLnBrk="0" hangingPunct="1">
+      <a:lvl7pPr marL="1060704" indent="-137160" algn="l" defTabSz="914400" rtl="0" eaLnBrk="1" latinLnBrk="0" hangingPunct="1">
+        <a:lnSpc>
+          <a:spcPct val="90000"/>
+        </a:lnSpc>
         <a:spcBef>
-          <a:spcPct val="20000"/>
+          <a:spcPts val="200"/>
         </a:spcBef>
-        <a:buFont typeface="Arial" pitchFamily="34" charset="0"/>
-        <a:buChar char="•"/>
-        <a:defRPr sz="2000" kern="1200">
+        <a:spcAft>
+          <a:spcPts val="400"/>
+        </a:spcAft>
+        <a:buClr>
+          <a:schemeClr val="accent1"/>
+        </a:buClr>
+        <a:buFont typeface="Wingdings 3" pitchFamily="18" charset="2"/>
+        <a:buChar char=""/>
+        <a:defRPr sz="1400" kern="1200">
           <a:solidFill>
             <a:schemeClr val="tx1"/>
           </a:solidFill>
@@ -2892,13 +3188,22 @@
           <a:cs typeface="+mn-cs"/>
         </a:defRPr>
       </a:lvl7pPr>
-      <a:lvl8pPr marL="3429000" indent="-228600" algn="l" defTabSz="914400" rtl="0" eaLnBrk="1" latinLnBrk="0" hangingPunct="1">
+      <a:lvl8pPr marL="1216152" indent="-137160" algn="l" defTabSz="914400" rtl="0" eaLnBrk="1" latinLnBrk="0" hangingPunct="1">
+        <a:lnSpc>
+          <a:spcPct val="90000"/>
+        </a:lnSpc>
         <a:spcBef>
-          <a:spcPct val="20000"/>
+          <a:spcPts val="200"/>
         </a:spcBef>
-        <a:buFont typeface="Arial" pitchFamily="34" charset="0"/>
-        <a:buChar char="•"/>
-        <a:defRPr sz="2000" kern="1200">
+        <a:spcAft>
+          <a:spcPts val="400"/>
+        </a:spcAft>
+        <a:buClr>
+          <a:schemeClr val="accent1"/>
+        </a:buClr>
+        <a:buFont typeface="Wingdings 3" pitchFamily="18" charset="2"/>
+        <a:buChar char=""/>
+        <a:defRPr sz="1400" kern="1200">
           <a:solidFill>
             <a:schemeClr val="tx1"/>
           </a:solidFill>
@@ -2907,13 +3212,22 @@
           <a:cs typeface="+mn-cs"/>
         </a:defRPr>
       </a:lvl8pPr>
-      <a:lvl9pPr marL="3886200" indent="-228600" algn="l" defTabSz="914400" rtl="0" eaLnBrk="1" latinLnBrk="0" hangingPunct="1">
+      <a:lvl9pPr marL="1362456" indent="-137160" algn="l" defTabSz="914400" rtl="0" eaLnBrk="1" latinLnBrk="0" hangingPunct="1">
+        <a:lnSpc>
+          <a:spcPct val="90000"/>
+        </a:lnSpc>
         <a:spcBef>
-          <a:spcPct val="20000"/>
+          <a:spcPts val="200"/>
         </a:spcBef>
-        <a:buFont typeface="Arial" pitchFamily="34" charset="0"/>
-        <a:buChar char="•"/>
-        <a:defRPr sz="2000" kern="1200">
+        <a:spcAft>
+          <a:spcPts val="400"/>
+        </a:spcAft>
+        <a:buClr>
+          <a:schemeClr val="accent1"/>
+        </a:buClr>
+        <a:buFont typeface="Wingdings 3" pitchFamily="18" charset="2"/>
+        <a:buChar char=""/>
+        <a:defRPr sz="1400" kern="1200">
           <a:solidFill>
             <a:schemeClr val="tx1"/>
           </a:solidFill>
@@ -2925,7 +3239,7 @@
     </p:bodyStyle>
     <p:otherStyle>
       <a:defPPr>
-        <a:defRPr lang="ru-RU"/>
+        <a:defRPr lang="en-US"/>
       </a:defPPr>
       <a:lvl1pPr marL="0" algn="l" defTabSz="914400" rtl="0" eaLnBrk="1" latinLnBrk="0" hangingPunct="1">
         <a:defRPr sz="1800" kern="1200">
@@ -3049,57 +3363,51 @@
             <p:ph type="ctrTitle"/>
           </p:nvPr>
         </p:nvSpPr>
-        <p:spPr>
-          <a:xfrm>
-            <a:off x="683568" y="1556792"/>
-            <a:ext cx="7772400" cy="1470025"/>
-          </a:xfrm>
-        </p:spPr>
-        <p:txBody>
-          <a:bodyPr/>
-          <a:lstStyle/>
-          <a:p>
+        <p:spPr/>
+        <p:txBody>
+          <a:bodyPr/>
+          <a:lstStyle/>
+          <a:p>
+            <a:r>
+              <a:rPr lang="ru-RU" dirty="0"/>
+              <a:t>Название проекта</a:t>
+            </a:r>
+            <a:endParaRPr lang="ru-RU" dirty="0"/>
+          </a:p>
+        </p:txBody>
+      </p:sp>
+      <p:sp>
+        <p:nvSpPr>
+          <p:cNvPr id="3" name="Подзаголовок 2"/>
+          <p:cNvSpPr>
+            <a:spLocks noGrp="1"/>
+          </p:cNvSpPr>
+          <p:nvPr>
+            <p:ph type="subTitle" idx="1"/>
+          </p:nvPr>
+        </p:nvSpPr>
+        <p:spPr/>
+        <p:txBody>
+          <a:bodyPr/>
+          <a:lstStyle/>
+          <a:p>
+            <a:r>
+              <a:rPr lang="ru-RU" dirty="0" err="1"/>
+              <a:t>Чудинова</a:t>
+            </a:r>
+            <a:r>
+              <a:rPr lang="ru-RU" dirty="0"/>
+              <a:t> М.А</a:t>
+            </a:r>
+          </a:p>
+          <a:p>
+            <a:r>
+              <a:rPr lang="ru-RU" dirty="0"/>
+              <a:t>Пичугин А.Е</a:t>
+            </a:r>
             <a:r>
               <a:rPr lang="ru-RU" dirty="0" smtClean="0"/>
-              <a:t>Название проекта</a:t>
-            </a:r>
-            <a:endParaRPr lang="ru-RU" dirty="0"/>
-          </a:p>
-        </p:txBody>
-      </p:sp>
-      <p:sp>
-        <p:nvSpPr>
-          <p:cNvPr id="3" name="Подзаголовок 2"/>
-          <p:cNvSpPr>
-            <a:spLocks noGrp="1"/>
-          </p:cNvSpPr>
-          <p:nvPr>
-            <p:ph type="subTitle" idx="1"/>
-          </p:nvPr>
-        </p:nvSpPr>
-        <p:spPr>
-          <a:xfrm>
-            <a:off x="3419872" y="4149080"/>
-            <a:ext cx="4352528" cy="1489720"/>
-          </a:xfrm>
-        </p:spPr>
-        <p:txBody>
-          <a:bodyPr/>
-          <a:lstStyle/>
-          <a:p>
-            <a:r>
-              <a:rPr lang="ru-RU" dirty="0" err="1" smtClean="0"/>
-              <a:t>Чудинова</a:t>
-            </a:r>
-            <a:r>
-              <a:rPr lang="ru-RU" dirty="0" smtClean="0"/>
-              <a:t> М.А</a:t>
-            </a:r>
-          </a:p>
-          <a:p>
-            <a:r>
-              <a:rPr lang="ru-RU" dirty="0" smtClean="0"/>
-              <a:t>Пичугин А.Е.</a:t>
+              <a:t>.</a:t>
             </a:r>
             <a:endParaRPr lang="ru-RU" dirty="0"/>
           </a:p>
@@ -3108,7 +3416,7 @@
     </p:spTree>
     <p:extLst>
       <p:ext uri="{BB962C8B-B14F-4D97-AF65-F5344CB8AC3E}">
-        <p14:creationId xmlns:p14="http://schemas.microsoft.com/office/powerpoint/2010/main" val="4293616902"/>
+        <p14:creationId xmlns:p14="http://schemas.microsoft.com/office/powerpoint/2010/main" val="374380773"/>
       </p:ext>
     </p:extLst>
   </p:cSld>
@@ -3151,8 +3459,8 @@
           <a:lstStyle/>
           <a:p>
             <a:r>
-              <a:rPr lang="ru-RU" dirty="0" smtClean="0"/>
-              <a:t>Введение</a:t>
+              <a:rPr lang="ru-RU" dirty="0" err="1" smtClean="0"/>
+              <a:t>ВВедение</a:t>
             </a:r>
             <a:endParaRPr lang="ru-RU" dirty="0"/>
           </a:p>
@@ -3173,14 +3481,116 @@
           <a:bodyPr/>
           <a:lstStyle/>
           <a:p>
-            <a:endParaRPr lang="ru-RU"/>
-          </a:p>
-        </p:txBody>
-      </p:sp>
+            <a:pPr fontAlgn="base"/>
+            <a:r>
+              <a:rPr lang="ru-RU" dirty="0"/>
+              <a:t>Сегодня существует огромное количество различных компьютерных игр. Думая над темой проекта мы вспомнили о некогда популярной детской игре «</a:t>
+            </a:r>
+            <a:r>
+              <a:rPr lang="en-US" dirty="0" err="1"/>
+              <a:t>Purble</a:t>
+            </a:r>
+            <a:r>
+              <a:rPr lang="en-US" dirty="0"/>
+              <a:t> Place</a:t>
+            </a:r>
+            <a:r>
+              <a:rPr lang="ru-RU" dirty="0"/>
+              <a:t>». Она включала в себя 3 мини-игры, призванных развивать различные качества у игроков. </a:t>
+            </a:r>
+          </a:p>
+          <a:p>
+            <a:pPr fontAlgn="base"/>
+            <a:r>
+              <a:rPr lang="ru-RU" dirty="0"/>
+              <a:t>Мы решили создать 3 мини-игры в одном проекте.</a:t>
+            </a:r>
+          </a:p>
+          <a:p>
+            <a:endParaRPr lang="ru-RU" dirty="0"/>
+          </a:p>
+        </p:txBody>
+      </p:sp>
+      <p:pic>
+        <p:nvPicPr>
+          <p:cNvPr id="1027" name="Picture 3"/>
+          <p:cNvPicPr>
+            <a:picLocks noChangeAspect="1" noChangeArrowheads="1"/>
+          </p:cNvPicPr>
+          <p:nvPr/>
+        </p:nvPicPr>
+        <p:blipFill>
+          <a:blip r:embed="rId2">
+            <a:extLst>
+              <a:ext uri="{BEBA8EAE-BF5A-486C-A8C5-ECC9F3942E4B}">
+                <a14:imgProps xmlns:a14="http://schemas.microsoft.com/office/drawing/2010/main">
+                  <a14:imgLayer r:embed="rId3">
+                    <a14:imgEffect>
+                      <a14:backgroundRemoval t="4478" b="95025" l="9744" r="89744">
+                        <a14:foregroundMark x1="34872" y1="16418" x2="54872" y2="7960"/>
+                        <a14:foregroundMark x1="51282" y1="76617" x2="53846" y2="86070"/>
+                      </a14:backgroundRemoval>
+                    </a14:imgEffect>
+                  </a14:imgLayer>
+                </a14:imgProps>
+              </a:ext>
+              <a:ext uri="{28A0092B-C50C-407E-A947-70E740481C1C}">
+                <a14:useLocalDpi xmlns:a14="http://schemas.microsoft.com/office/drawing/2010/main" val="0"/>
+              </a:ext>
+            </a:extLst>
+          </a:blip>
+          <a:srcRect/>
+          <a:stretch>
+            <a:fillRect/>
+          </a:stretch>
+        </p:blipFill>
+        <p:spPr bwMode="auto">
+          <a:xfrm>
+            <a:off x="9681559" y="4261835"/>
+            <a:ext cx="1857375" cy="1914525"/>
+          </a:xfrm>
+          <a:prstGeom prst="rect">
+            <a:avLst/>
+          </a:prstGeom>
+          <a:noFill/>
+          <a:ln>
+            <a:noFill/>
+          </a:ln>
+          <a:effectLst/>
+          <a:extLst>
+            <a:ext uri="{909E8E84-426E-40DD-AFC4-6F175D3DCCD1}">
+              <a14:hiddenFill xmlns:a14="http://schemas.microsoft.com/office/drawing/2010/main">
+                <a:solidFill>
+                  <a:schemeClr val="accent1"/>
+                </a:solidFill>
+              </a14:hiddenFill>
+            </a:ext>
+            <a:ext uri="{91240B29-F687-4F45-9708-019B960494DF}">
+              <a14:hiddenLine xmlns:a14="http://schemas.microsoft.com/office/drawing/2010/main" w="9525">
+                <a:solidFill>
+                  <a:schemeClr val="tx1"/>
+                </a:solidFill>
+                <a:miter lim="800000"/>
+                <a:headEnd/>
+                <a:tailEnd/>
+              </a14:hiddenLine>
+            </a:ext>
+            <a:ext uri="{AF507438-7753-43E0-B8FC-AC1667EBCBE1}">
+              <a14:hiddenEffects xmlns:a14="http://schemas.microsoft.com/office/drawing/2010/main">
+                <a:effectLst>
+                  <a:outerShdw dist="35921" dir="2700000" algn="ctr" rotWithShape="0">
+                    <a:schemeClr val="bg2"/>
+                  </a:outerShdw>
+                </a:effectLst>
+              </a14:hiddenEffects>
+            </a:ext>
+          </a:extLst>
+        </p:spPr>
+      </p:pic>
     </p:spTree>
     <p:extLst>
       <p:ext uri="{BB962C8B-B14F-4D97-AF65-F5344CB8AC3E}">
-        <p14:creationId xmlns:p14="http://schemas.microsoft.com/office/powerpoint/2010/main" val="440139484"/>
+        <p14:creationId xmlns:p14="http://schemas.microsoft.com/office/powerpoint/2010/main" val="1053571978"/>
       </p:ext>
     </p:extLst>
   </p:cSld>
@@ -3245,14 +3655,14 @@
           <a:bodyPr/>
           <a:lstStyle/>
           <a:p>
-            <a:endParaRPr lang="ru-RU"/>
+            <a:endParaRPr lang="ru-RU" dirty="0"/>
           </a:p>
         </p:txBody>
       </p:sp>
     </p:spTree>
     <p:extLst>
       <p:ext uri="{BB962C8B-B14F-4D97-AF65-F5344CB8AC3E}">
-        <p14:creationId xmlns:p14="http://schemas.microsoft.com/office/powerpoint/2010/main" val="3557833080"/>
+        <p14:creationId xmlns:p14="http://schemas.microsoft.com/office/powerpoint/2010/main" val="337484534"/>
       </p:ext>
     </p:extLst>
   </p:cSld>
@@ -3296,7 +3706,15 @@
           <a:p>
             <a:r>
               <a:rPr lang="ru-RU" dirty="0" smtClean="0"/>
-              <a:t>Заключение</a:t>
+              <a:t>Игра № 1 «</a:t>
+            </a:r>
+            <a:r>
+              <a:rPr lang="en-US" dirty="0" smtClean="0"/>
+              <a:t>Black Forrest</a:t>
+            </a:r>
+            <a:r>
+              <a:rPr lang="ru-RU" dirty="0" smtClean="0"/>
+              <a:t>»</a:t>
             </a:r>
             <a:endParaRPr lang="ru-RU" dirty="0"/>
           </a:p>
@@ -3321,10 +3739,43 @@
           </a:p>
         </p:txBody>
       </p:sp>
+      <p:pic>
+        <p:nvPicPr>
+          <p:cNvPr id="4" name="Рисунок 3" descr="C:\Users\Mary\Desktop\Безымянный170,.png"/>
+          <p:cNvPicPr/>
+          <p:nvPr/>
+        </p:nvPicPr>
+        <p:blipFill>
+          <a:blip r:embed="rId2">
+            <a:extLst>
+              <a:ext uri="{28A0092B-C50C-407E-A947-70E740481C1C}">
+                <a14:useLocalDpi xmlns:a14="http://schemas.microsoft.com/office/drawing/2010/main" val="0"/>
+              </a:ext>
+            </a:extLst>
+          </a:blip>
+          <a:srcRect/>
+          <a:stretch>
+            <a:fillRect/>
+          </a:stretch>
+        </p:blipFill>
+        <p:spPr bwMode="auto">
+          <a:xfrm>
+            <a:off x="5798987" y="2586589"/>
+            <a:ext cx="6234430" cy="4168140"/>
+          </a:xfrm>
+          <a:prstGeom prst="rect">
+            <a:avLst/>
+          </a:prstGeom>
+          <a:noFill/>
+          <a:ln>
+            <a:noFill/>
+          </a:ln>
+        </p:spPr>
+      </p:pic>
     </p:spTree>
     <p:extLst>
       <p:ext uri="{BB962C8B-B14F-4D97-AF65-F5344CB8AC3E}">
-        <p14:creationId xmlns:p14="http://schemas.microsoft.com/office/powerpoint/2010/main" val="3292873821"/>
+        <p14:creationId xmlns:p14="http://schemas.microsoft.com/office/powerpoint/2010/main" val="1052593443"/>
       </p:ext>
     </p:extLst>
   </p:cSld>
@@ -3367,10 +3818,34 @@
           <a:lstStyle/>
           <a:p>
             <a:r>
-              <a:rPr lang="ru-RU" smtClean="0"/>
-              <a:t>Развитие проекта</a:t>
-            </a:r>
-            <a:endParaRPr lang="ru-RU"/>
+              <a:rPr lang="ru-RU" dirty="0" smtClean="0"/>
+              <a:t>Игра № </a:t>
+            </a:r>
+            <a:r>
+              <a:rPr lang="en-US" dirty="0" smtClean="0"/>
+              <a:t>2</a:t>
+            </a:r>
+            <a:r>
+              <a:rPr lang="ru-RU" dirty="0" smtClean="0"/>
+              <a:t> «</a:t>
+            </a:r>
+            <a:r>
+              <a:rPr lang="en-US" dirty="0" err="1" smtClean="0"/>
+              <a:t>mario</a:t>
+            </a:r>
+            <a:r>
+              <a:rPr lang="en-US" dirty="0" smtClean="0"/>
+              <a:t>: </a:t>
+            </a:r>
+            <a:r>
+              <a:rPr lang="en-US" dirty="0" err="1" smtClean="0"/>
+              <a:t>multiworld</a:t>
+            </a:r>
+            <a:r>
+              <a:rPr lang="ru-RU" dirty="0" smtClean="0"/>
+              <a:t>»</a:t>
+            </a:r>
+            <a:endParaRPr lang="ru-RU" dirty="0"/>
           </a:p>
         </p:txBody>
       </p:sp>
@@ -3396,7 +3871,403 @@
     </p:spTree>
     <p:extLst>
       <p:ext uri="{BB962C8B-B14F-4D97-AF65-F5344CB8AC3E}">
-        <p14:creationId xmlns:p14="http://schemas.microsoft.com/office/powerpoint/2010/main" val="4186267374"/>
+        <p14:creationId xmlns:p14="http://schemas.microsoft.com/office/powerpoint/2010/main" val="2402493192"/>
+      </p:ext>
+    </p:extLst>
+  </p:cSld>
+  <p:clrMapOvr>
+    <a:masterClrMapping/>
+  </p:clrMapOvr>
+</p:sld>
+</file>
+
+<file path=ppt/slides/slide6.xml><?xml version="1.0" encoding="utf-8"?>
+<p:sld xmlns:a="http://schemas.openxmlformats.org/drawingml/2006/main" xmlns:r="http://schemas.openxmlformats.org/officeDocument/2006/relationships" xmlns:p="http://schemas.openxmlformats.org/presentationml/2006/main">
+  <p:cSld>
+    <p:spTree>
+      <p:nvGrpSpPr>
+        <p:cNvPr id="1" name=""/>
+        <p:cNvGrpSpPr/>
+        <p:nvPr/>
+      </p:nvGrpSpPr>
+      <p:grpSpPr>
+        <a:xfrm>
+          <a:off x="0" y="0"/>
+          <a:ext cx="0" cy="0"/>
+          <a:chOff x="0" y="0"/>
+          <a:chExt cx="0" cy="0"/>
+        </a:xfrm>
+      </p:grpSpPr>
+      <p:sp>
+        <p:nvSpPr>
+          <p:cNvPr id="2" name="Заголовок 1"/>
+          <p:cNvSpPr>
+            <a:spLocks noGrp="1"/>
+          </p:cNvSpPr>
+          <p:nvPr>
+            <p:ph type="title"/>
+          </p:nvPr>
+        </p:nvSpPr>
+        <p:spPr/>
+        <p:txBody>
+          <a:bodyPr/>
+          <a:lstStyle/>
+          <a:p>
+            <a:r>
+              <a:rPr lang="ru-RU" dirty="0" smtClean="0"/>
+              <a:t>Игра № </a:t>
+            </a:r>
+            <a:r>
+              <a:rPr lang="en-US" dirty="0" smtClean="0"/>
+              <a:t>3</a:t>
+            </a:r>
+            <a:r>
+              <a:rPr lang="ru-RU" dirty="0" smtClean="0"/>
+              <a:t> «</a:t>
+            </a:r>
+            <a:r>
+              <a:rPr lang="en-US" dirty="0" smtClean="0"/>
+              <a:t>snowman</a:t>
+            </a:r>
+            <a:r>
+              <a:rPr lang="ru-RU" dirty="0" smtClean="0"/>
+              <a:t>»</a:t>
+            </a:r>
+            <a:endParaRPr lang="ru-RU" dirty="0"/>
+          </a:p>
+        </p:txBody>
+      </p:sp>
+      <p:sp>
+        <p:nvSpPr>
+          <p:cNvPr id="3" name="Объект 2"/>
+          <p:cNvSpPr>
+            <a:spLocks noGrp="1"/>
+          </p:cNvSpPr>
+          <p:nvPr>
+            <p:ph idx="1"/>
+          </p:nvPr>
+        </p:nvSpPr>
+        <p:spPr/>
+        <p:txBody>
+          <a:bodyPr/>
+          <a:lstStyle/>
+          <a:p>
+            <a:endParaRPr lang="ru-RU"/>
+          </a:p>
+        </p:txBody>
+      </p:sp>
+      <p:sp>
+        <p:nvSpPr>
+          <p:cNvPr id="4" name="Rectangle 2"/>
+          <p:cNvSpPr>
+            <a:spLocks noChangeArrowheads="1"/>
+          </p:cNvSpPr>
+          <p:nvPr/>
+        </p:nvSpPr>
+        <p:spPr bwMode="auto">
+          <a:xfrm>
+            <a:off x="0" y="0"/>
+            <a:ext cx="12192000" cy="0"/>
+          </a:xfrm>
+          <a:prstGeom prst="rect">
+            <a:avLst/>
+          </a:prstGeom>
+          <a:noFill/>
+          <a:ln>
+            <a:noFill/>
+          </a:ln>
+          <a:effectLst/>
+          <a:extLst>
+            <a:ext uri="{909E8E84-426E-40DD-AFC4-6F175D3DCCD1}">
+              <a14:hiddenFill xmlns:a14="http://schemas.microsoft.com/office/drawing/2010/main">
+                <a:solidFill>
+                  <a:schemeClr val="accent1"/>
+                </a:solidFill>
+              </a14:hiddenFill>
+            </a:ext>
+            <a:ext uri="{91240B29-F687-4F45-9708-019B960494DF}">
+              <a14:hiddenLine xmlns:a14="http://schemas.microsoft.com/office/drawing/2010/main" w="9525">
+                <a:solidFill>
+                  <a:schemeClr val="tx1"/>
+                </a:solidFill>
+                <a:miter lim="800000"/>
+                <a:headEnd/>
+                <a:tailEnd/>
+              </a14:hiddenLine>
+            </a:ext>
+            <a:ext uri="{AF507438-7753-43E0-B8FC-AC1667EBCBE1}">
+              <a14:hiddenEffects xmlns:a14="http://schemas.microsoft.com/office/drawing/2010/main">
+                <a:effectLst>
+                  <a:outerShdw dist="35921" dir="2700000" algn="ctr" rotWithShape="0">
+                    <a:schemeClr val="bg2"/>
+                  </a:outerShdw>
+                </a:effectLst>
+              </a14:hiddenEffects>
+            </a:ext>
+          </a:extLst>
+        </p:spPr>
+        <p:txBody>
+          <a:bodyPr vert="horz" wrap="none" lIns="91440" tIns="45720" rIns="91440" bIns="45720" numCol="1" anchor="ctr" anchorCtr="0" compatLnSpc="1">
+            <a:prstTxWarp prst="textNoShape">
+              <a:avLst/>
+            </a:prstTxWarp>
+            <a:spAutoFit/>
+          </a:bodyPr>
+          <a:lstStyle/>
+          <a:p>
+            <a:endParaRPr lang="ru-RU"/>
+          </a:p>
+        </p:txBody>
+      </p:sp>
+      <p:graphicFrame>
+        <p:nvGraphicFramePr>
+          <p:cNvPr id="5" name="Объект 4"/>
+          <p:cNvGraphicFramePr>
+            <a:graphicFrameLocks noChangeAspect="1"/>
+          </p:cNvGraphicFramePr>
+          <p:nvPr>
+            <p:extLst>
+              <p:ext uri="{D42A27DB-BD31-4B8C-83A1-F6EECF244321}">
+                <p14:modId xmlns:p14="http://schemas.microsoft.com/office/powerpoint/2010/main" val="2516248787"/>
+              </p:ext>
+            </p:extLst>
+          </p:nvPr>
+        </p:nvGraphicFramePr>
+        <p:xfrm>
+          <a:off x="5890661" y="2579571"/>
+          <a:ext cx="6124575" cy="4124325"/>
+        </p:xfrm>
+        <a:graphic>
+          <a:graphicData uri="http://schemas.openxmlformats.org/presentationml/2006/ole">
+            <mc:AlternateContent xmlns:mc="http://schemas.openxmlformats.org/markup-compatibility/2006">
+              <mc:Choice xmlns:v="urn:schemas-microsoft-com:vml" Requires="v">
+                <p:oleObj spid="_x0000_s2054" name="Точечный рисунок" r:id="rId3" imgW="6125430" imgH="4123810" progId="Paint.Picture">
+                  <p:embed/>
+                </p:oleObj>
+              </mc:Choice>
+              <mc:Fallback>
+                <p:oleObj name="Точечный рисунок" r:id="rId3" imgW="6125430" imgH="4123810" progId="Paint.Picture">
+                  <p:embed/>
+                  <p:pic>
+                    <p:nvPicPr>
+                      <p:cNvPr id="0" name="Object 1"/>
+                      <p:cNvPicPr>
+                        <a:picLocks noChangeAspect="1" noChangeArrowheads="1"/>
+                      </p:cNvPicPr>
+                      <p:nvPr/>
+                    </p:nvPicPr>
+                    <p:blipFill>
+                      <a:blip r:embed="rId4">
+                        <a:extLst>
+                          <a:ext uri="{28A0092B-C50C-407E-A947-70E740481C1C}">
+                            <a14:useLocalDpi xmlns:a14="http://schemas.microsoft.com/office/drawing/2010/main" val="0"/>
+                          </a:ext>
+                        </a:extLst>
+                      </a:blip>
+                      <a:srcRect/>
+                      <a:stretch>
+                        <a:fillRect/>
+                      </a:stretch>
+                    </p:blipFill>
+                    <p:spPr bwMode="auto">
+                      <a:xfrm>
+                        <a:off x="5890661" y="2579571"/>
+                        <a:ext cx="6124575" cy="4124325"/>
+                      </a:xfrm>
+                      <a:prstGeom prst="rect">
+                        <a:avLst/>
+                      </a:prstGeom>
+                      <a:noFill/>
+                      <a:extLst>
+                        <a:ext uri="{909E8E84-426E-40DD-AFC4-6F175D3DCCD1}">
+                          <a14:hiddenFill xmlns:a14="http://schemas.microsoft.com/office/drawing/2010/main">
+                            <a:solidFill>
+                              <a:srgbClr val="FFFFFF"/>
+                            </a:solidFill>
+                          </a14:hiddenFill>
+                        </a:ext>
+                      </a:extLst>
+                    </p:spPr>
+                  </p:pic>
+                </p:oleObj>
+              </mc:Fallback>
+            </mc:AlternateContent>
+          </a:graphicData>
+        </a:graphic>
+      </p:graphicFrame>
+    </p:spTree>
+    <p:extLst>
+      <p:ext uri="{BB962C8B-B14F-4D97-AF65-F5344CB8AC3E}">
+        <p14:creationId xmlns:p14="http://schemas.microsoft.com/office/powerpoint/2010/main" val="2800487135"/>
+      </p:ext>
+    </p:extLst>
+  </p:cSld>
+  <p:clrMapOvr>
+    <a:masterClrMapping/>
+  </p:clrMapOvr>
+</p:sld>
+</file>
+
+<file path=ppt/slides/slide7.xml><?xml version="1.0" encoding="utf-8"?>
+<p:sld xmlns:a="http://schemas.openxmlformats.org/drawingml/2006/main" xmlns:r="http://schemas.openxmlformats.org/officeDocument/2006/relationships" xmlns:p="http://schemas.openxmlformats.org/presentationml/2006/main">
+  <p:cSld>
+    <p:spTree>
+      <p:nvGrpSpPr>
+        <p:cNvPr id="1" name=""/>
+        <p:cNvGrpSpPr/>
+        <p:nvPr/>
+      </p:nvGrpSpPr>
+      <p:grpSpPr>
+        <a:xfrm>
+          <a:off x="0" y="0"/>
+          <a:ext cx="0" cy="0"/>
+          <a:chOff x="0" y="0"/>
+          <a:chExt cx="0" cy="0"/>
+        </a:xfrm>
+      </p:grpSpPr>
+      <p:sp>
+        <p:nvSpPr>
+          <p:cNvPr id="2" name="Заголовок 1"/>
+          <p:cNvSpPr>
+            <a:spLocks noGrp="1"/>
+          </p:cNvSpPr>
+          <p:nvPr>
+            <p:ph type="title"/>
+          </p:nvPr>
+        </p:nvSpPr>
+        <p:spPr/>
+        <p:txBody>
+          <a:bodyPr/>
+          <a:lstStyle/>
+          <a:p>
+            <a:r>
+              <a:rPr lang="ru-RU" dirty="0" smtClean="0"/>
+              <a:t>Заключение</a:t>
+            </a:r>
+            <a:endParaRPr lang="ru-RU" dirty="0"/>
+          </a:p>
+        </p:txBody>
+      </p:sp>
+      <p:sp>
+        <p:nvSpPr>
+          <p:cNvPr id="3" name="Объект 2"/>
+          <p:cNvSpPr>
+            <a:spLocks noGrp="1"/>
+          </p:cNvSpPr>
+          <p:nvPr>
+            <p:ph idx="1"/>
+          </p:nvPr>
+        </p:nvSpPr>
+        <p:spPr/>
+        <p:txBody>
+          <a:bodyPr/>
+          <a:lstStyle/>
+          <a:p>
+            <a:r>
+              <a:rPr lang="ru-RU" dirty="0" smtClean="0"/>
+              <a:t>ТУТ ДОЛЖНА БЫТЬ СХЕМА ПРОЕКТА(ИЗ ГЛАВНОГО МЕНЮ В МЕНЮ ИГРЫ В ИГРУ И ТД)</a:t>
+            </a:r>
+            <a:endParaRPr lang="ru-RU" dirty="0"/>
+          </a:p>
+        </p:txBody>
+      </p:sp>
+    </p:spTree>
+    <p:extLst>
+      <p:ext uri="{BB962C8B-B14F-4D97-AF65-F5344CB8AC3E}">
+        <p14:creationId xmlns:p14="http://schemas.microsoft.com/office/powerpoint/2010/main" val="2773672162"/>
+      </p:ext>
+    </p:extLst>
+  </p:cSld>
+  <p:clrMapOvr>
+    <a:masterClrMapping/>
+  </p:clrMapOvr>
+</p:sld>
+</file>
+
+<file path=ppt/slides/slide8.xml><?xml version="1.0" encoding="utf-8"?>
+<p:sld xmlns:a="http://schemas.openxmlformats.org/drawingml/2006/main" xmlns:r="http://schemas.openxmlformats.org/officeDocument/2006/relationships" xmlns:p="http://schemas.openxmlformats.org/presentationml/2006/main">
+  <p:cSld>
+    <p:spTree>
+      <p:nvGrpSpPr>
+        <p:cNvPr id="1" name=""/>
+        <p:cNvGrpSpPr/>
+        <p:nvPr/>
+      </p:nvGrpSpPr>
+      <p:grpSpPr>
+        <a:xfrm>
+          <a:off x="0" y="0"/>
+          <a:ext cx="0" cy="0"/>
+          <a:chOff x="0" y="0"/>
+          <a:chExt cx="0" cy="0"/>
+        </a:xfrm>
+      </p:grpSpPr>
+      <p:sp>
+        <p:nvSpPr>
+          <p:cNvPr id="2" name="Заголовок 1"/>
+          <p:cNvSpPr>
+            <a:spLocks noGrp="1"/>
+          </p:cNvSpPr>
+          <p:nvPr>
+            <p:ph type="title"/>
+          </p:nvPr>
+        </p:nvSpPr>
+        <p:spPr/>
+        <p:txBody>
+          <a:bodyPr/>
+          <a:lstStyle/>
+          <a:p>
+            <a:r>
+              <a:rPr lang="ru-RU" dirty="0"/>
+              <a:t>Развитие проекта</a:t>
+            </a:r>
+            <a:endParaRPr lang="ru-RU" dirty="0"/>
+          </a:p>
+        </p:txBody>
+      </p:sp>
+      <p:sp>
+        <p:nvSpPr>
+          <p:cNvPr id="3" name="Объект 2"/>
+          <p:cNvSpPr>
+            <a:spLocks noGrp="1"/>
+          </p:cNvSpPr>
+          <p:nvPr>
+            <p:ph idx="1"/>
+          </p:nvPr>
+        </p:nvSpPr>
+        <p:spPr/>
+        <p:txBody>
+          <a:bodyPr/>
+          <a:lstStyle/>
+          <a:p>
+            <a:r>
+              <a:rPr lang="ru-RU" dirty="0"/>
+              <a:t>Все 3 мини-игры работают.</a:t>
+            </a:r>
+          </a:p>
+          <a:p>
+            <a:pPr marL="0" indent="0">
+              <a:buNone/>
+            </a:pPr>
+            <a:endParaRPr lang="ru-RU" dirty="0"/>
+          </a:p>
+          <a:p>
+            <a:pPr marL="0" indent="0">
+              <a:buNone/>
+            </a:pPr>
+            <a:r>
+              <a:rPr lang="ru-RU" dirty="0"/>
+              <a:t>В качестве развития проекта можно объединить персонажей общим сюжетом.</a:t>
+            </a:r>
+          </a:p>
+          <a:p>
+            <a:endParaRPr lang="ru-RU" dirty="0"/>
+          </a:p>
+        </p:txBody>
+      </p:sp>
+    </p:spTree>
+    <p:extLst>
+      <p:ext uri="{BB962C8B-B14F-4D97-AF65-F5344CB8AC3E}">
+        <p14:creationId xmlns:p14="http://schemas.microsoft.com/office/powerpoint/2010/main" val="918315213"/>
       </p:ext>
     </p:extLst>
   </p:cSld>
@@ -3407,9 +4278,9 @@
 </file>
 
 <file path=ppt/theme/theme1.xml><?xml version="1.0" encoding="utf-8"?>
-<a:theme xmlns:a="http://schemas.openxmlformats.org/drawingml/2006/main" name="Тема Office">
+<a:theme xmlns:a="http://schemas.openxmlformats.org/drawingml/2006/main" name="Интеграл">
   <a:themeElements>
-    <a:clrScheme name="Стандартная">
+    <a:clrScheme name="Начальная">
       <a:dk1>
         <a:sysClr val="windowText" lastClr="000000"/>
       </a:dk1>
@@ -3417,82 +4288,50 @@
         <a:sysClr val="window" lastClr="FFFFFF"/>
       </a:lt1>
       <a:dk2>
-        <a:srgbClr val="1F497D"/>
+        <a:srgbClr val="464653"/>
       </a:dk2>
       <a:lt2>
-        <a:srgbClr val="EEECE1"/>
+        <a:srgbClr val="DDE9EC"/>
       </a:lt2>
       <a:accent1>
-        <a:srgbClr val="4F81BD"/>
+        <a:srgbClr val="727CA3"/>
       </a:accent1>
       <a:accent2>
-        <a:srgbClr val="C0504D"/>
+        <a:srgbClr val="9FB8CD"/>
       </a:accent2>
       <a:accent3>
-        <a:srgbClr val="9BBB59"/>
+        <a:srgbClr val="D2DA7A"/>
       </a:accent3>
       <a:accent4>
-        <a:srgbClr val="8064A2"/>
+        <a:srgbClr val="FADA7A"/>
       </a:accent4>
       <a:accent5>
-        <a:srgbClr val="4BACC6"/>
+        <a:srgbClr val="B88472"/>
       </a:accent5>
       <a:accent6>
-        <a:srgbClr val="F79646"/>
+        <a:srgbClr val="8E736A"/>
       </a:accent6>
       <a:hlink>
-        <a:srgbClr val="0000FF"/>
+        <a:srgbClr val="B292CA"/>
       </a:hlink>
       <a:folHlink>
-        <a:srgbClr val="800080"/>
+        <a:srgbClr val="6B5680"/>
       </a:folHlink>
     </a:clrScheme>
-    <a:fontScheme name="Стандартная">
+    <a:fontScheme name="Integral">
       <a:majorFont>
-        <a:latin typeface="Calibri"/>
+        <a:latin typeface="Tw Cen MT Condensed"/>
         <a:ea typeface=""/>
         <a:cs typeface=""/>
-        <a:font script="Jpan" typeface="ＭＳ Ｐゴシック"/>
-        <a:font script="Hang" typeface="맑은 고딕"/>
-        <a:font script="Hans" typeface="宋体"/>
-        <a:font script="Hant" typeface="新細明體"/>
-        <a:font script="Arab" typeface="Times New Roman"/>
-        <a:font script="Hebr" typeface="Times New Roman"/>
-        <a:font script="Thai" typeface="Angsana New"/>
-        <a:font script="Ethi" typeface="Nyala"/>
-        <a:font script="Beng" typeface="Vrinda"/>
-        <a:font script="Gujr" typeface="Shruti"/>
-        <a:font script="Khmr" typeface="MoolBoran"/>
-        <a:font script="Knda" typeface="Tunga"/>
-        <a:font script="Guru" typeface="Raavi"/>
-        <a:font script="Cans" typeface="Euphemia"/>
-        <a:font script="Cher" typeface="Plantagenet Cherokee"/>
-        <a:font script="Yiii" typeface="Microsoft Yi Baiti"/>
-        <a:font script="Tibt" typeface="Microsoft Himalaya"/>
-        <a:font script="Thaa" typeface="MV Boli"/>
-        <a:font script="Deva" typeface="Mangal"/>
-        <a:font script="Telu" typeface="Gautami"/>
-        <a:font script="Taml" typeface="Latha"/>
-        <a:font script="Syrc" typeface="Estrangelo Edessa"/>
-        <a:font script="Orya" typeface="Kalinga"/>
-        <a:font script="Mlym" typeface="Kartika"/>
-        <a:font script="Laoo" typeface="DokChampa"/>
-        <a:font script="Sinh" typeface="Iskoola Pota"/>
-        <a:font script="Mong" typeface="Mongolian Baiti"/>
-        <a:font script="Viet" typeface="Times New Roman"/>
-        <a:font script="Uigh" typeface="Microsoft Uighur"/>
-      </a:majorFont>
-      <a:minorFont>
-        <a:latin typeface="Calibri"/>
-        <a:ea typeface=""/>
-        <a:cs typeface=""/>
-        <a:font script="Jpan" typeface="ＭＳ Ｐゴシック"/>
-        <a:font script="Hang" typeface="맑은 고딕"/>
-        <a:font script="Hans" typeface="宋体"/>
-        <a:font script="Hant" typeface="新細明體"/>
+        <a:font script="Grek" typeface="Calibri"/>
+        <a:font script="Cyrl" typeface="Calibri"/>
+        <a:font script="Jpan" typeface="メイリオ"/>
+        <a:font script="Hang" typeface="HY얕은샘물M"/>
+        <a:font script="Hans" typeface="华文仿宋"/>
+        <a:font script="Hant" typeface="微軟正黑體"/>
         <a:font script="Arab" typeface="Arial"/>
-        <a:font script="Hebr" typeface="Arial"/>
-        <a:font script="Thai" typeface="Cordia New"/>
+        <a:font script="Hebr" typeface="Levenim MT"/>
+        <a:font script="Thai" typeface="FreesiaUPC"/>
         <a:font script="Ethi" typeface="Nyala"/>
         <a:font script="Beng" typeface="Vrinda"/>
         <a:font script="Gujr" typeface="Shruti"/>
@@ -3513,11 +4352,49 @@
         <a:font script="Laoo" typeface="DokChampa"/>
         <a:font script="Sinh" typeface="Iskoola Pota"/>
         <a:font script="Mong" typeface="Mongolian Baiti"/>
-        <a:font script="Viet" typeface="Arial"/>
+        <a:font script="Viet" typeface="Tahoma"/>
         <a:font script="Uigh" typeface="Microsoft Uighur"/>
+        <a:font script="Geor" typeface="Sylfaen"/>
+      </a:majorFont>
+      <a:minorFont>
+        <a:latin typeface="Tw Cen MT"/>
+        <a:ea typeface=""/>
+        <a:cs typeface=""/>
+        <a:font script="Grek" typeface="Calibri"/>
+        <a:font script="Cyrl" typeface="Calibri"/>
+        <a:font script="Jpan" typeface="メイリオ"/>
+        <a:font script="Hang" typeface="HY얕은샘물M"/>
+        <a:font script="Hans" typeface="华文仿宋"/>
+        <a:font script="Hant" typeface="微軟正黑體"/>
+        <a:font script="Arab" typeface="Arial"/>
+        <a:font script="Hebr" typeface="Levenim MT"/>
+        <a:font script="Thai" typeface="FreesiaUPC"/>
+        <a:font script="Ethi" typeface="Nyala"/>
+        <a:font script="Beng" typeface="Vrinda"/>
+        <a:font script="Gujr" typeface="Shruti"/>
+        <a:font script="Khmr" typeface="DaunPenh"/>
+        <a:font script="Knda" typeface="Tunga"/>
+        <a:font script="Guru" typeface="Raavi"/>
+        <a:font script="Cans" typeface="Euphemia"/>
+        <a:font script="Cher" typeface="Plantagenet Cherokee"/>
+        <a:font script="Yiii" typeface="Microsoft Yi Baiti"/>
+        <a:font script="Tibt" typeface="Microsoft Himalaya"/>
+        <a:font script="Thaa" typeface="MV Boli"/>
+        <a:font script="Deva" typeface="Mangal"/>
+        <a:font script="Telu" typeface="Gautami"/>
+        <a:font script="Taml" typeface="Latha"/>
+        <a:font script="Syrc" typeface="Estrangelo Edessa"/>
+        <a:font script="Orya" typeface="Kalinga"/>
+        <a:font script="Mlym" typeface="Kartika"/>
+        <a:font script="Laoo" typeface="DokChampa"/>
+        <a:font script="Sinh" typeface="Iskoola Pota"/>
+        <a:font script="Mong" typeface="Mongolian Baiti"/>
+        <a:font script="Viet" typeface="Tahoma"/>
+        <a:font script="Uigh" typeface="Microsoft Uighur"/>
+        <a:font script="Geor" typeface="Sylfaen"/>
       </a:minorFont>
     </a:fontScheme>
-    <a:fmtScheme name="Стандартная">
+    <a:fmtScheme name="Integral">
       <a:fillStyleLst>
         <a:solidFill>
           <a:schemeClr val="phClr"/>
@@ -3526,66 +4403,61 @@
           <a:gsLst>
             <a:gs pos="0">
               <a:schemeClr val="phClr">
-                <a:tint val="50000"/>
-                <a:satMod val="300000"/>
-              </a:schemeClr>
-            </a:gs>
-            <a:gs pos="35000">
-              <a:schemeClr val="phClr">
-                <a:tint val="37000"/>
-                <a:satMod val="300000"/>
+                <a:tint val="83000"/>
+                <a:satMod val="100000"/>
+                <a:lumMod val="100000"/>
               </a:schemeClr>
             </a:gs>
             <a:gs pos="100000">
               <a:schemeClr val="phClr">
-                <a:tint val="15000"/>
-                <a:satMod val="350000"/>
+                <a:tint val="61000"/>
+                <a:satMod val="150000"/>
+                <a:lumMod val="100000"/>
               </a:schemeClr>
             </a:gs>
           </a:gsLst>
-          <a:lin ang="16200000" scaled="1"/>
+          <a:path path="circle">
+            <a:fillToRect l="100000" t="100000" r="100000" b="100000"/>
+          </a:path>
         </a:gradFill>
         <a:gradFill rotWithShape="1">
           <a:gsLst>
             <a:gs pos="0">
               <a:schemeClr val="phClr">
-                <a:shade val="51000"/>
-                <a:satMod val="130000"/>
-              </a:schemeClr>
-            </a:gs>
-            <a:gs pos="80000">
-              <a:schemeClr val="phClr">
-                <a:shade val="93000"/>
-                <a:satMod val="130000"/>
+                <a:tint val="100000"/>
+                <a:shade val="85000"/>
+                <a:satMod val="100000"/>
+                <a:lumMod val="100000"/>
               </a:schemeClr>
             </a:gs>
             <a:gs pos="100000">
               <a:schemeClr val="phClr">
-                <a:shade val="94000"/>
-                <a:satMod val="135000"/>
+                <a:tint val="90000"/>
+                <a:shade val="100000"/>
+                <a:satMod val="150000"/>
+                <a:lumMod val="100000"/>
               </a:schemeClr>
             </a:gs>
           </a:gsLst>
-          <a:lin ang="16200000" scaled="0"/>
+          <a:path path="circle">
+            <a:fillToRect l="100000" t="100000" r="100000" b="100000"/>
+          </a:path>
         </a:gradFill>
       </a:fillStyleLst>
       <a:lnStyleLst>
         <a:ln w="9525" cap="flat" cmpd="sng" algn="ctr">
           <a:solidFill>
-            <a:schemeClr val="phClr">
-              <a:shade val="95000"/>
-              <a:satMod val="105000"/>
-            </a:schemeClr>
+            <a:schemeClr val="phClr"/>
           </a:solidFill>
           <a:prstDash val="solid"/>
         </a:ln>
-        <a:ln w="25400" cap="flat" cmpd="sng" algn="ctr">
+        <a:ln w="15875" cap="flat" cmpd="sng" algn="ctr">
           <a:solidFill>
             <a:schemeClr val="phClr"/>
           </a:solidFill>
           <a:prstDash val="solid"/>
         </a:ln>
-        <a:ln w="38100" cap="flat" cmpd="sng" algn="ctr">
+        <a:ln w="19050" cap="flat" cmpd="sng" algn="ctr">
           <a:solidFill>
             <a:schemeClr val="phClr"/>
           </a:solidFill>
@@ -3594,28 +4466,22 @@
       </a:lnStyleLst>
       <a:effectStyleLst>
         <a:effectStyle>
+          <a:effectLst/>
+        </a:effectStyle>
+        <a:effectStyle>
           <a:effectLst>
-            <a:outerShdw blurRad="40000" dist="20000" dir="5400000" rotWithShape="0">
+            <a:outerShdw blurRad="50800" dist="12700" dir="5400000" algn="ctr" rotWithShape="0">
               <a:srgbClr val="000000">
-                <a:alpha val="38000"/>
+                <a:alpha val="50000"/>
               </a:srgbClr>
             </a:outerShdw>
           </a:effectLst>
         </a:effectStyle>
         <a:effectStyle>
           <a:effectLst>
-            <a:outerShdw blurRad="40000" dist="23000" dir="5400000" rotWithShape="0">
+            <a:outerShdw blurRad="76200" dist="25400" dir="5400000" algn="ctr" rotWithShape="0">
               <a:srgbClr val="000000">
-                <a:alpha val="35000"/>
-              </a:srgbClr>
-            </a:outerShdw>
-          </a:effectLst>
-        </a:effectStyle>
-        <a:effectStyle>
-          <a:effectLst>
-            <a:outerShdw blurRad="40000" dist="23000" dir="5400000" rotWithShape="0">
-              <a:srgbClr val="000000">
-                <a:alpha val="35000"/>
+                <a:alpha val="60000"/>
               </a:srgbClr>
             </a:outerShdw>
           </a:effectLst>
@@ -3623,12 +4489,18 @@
             <a:camera prst="orthographicFront">
               <a:rot lat="0" lon="0" rev="0"/>
             </a:camera>
-            <a:lightRig rig="threePt" dir="t">
-              <a:rot lat="0" lon="0" rev="1200000"/>
+            <a:lightRig rig="flat" dir="t">
+              <a:rot lat="0" lon="0" rev="3600000"/>
             </a:lightRig>
           </a:scene3d>
-          <a:sp3d>
-            <a:bevelT w="63500" h="25400"/>
+          <a:sp3d contourW="12700" prstMaterial="flat">
+            <a:bevelT w="38100" h="44450" prst="angle"/>
+            <a:contourClr>
+              <a:schemeClr val="phClr">
+                <a:shade val="35000"/>
+                <a:satMod val="160000"/>
+              </a:schemeClr>
+            </a:contourClr>
           </a:sp3d>
         </a:effectStyle>
       </a:effectStyleLst>
@@ -3636,55 +4508,39 @@
         <a:solidFill>
           <a:schemeClr val="phClr"/>
         </a:solidFill>
-        <a:gradFill rotWithShape="1">
-          <a:gsLst>
-            <a:gs pos="0">
+        <a:solidFill>
+          <a:schemeClr val="phClr">
+            <a:tint val="95000"/>
+            <a:shade val="85000"/>
+            <a:satMod val="125000"/>
+          </a:schemeClr>
+        </a:solidFill>
+        <a:blipFill rotWithShape="1">
+          <a:blip xmlns:r="http://schemas.openxmlformats.org/officeDocument/2006/relationships" r:embed="rId1">
+            <a:duotone>
               <a:schemeClr val="phClr">
-                <a:tint val="40000"/>
-                <a:satMod val="350000"/>
+                <a:tint val="95000"/>
+                <a:shade val="74000"/>
+                <a:satMod val="230000"/>
               </a:schemeClr>
-            </a:gs>
-            <a:gs pos="40000">
               <a:schemeClr val="phClr">
-                <a:tint val="45000"/>
-                <a:shade val="99000"/>
-                <a:satMod val="350000"/>
+                <a:tint val="92000"/>
+                <a:shade val="69000"/>
+                <a:satMod val="250000"/>
               </a:schemeClr>
-            </a:gs>
-            <a:gs pos="100000">
-              <a:schemeClr val="phClr">
-                <a:shade val="20000"/>
-                <a:satMod val="255000"/>
-              </a:schemeClr>
-            </a:gs>
-          </a:gsLst>
-          <a:path path="circle">
-            <a:fillToRect l="50000" t="-80000" r="50000" b="180000"/>
-          </a:path>
-        </a:gradFill>
-        <a:gradFill rotWithShape="1">
-          <a:gsLst>
-            <a:gs pos="0">
-              <a:schemeClr val="phClr">
-                <a:tint val="80000"/>
-                <a:satMod val="300000"/>
-              </a:schemeClr>
-            </a:gs>
-            <a:gs pos="100000">
-              <a:schemeClr val="phClr">
-                <a:shade val="30000"/>
-                <a:satMod val="200000"/>
-              </a:schemeClr>
-            </a:gs>
-          </a:gsLst>
-          <a:path path="circle">
-            <a:fillToRect l="50000" t="50000" r="50000" b="50000"/>
-          </a:path>
-        </a:gradFill>
+            </a:duotone>
+          </a:blip>
+          <a:tile tx="0" ty="0" sx="40000" sy="40000" flip="none" algn="tl"/>
+        </a:blipFill>
       </a:bgFillStyleLst>
     </a:fmtScheme>
   </a:themeElements>
   <a:objectDefaults/>
   <a:extraClrSchemeLst/>
+  <a:extLst>
+    <a:ext uri="{05A4C25C-085E-4340-85A3-A5531E510DB2}">
+      <thm15:themeFamily xmlns:thm15="http://schemas.microsoft.com/office/thememl/2012/main" xmlns="" name="Integral" id="{3577F8C9-A904-41D8-97D2-FD898F53F20E}" vid="{A41AC481-B287-49C8-90EF-C669597D2D0A}"/>
+    </a:ext>
+  </a:extLst>
 </a:theme>
 </file>
--- a/Презентация PyGame.pptx
+++ b/Презентация PyGame.pptx
@@ -111,6 +111,22 @@
       </a:defRPr>
     </a:lvl9pPr>
   </p:defaultTextStyle>
+  <p:extLst>
+    <p:ext uri="{EFAFB233-063F-42B5-8137-9DF3F51BA10A}">
+      <p15:sldGuideLst xmlns:p15="http://schemas.microsoft.com/office/powerpoint/2012/main">
+        <p15:guide id="1" orient="horz" pos="2160">
+          <p15:clr>
+            <a:srgbClr val="A4A3A4"/>
+          </p15:clr>
+        </p15:guide>
+        <p15:guide id="2" pos="3840">
+          <p15:clr>
+            <a:srgbClr val="A4A3A4"/>
+          </p15:clr>
+        </p15:guide>
+      </p15:sldGuideLst>
+    </p:ext>
+  </p:extLst>
 </p:presentation>
 </file>
 
@@ -266,7 +282,7 @@
           <a:p>
             <a:fld id="{6AD6EE87-EBD5-4F12-A48A-63ACA297AC8F}" type="datetimeFigureOut">
               <a:rPr lang="en-US" dirty="0"/>
-              <a:t>1/17/2022</a:t>
+              <a:t>1/21/2022</a:t>
             </a:fld>
             <a:endParaRPr lang="en-US" dirty="0"/>
           </a:p>
@@ -514,7 +530,7 @@
           <a:p>
             <a:fld id="{4CD73815-2707-4475-8F1A-B873CB631BB4}" type="datetimeFigureOut">
               <a:rPr lang="en-US" dirty="0"/>
-              <a:t>1/17/2022</a:t>
+              <a:t>1/21/2022</a:t>
             </a:fld>
             <a:endParaRPr lang="en-US" dirty="0"/>
           </a:p>
@@ -689,7 +705,7 @@
           <a:p>
             <a:fld id="{2A4AFB99-0EAB-4182-AFF8-E214C82A68F6}" type="datetimeFigureOut">
               <a:rPr lang="en-US" dirty="0"/>
-              <a:t>1/17/2022</a:t>
+              <a:t>1/21/2022</a:t>
             </a:fld>
             <a:endParaRPr lang="en-US" dirty="0"/>
           </a:p>
@@ -889,7 +905,7 @@
           <a:p>
             <a:fld id="{A5D3794B-289A-4A80-97D7-111025398D45}" type="datetimeFigureOut">
               <a:rPr lang="en-US" dirty="0"/>
-              <a:t>1/17/2022</a:t>
+              <a:t>1/21/2022</a:t>
             </a:fld>
             <a:endParaRPr lang="en-US" dirty="0"/>
           </a:p>
@@ -1141,7 +1157,7 @@
           <a:p>
             <a:fld id="{5A61015F-7CC6-4D0A-9D87-873EA4C304CC}" type="datetimeFigureOut">
               <a:rPr lang="en-US" dirty="0"/>
-              <a:t>1/17/2022</a:t>
+              <a:t>1/21/2022</a:t>
             </a:fld>
             <a:endParaRPr lang="en-US" dirty="0"/>
           </a:p>
@@ -1456,7 +1472,7 @@
           <a:p>
             <a:fld id="{93C6A301-0538-44EC-B09D-202E1042A48B}" type="datetimeFigureOut">
               <a:rPr lang="en-US" dirty="0"/>
-              <a:t>1/17/2022</a:t>
+              <a:t>1/21/2022</a:t>
             </a:fld>
             <a:endParaRPr lang="en-US" dirty="0"/>
           </a:p>
@@ -1849,7 +1865,7 @@
           <a:p>
             <a:fld id="{D789574A-8875-45EF-8EA2-3CAA0F7ABC4C}" type="datetimeFigureOut">
               <a:rPr lang="en-US" dirty="0"/>
-              <a:t>1/17/2022</a:t>
+              <a:t>1/21/2022</a:t>
             </a:fld>
             <a:endParaRPr lang="en-US" dirty="0"/>
           </a:p>
@@ -1962,7 +1978,7 @@
           <a:p>
             <a:fld id="{67EF4D4C-5367-4C26-9E2B-D8088D7FCA81}" type="datetimeFigureOut">
               <a:rPr lang="en-US" dirty="0"/>
-              <a:t>1/17/2022</a:t>
+              <a:t>1/21/2022</a:t>
             </a:fld>
             <a:endParaRPr lang="en-US" dirty="0"/>
           </a:p>
@@ -2052,7 +2068,7 @@
           <a:p>
             <a:fld id="{56E91E96-98B0-4413-9547-46F3504108EF}" type="datetimeFigureOut">
               <a:rPr lang="en-US" dirty="0"/>
-              <a:t>1/17/2022</a:t>
+              <a:t>1/21/2022</a:t>
             </a:fld>
             <a:endParaRPr lang="en-US" dirty="0"/>
           </a:p>
@@ -2337,7 +2353,7 @@
           <a:p>
             <a:fld id="{05C68B11-C5A8-448C-8CE9-B1A273C79CFC}" type="datetimeFigureOut">
               <a:rPr lang="en-US" dirty="0"/>
-              <a:t>1/17/2022</a:t>
+              <a:t>1/21/2022</a:t>
             </a:fld>
             <a:endParaRPr lang="en-US" dirty="0"/>
           </a:p>
@@ -2609,7 +2625,7 @@
           <a:p>
             <a:fld id="{C7616CA0-919D-4A49-9C8A-62FDFB3A5183}" type="datetimeFigureOut">
               <a:rPr lang="en-US" dirty="0"/>
-              <a:t>1/17/2022</a:t>
+              <a:t>1/21/2022</a:t>
             </a:fld>
             <a:endParaRPr lang="en-US" dirty="0"/>
           </a:p>
@@ -2855,7 +2871,7 @@
             <a:fld id="{90298CD5-6C1E-4009-B41F-6DF62E31D3BE}" type="datetimeFigureOut">
               <a:rPr lang="en-US" dirty="0"/>
               <a:pPr/>
-              <a:t>1/17/2022</a:t>
+              <a:t>1/21/2022</a:t>
             </a:fld>
             <a:endParaRPr lang="en-US" dirty="0"/>
           </a:p>
@@ -3369,8 +3385,12 @@
           <a:lstStyle/>
           <a:p>
             <a:r>
-              <a:rPr lang="ru-RU" dirty="0"/>
-              <a:t>Название проекта</a:t>
+              <a:rPr lang="en-US" dirty="0" err="1" smtClean="0"/>
+              <a:t>PyPurble</a:t>
+            </a:r>
+            <a:r>
+              <a:rPr lang="en-US" dirty="0" smtClean="0"/>
+              <a:t> place</a:t>
             </a:r>
             <a:endParaRPr lang="ru-RU" dirty="0"/>
           </a:p>
@@ -3655,6 +3675,74 @@
           <a:bodyPr/>
           <a:lstStyle/>
           <a:p>
+            <a:pPr marL="0" indent="0">
+              <a:buNone/>
+            </a:pPr>
+            <a:r>
+              <a:rPr lang="ru-RU" dirty="0" smtClean="0"/>
+              <a:t>Файлы проекта:</a:t>
+            </a:r>
+          </a:p>
+          <a:p>
+            <a:pPr marL="457200" indent="-457200">
+              <a:buFont typeface="+mj-lt"/>
+              <a:buAutoNum type="arabicPeriod"/>
+            </a:pPr>
+            <a:r>
+              <a:rPr lang="ru-RU" dirty="0" smtClean="0"/>
+              <a:t>Главное меню, игра Марио</a:t>
+            </a:r>
+          </a:p>
+          <a:p>
+            <a:pPr marL="457200" indent="-457200">
+              <a:buFont typeface="+mj-lt"/>
+              <a:buAutoNum type="arabicPeriod"/>
+            </a:pPr>
+            <a:r>
+              <a:rPr lang="ru-RU" dirty="0" smtClean="0"/>
+              <a:t>Игра </a:t>
+            </a:r>
+            <a:r>
+              <a:rPr lang="en-US" dirty="0" err="1" smtClean="0"/>
+              <a:t>BlackForrest</a:t>
+            </a:r>
+            <a:endParaRPr lang="en-US" dirty="0" smtClean="0"/>
+          </a:p>
+          <a:p>
+            <a:pPr marL="457200" indent="-457200">
+              <a:buFont typeface="+mj-lt"/>
+              <a:buAutoNum type="arabicPeriod"/>
+            </a:pPr>
+            <a:r>
+              <a:rPr lang="ru-RU" dirty="0" smtClean="0"/>
+              <a:t>Игра </a:t>
+            </a:r>
+            <a:r>
+              <a:rPr lang="en-US" dirty="0" smtClean="0"/>
+              <a:t>Snow</a:t>
+            </a:r>
+          </a:p>
+          <a:p>
+            <a:pPr marL="457200" indent="-457200">
+              <a:buFont typeface="+mj-lt"/>
+              <a:buAutoNum type="arabicPeriod"/>
+            </a:pPr>
+            <a:r>
+              <a:rPr lang="ru-RU" dirty="0" smtClean="0"/>
+              <a:t>Финальное окно</a:t>
+            </a:r>
+          </a:p>
+          <a:p>
+            <a:pPr marL="457200" indent="-457200">
+              <a:buFont typeface="+mj-lt"/>
+              <a:buAutoNum type="arabicPeriod"/>
+            </a:pPr>
+            <a:r>
+              <a:rPr lang="ru-RU" dirty="0" smtClean="0"/>
+              <a:t>Основные функции</a:t>
+            </a:r>
+          </a:p>
+          <a:p>
             <a:endParaRPr lang="ru-RU" dirty="0"/>
           </a:p>
         </p:txBody>
@@ -3730,12 +3818,21 @@
             <p:ph idx="1"/>
           </p:nvPr>
         </p:nvSpPr>
-        <p:spPr/>
-        <p:txBody>
-          <a:bodyPr/>
-          <a:lstStyle/>
-          <a:p>
-            <a:endParaRPr lang="ru-RU"/>
+        <p:spPr>
+          <a:xfrm>
+            <a:off x="1024128" y="2286000"/>
+            <a:ext cx="4774859" cy="4023360"/>
+          </a:xfrm>
+        </p:spPr>
+        <p:txBody>
+          <a:bodyPr/>
+          <a:lstStyle/>
+          <a:p>
+            <a:r>
+              <a:rPr lang="ru-RU" dirty="0" smtClean="0"/>
+              <a:t>Вам нужно собирать  Монетки, но аккуратнее, монетки могут приносить урон. Еще за вами бегает гриб, который так и норовит вас съесть)</a:t>
+            </a:r>
+            <a:endParaRPr lang="ru-RU" dirty="0"/>
           </a:p>
         </p:txBody>
       </p:sp>
@@ -3838,8 +3935,12 @@
               <a:t>: </a:t>
             </a:r>
             <a:r>
-              <a:rPr lang="en-US" dirty="0" err="1" smtClean="0"/>
-              <a:t>multiworld</a:t>
+              <a:rPr lang="en-US" dirty="0" smtClean="0"/>
+              <a:t>multi</a:t>
+            </a:r>
+            <a:r>
+              <a:rPr lang="en-US" dirty="0" smtClean="0"/>
+              <a:t>verse</a:t>
             </a:r>
             <a:r>
               <a:rPr lang="ru-RU" dirty="0" smtClean="0"/>
@@ -3859,15 +3960,48 @@
             <p:ph idx="1"/>
           </p:nvPr>
         </p:nvSpPr>
-        <p:spPr/>
-        <p:txBody>
-          <a:bodyPr/>
-          <a:lstStyle/>
-          <a:p>
-            <a:endParaRPr lang="ru-RU"/>
-          </a:p>
-        </p:txBody>
-      </p:sp>
+        <p:spPr>
+          <a:xfrm>
+            <a:off x="1024129" y="2286000"/>
+            <a:ext cx="4860036" cy="4023360"/>
+          </a:xfrm>
+        </p:spPr>
+        <p:txBody>
+          <a:bodyPr/>
+          <a:lstStyle/>
+          <a:p>
+            <a:r>
+              <a:rPr lang="ru-RU" dirty="0" smtClean="0"/>
+              <a:t>Нужно спасти принцессу, для этого нужно путешествовать по разным мирам, злодеи не встретятся на вашем пути.</a:t>
+            </a:r>
+            <a:endParaRPr lang="ru-RU" dirty="0"/>
+          </a:p>
+        </p:txBody>
+      </p:sp>
+      <p:pic>
+        <p:nvPicPr>
+          <p:cNvPr id="4" name="Рисунок 3"/>
+          <p:cNvPicPr>
+            <a:picLocks noChangeAspect="1"/>
+          </p:cNvPicPr>
+          <p:nvPr/>
+        </p:nvPicPr>
+        <p:blipFill>
+          <a:blip r:embed="rId2"/>
+          <a:stretch>
+            <a:fillRect/>
+          </a:stretch>
+        </p:blipFill>
+        <p:spPr>
+          <a:xfrm>
+            <a:off x="5992230" y="2204598"/>
+            <a:ext cx="6114286" cy="4104762"/>
+          </a:xfrm>
+          <a:prstGeom prst="rect">
+            <a:avLst/>
+          </a:prstGeom>
+        </p:spPr>
+      </p:pic>
     </p:spTree>
     <p:extLst>
       <p:ext uri="{BB962C8B-B14F-4D97-AF65-F5344CB8AC3E}">
@@ -3947,12 +4081,24 @@
             <p:ph idx="1"/>
           </p:nvPr>
         </p:nvSpPr>
-        <p:spPr/>
-        <p:txBody>
-          <a:bodyPr/>
-          <a:lstStyle/>
-          <a:p>
-            <a:endParaRPr lang="ru-RU"/>
+        <p:spPr>
+          <a:xfrm>
+            <a:off x="758121" y="2185797"/>
+            <a:ext cx="4866533" cy="4023360"/>
+          </a:xfrm>
+        </p:spPr>
+        <p:txBody>
+          <a:bodyPr/>
+          <a:lstStyle/>
+          <a:p>
+            <a:pPr marL="0" indent="0">
+              <a:buNone/>
+            </a:pPr>
+            <a:r>
+              <a:rPr lang="ru-RU" dirty="0" smtClean="0"/>
+              <a:t>Мини- игра лабиринт, герой-снеговик, он должен  под вашим руководством пройти несколько уровней и не растаять в кострах. Вы можете тушить костры ведрами с водой. Также на уровнях есть монетки, собираю которые можно попасть в таблицу лучших игроков.</a:t>
+            </a:r>
+            <a:endParaRPr lang="ru-RU" dirty="0"/>
           </a:p>
         </p:txBody>
       </p:sp>
@@ -4028,20 +4174,20 @@
           <p:nvPr>
             <p:extLst>
               <p:ext uri="{D42A27DB-BD31-4B8C-83A1-F6EECF244321}">
-                <p14:modId xmlns:p14="http://schemas.microsoft.com/office/powerpoint/2010/main" val="2516248787"/>
+                <p14:modId xmlns:p14="http://schemas.microsoft.com/office/powerpoint/2010/main" val="2085934484"/>
               </p:ext>
             </p:extLst>
           </p:nvPr>
         </p:nvGraphicFramePr>
         <p:xfrm>
-          <a:off x="5890661" y="2579571"/>
+          <a:off x="5890661" y="2084832"/>
           <a:ext cx="6124575" cy="4124325"/>
         </p:xfrm>
         <a:graphic>
           <a:graphicData uri="http://schemas.openxmlformats.org/presentationml/2006/ole">
             <mc:AlternateContent xmlns:mc="http://schemas.openxmlformats.org/markup-compatibility/2006">
               <mc:Choice xmlns:v="urn:schemas-microsoft-com:vml" Requires="v">
-                <p:oleObj spid="_x0000_s2054" name="Точечный рисунок" r:id="rId3" imgW="6125430" imgH="4123810" progId="Paint.Picture">
+                <p:oleObj spid="_x0000_s2058" name="Точечный рисунок" r:id="rId3" imgW="6125430" imgH="4123810" progId="Paint.Picture">
                   <p:embed/>
                 </p:oleObj>
               </mc:Choice>
@@ -4071,7 +4217,7 @@
                     </p:blipFill>
                     <p:spPr bwMode="auto">
                       <a:xfrm>
-                        <a:off x="5890661" y="2579571"/>
+                        <a:off x="5890661" y="2084832"/>
                         <a:ext cx="6124575" cy="4124325"/>
                       </a:xfrm>
                       <a:prstGeom prst="rect">
@@ -4220,7 +4366,6 @@
               <a:rPr lang="ru-RU" dirty="0"/>
               <a:t>Развитие проекта</a:t>
             </a:r>
-            <a:endParaRPr lang="ru-RU" dirty="0"/>
           </a:p>
         </p:txBody>
       </p:sp>
@@ -4539,7 +4684,7 @@
   <a:extraClrSchemeLst/>
   <a:extLst>
     <a:ext uri="{05A4C25C-085E-4340-85A3-A5531E510DB2}">
-      <thm15:themeFamily xmlns:thm15="http://schemas.microsoft.com/office/thememl/2012/main" xmlns="" name="Integral" id="{3577F8C9-A904-41D8-97D2-FD898F53F20E}" vid="{A41AC481-B287-49C8-90EF-C669597D2D0A}"/>
+      <thm15:themeFamily xmlns:thm15="http://schemas.microsoft.com/office/thememl/2012/main" name="Integral" id="{3577F8C9-A904-41D8-97D2-FD898F53F20E}" vid="{A41AC481-B287-49C8-90EF-C669597D2D0A}"/>
     </a:ext>
   </a:extLst>
 </a:theme>

--- a/Презентация PyGame.pptx
+++ b/Презентация PyGame.pptx
@@ -113,7 +113,7 @@
   </p:defaultTextStyle>
   <p:extLst>
     <p:ext uri="{EFAFB233-063F-42B5-8137-9DF3F51BA10A}">
-      <p15:sldGuideLst xmlns:p15="http://schemas.microsoft.com/office/powerpoint/2012/main">
+      <p15:sldGuideLst xmlns:p15="http://schemas.microsoft.com/office/powerpoint/2012/main" xmlns="">
         <p15:guide id="1" orient="horz" pos="2160">
           <p15:clr>
             <a:srgbClr val="A4A3A4"/>
@@ -282,7 +282,7 @@
           <a:p>
             <a:fld id="{6AD6EE87-EBD5-4F12-A48A-63ACA297AC8F}" type="datetimeFigureOut">
               <a:rPr lang="en-US" dirty="0"/>
-              <a:t>1/21/2022</a:t>
+              <a:t>2/25/2022</a:t>
             </a:fld>
             <a:endParaRPr lang="en-US" dirty="0"/>
           </a:p>
@@ -530,7 +530,7 @@
           <a:p>
             <a:fld id="{4CD73815-2707-4475-8F1A-B873CB631BB4}" type="datetimeFigureOut">
               <a:rPr lang="en-US" dirty="0"/>
-              <a:t>1/21/2022</a:t>
+              <a:t>2/25/2022</a:t>
             </a:fld>
             <a:endParaRPr lang="en-US" dirty="0"/>
           </a:p>
@@ -705,7 +705,7 @@
           <a:p>
             <a:fld id="{2A4AFB99-0EAB-4182-AFF8-E214C82A68F6}" type="datetimeFigureOut">
               <a:rPr lang="en-US" dirty="0"/>
-              <a:t>1/21/2022</a:t>
+              <a:t>2/25/2022</a:t>
             </a:fld>
             <a:endParaRPr lang="en-US" dirty="0"/>
           </a:p>
@@ -905,7 +905,7 @@
           <a:p>
             <a:fld id="{A5D3794B-289A-4A80-97D7-111025398D45}" type="datetimeFigureOut">
               <a:rPr lang="en-US" dirty="0"/>
-              <a:t>1/21/2022</a:t>
+              <a:t>2/25/2022</a:t>
             </a:fld>
             <a:endParaRPr lang="en-US" dirty="0"/>
           </a:p>
@@ -1157,7 +1157,7 @@
           <a:p>
             <a:fld id="{5A61015F-7CC6-4D0A-9D87-873EA4C304CC}" type="datetimeFigureOut">
               <a:rPr lang="en-US" dirty="0"/>
-              <a:t>1/21/2022</a:t>
+              <a:t>2/25/2022</a:t>
             </a:fld>
             <a:endParaRPr lang="en-US" dirty="0"/>
           </a:p>
@@ -1472,7 +1472,7 @@
           <a:p>
             <a:fld id="{93C6A301-0538-44EC-B09D-202E1042A48B}" type="datetimeFigureOut">
               <a:rPr lang="en-US" dirty="0"/>
-              <a:t>1/21/2022</a:t>
+              <a:t>2/25/2022</a:t>
             </a:fld>
             <a:endParaRPr lang="en-US" dirty="0"/>
           </a:p>
@@ -1865,7 +1865,7 @@
           <a:p>
             <a:fld id="{D789574A-8875-45EF-8EA2-3CAA0F7ABC4C}" type="datetimeFigureOut">
               <a:rPr lang="en-US" dirty="0"/>
-              <a:t>1/21/2022</a:t>
+              <a:t>2/25/2022</a:t>
             </a:fld>
             <a:endParaRPr lang="en-US" dirty="0"/>
           </a:p>
@@ -1978,7 +1978,7 @@
           <a:p>
             <a:fld id="{67EF4D4C-5367-4C26-9E2B-D8088D7FCA81}" type="datetimeFigureOut">
               <a:rPr lang="en-US" dirty="0"/>
-              <a:t>1/21/2022</a:t>
+              <a:t>2/25/2022</a:t>
             </a:fld>
             <a:endParaRPr lang="en-US" dirty="0"/>
           </a:p>
@@ -2068,7 +2068,7 @@
           <a:p>
             <a:fld id="{56E91E96-98B0-4413-9547-46F3504108EF}" type="datetimeFigureOut">
               <a:rPr lang="en-US" dirty="0"/>
-              <a:t>1/21/2022</a:t>
+              <a:t>2/25/2022</a:t>
             </a:fld>
             <a:endParaRPr lang="en-US" dirty="0"/>
           </a:p>
@@ -2353,7 +2353,7 @@
           <a:p>
             <a:fld id="{05C68B11-C5A8-448C-8CE9-B1A273C79CFC}" type="datetimeFigureOut">
               <a:rPr lang="en-US" dirty="0"/>
-              <a:t>1/21/2022</a:t>
+              <a:t>2/25/2022</a:t>
             </a:fld>
             <a:endParaRPr lang="en-US" dirty="0"/>
           </a:p>
@@ -2625,7 +2625,7 @@
           <a:p>
             <a:fld id="{C7616CA0-919D-4A49-9C8A-62FDFB3A5183}" type="datetimeFigureOut">
               <a:rPr lang="en-US" dirty="0"/>
-              <a:t>1/21/2022</a:t>
+              <a:t>2/25/2022</a:t>
             </a:fld>
             <a:endParaRPr lang="en-US" dirty="0"/>
           </a:p>
@@ -2871,7 +2871,7 @@
             <a:fld id="{90298CD5-6C1E-4009-B41F-6DF62E31D3BE}" type="datetimeFigureOut">
               <a:rPr lang="en-US" dirty="0"/>
               <a:pPr/>
-              <a:t>1/21/2022</a:t>
+              <a:t>2/25/2022</a:t>
             </a:fld>
             <a:endParaRPr lang="en-US" dirty="0"/>
           </a:p>
@@ -3932,15 +3932,7 @@
             </a:r>
             <a:r>
               <a:rPr lang="en-US" dirty="0" smtClean="0"/>
-              <a:t>: </a:t>
-            </a:r>
-            <a:r>
-              <a:rPr lang="en-US" dirty="0" smtClean="0"/>
-              <a:t>multi</a:t>
-            </a:r>
-            <a:r>
-              <a:rPr lang="en-US" dirty="0" smtClean="0"/>
-              <a:t>verse</a:t>
+              <a:t>: multiverse</a:t>
             </a:r>
             <a:r>
               <a:rPr lang="ru-RU" dirty="0" smtClean="0"/>
@@ -4187,7 +4179,7 @@
           <a:graphicData uri="http://schemas.openxmlformats.org/presentationml/2006/ole">
             <mc:AlternateContent xmlns:mc="http://schemas.openxmlformats.org/markup-compatibility/2006">
               <mc:Choice xmlns:v="urn:schemas-microsoft-com:vml" Requires="v">
-                <p:oleObj spid="_x0000_s2058" name="Точечный рисунок" r:id="rId3" imgW="6125430" imgH="4123810" progId="Paint.Picture">
+                <p:oleObj spid="_x0000_s2063" name="Точечный рисунок" r:id="rId3" imgW="6125430" imgH="4123810" progId="Paint.Picture">
                   <p:embed/>
                 </p:oleObj>
               </mc:Choice>
@@ -4309,14 +4301,74 @@
           <a:bodyPr/>
           <a:lstStyle/>
           <a:p>
-            <a:r>
-              <a:rPr lang="ru-RU" dirty="0" smtClean="0"/>
-              <a:t>ТУТ ДОЛЖНА БЫТЬ СХЕМА ПРОЕКТА(ИЗ ГЛАВНОГО МЕНЮ В МЕНЮ ИГРЫ В ИГРУ И ТД)</a:t>
-            </a:r>
             <a:endParaRPr lang="ru-RU" dirty="0"/>
           </a:p>
         </p:txBody>
       </p:sp>
+      <p:pic>
+        <p:nvPicPr>
+          <p:cNvPr id="3074" name="Picture 2"/>
+          <p:cNvPicPr>
+            <a:picLocks noChangeAspect="1" noChangeArrowheads="1"/>
+          </p:cNvPicPr>
+          <p:nvPr/>
+        </p:nvPicPr>
+        <p:blipFill>
+          <a:blip r:embed="rId2">
+            <a:extLst>
+              <a:ext uri="{28A0092B-C50C-407E-A947-70E740481C1C}">
+                <a14:useLocalDpi xmlns:a14="http://schemas.microsoft.com/office/drawing/2010/main" val="0"/>
+              </a:ext>
+            </a:extLst>
+          </a:blip>
+          <a:srcRect/>
+          <a:stretch>
+            <a:fillRect/>
+          </a:stretch>
+        </p:blipFill>
+        <p:spPr bwMode="auto">
+          <a:xfrm>
+            <a:off x="5985960" y="1174182"/>
+            <a:ext cx="5000625" cy="5010150"/>
+          </a:xfrm>
+          <a:prstGeom prst="rect">
+            <a:avLst/>
+          </a:prstGeom>
+          <a:noFill/>
+          <a:ln>
+            <a:noFill/>
+          </a:ln>
+          <a:effectLst/>
+          <a:extLst>
+            <a:ext uri="{909E8E84-426E-40DD-AFC4-6F175D3DCCD1}">
+              <a14:hiddenFill xmlns:a14="http://schemas.microsoft.com/office/drawing/2010/main">
+                <a:solidFill>
+                  <a:schemeClr val="accent1"/>
+                </a:solidFill>
+              </a14:hiddenFill>
+            </a:ext>
+            <a:ext uri="{91240B29-F687-4F45-9708-019B960494DF}">
+              <a14:hiddenLine xmlns:a14="http://schemas.microsoft.com/office/drawing/2010/main" w="9525">
+                <a:solidFill>
+                  <a:schemeClr val="tx1"/>
+                </a:solidFill>
+                <a:miter lim="800000"/>
+                <a:headEnd/>
+                <a:tailEnd/>
+              </a14:hiddenLine>
+            </a:ext>
+            <a:ext uri="{AF507438-7753-43E0-B8FC-AC1667EBCBE1}">
+              <a14:hiddenEffects xmlns:a14="http://schemas.microsoft.com/office/drawing/2010/main">
+                <a:effectLst>
+                  <a:outerShdw dist="35921" dir="2700000" algn="ctr" rotWithShape="0">
+                    <a:schemeClr val="bg2"/>
+                  </a:outerShdw>
+                </a:effectLst>
+              </a14:hiddenEffects>
+            </a:ext>
+          </a:extLst>
+        </p:spPr>
+      </p:pic>
     </p:spTree>
     <p:extLst>
       <p:ext uri="{BB962C8B-B14F-4D97-AF65-F5344CB8AC3E}">
@@ -4401,8 +4453,23 @@
             </a:pPr>
             <a:r>
               <a:rPr lang="ru-RU" dirty="0"/>
-              <a:t>В качестве развития проекта можно объединить персонажей общим сюжетом.</a:t>
-            </a:r>
+              <a:t>В качестве развития проекта можно объединить персонажей общим сюжетом</a:t>
+            </a:r>
+            <a:r>
+              <a:rPr lang="ru-RU" dirty="0" smtClean="0"/>
+              <a:t>.</a:t>
+            </a:r>
+            <a:endParaRPr lang="en-US" dirty="0" smtClean="0"/>
+          </a:p>
+          <a:p>
+            <a:pPr marL="0" indent="0">
+              <a:buNone/>
+            </a:pPr>
+            <a:r>
+              <a:rPr lang="ru-RU" dirty="0" smtClean="0"/>
+              <a:t>Добавить авторизацию пользователя по паролю.</a:t>
+            </a:r>
+            <a:endParaRPr lang="ru-RU" dirty="0"/>
           </a:p>
           <a:p>
             <a:endParaRPr lang="ru-RU" dirty="0"/>
@@ -4684,7 +4751,7 @@
   <a:extraClrSchemeLst/>
   <a:extLst>
     <a:ext uri="{05A4C25C-085E-4340-85A3-A5531E510DB2}">
-      <thm15:themeFamily xmlns:thm15="http://schemas.microsoft.com/office/thememl/2012/main" name="Integral" id="{3577F8C9-A904-41D8-97D2-FD898F53F20E}" vid="{A41AC481-B287-49C8-90EF-C669597D2D0A}"/>
+      <thm15:themeFamily xmlns:thm15="http://schemas.microsoft.com/office/thememl/2012/main" xmlns="" name="Integral" id="{3577F8C9-A904-41D8-97D2-FD898F53F20E}" vid="{A41AC481-B287-49C8-90EF-C669597D2D0A}"/>
     </a:ext>
   </a:extLst>
 </a:theme>

--- a/Презентация PyGame.pptx
+++ b/Презентация PyGame.pptx
@@ -4179,7 +4179,7 @@
           <a:graphicData uri="http://schemas.openxmlformats.org/presentationml/2006/ole">
             <mc:AlternateContent xmlns:mc="http://schemas.openxmlformats.org/markup-compatibility/2006">
               <mc:Choice xmlns:v="urn:schemas-microsoft-com:vml" Requires="v">
-                <p:oleObj spid="_x0000_s2063" name="Точечный рисунок" r:id="rId3" imgW="6125430" imgH="4123810" progId="Paint.Picture">
+                <p:oleObj spid="_x0000_s2067" name="Точечный рисунок" r:id="rId3" imgW="6125430" imgH="4123810" progId="Paint.Picture">
                   <p:embed/>
                 </p:oleObj>
               </mc:Choice>
@@ -4330,6 +4330,390 @@
           <a:xfrm>
             <a:off x="5985960" y="1174182"/>
             <a:ext cx="5000625" cy="5010150"/>
+          </a:xfrm>
+          <a:prstGeom prst="rect">
+            <a:avLst/>
+          </a:prstGeom>
+          <a:noFill/>
+          <a:ln>
+            <a:noFill/>
+          </a:ln>
+          <a:effectLst/>
+          <a:extLst>
+            <a:ext uri="{909E8E84-426E-40DD-AFC4-6F175D3DCCD1}">
+              <a14:hiddenFill xmlns:a14="http://schemas.microsoft.com/office/drawing/2010/main">
+                <a:solidFill>
+                  <a:schemeClr val="accent1"/>
+                </a:solidFill>
+              </a14:hiddenFill>
+            </a:ext>
+            <a:ext uri="{91240B29-F687-4F45-9708-019B960494DF}">
+              <a14:hiddenLine xmlns:a14="http://schemas.microsoft.com/office/drawing/2010/main" w="9525">
+                <a:solidFill>
+                  <a:schemeClr val="tx1"/>
+                </a:solidFill>
+                <a:miter lim="800000"/>
+                <a:headEnd/>
+                <a:tailEnd/>
+              </a14:hiddenLine>
+            </a:ext>
+            <a:ext uri="{AF507438-7753-43E0-B8FC-AC1667EBCBE1}">
+              <a14:hiddenEffects xmlns:a14="http://schemas.microsoft.com/office/drawing/2010/main">
+                <a:effectLst>
+                  <a:outerShdw dist="35921" dir="2700000" algn="ctr" rotWithShape="0">
+                    <a:schemeClr val="bg2"/>
+                  </a:outerShdw>
+                </a:effectLst>
+              </a14:hiddenEffects>
+            </a:ext>
+          </a:extLst>
+        </p:spPr>
+      </p:pic>
+      <p:pic>
+        <p:nvPicPr>
+          <p:cNvPr id="3075" name="Picture 3"/>
+          <p:cNvPicPr>
+            <a:picLocks noChangeAspect="1" noChangeArrowheads="1"/>
+          </p:cNvPicPr>
+          <p:nvPr/>
+        </p:nvPicPr>
+        <p:blipFill>
+          <a:blip r:embed="rId3">
+            <a:extLst>
+              <a:ext uri="{28A0092B-C50C-407E-A947-70E740481C1C}">
+                <a14:useLocalDpi xmlns:a14="http://schemas.microsoft.com/office/drawing/2010/main" val="0"/>
+              </a:ext>
+            </a:extLst>
+          </a:blip>
+          <a:srcRect/>
+          <a:stretch>
+            <a:fillRect/>
+          </a:stretch>
+        </p:blipFill>
+        <p:spPr bwMode="auto">
+          <a:xfrm>
+            <a:off x="1339600" y="4774632"/>
+            <a:ext cx="3067050" cy="1409700"/>
+          </a:xfrm>
+          <a:prstGeom prst="rect">
+            <a:avLst/>
+          </a:prstGeom>
+          <a:noFill/>
+          <a:ln>
+            <a:noFill/>
+          </a:ln>
+          <a:effectLst/>
+          <a:extLst>
+            <a:ext uri="{909E8E84-426E-40DD-AFC4-6F175D3DCCD1}">
+              <a14:hiddenFill xmlns:a14="http://schemas.microsoft.com/office/drawing/2010/main">
+                <a:solidFill>
+                  <a:schemeClr val="accent1"/>
+                </a:solidFill>
+              </a14:hiddenFill>
+            </a:ext>
+            <a:ext uri="{91240B29-F687-4F45-9708-019B960494DF}">
+              <a14:hiddenLine xmlns:a14="http://schemas.microsoft.com/office/drawing/2010/main" w="9525">
+                <a:solidFill>
+                  <a:schemeClr val="tx1"/>
+                </a:solidFill>
+                <a:miter lim="800000"/>
+                <a:headEnd/>
+                <a:tailEnd/>
+              </a14:hiddenLine>
+            </a:ext>
+            <a:ext uri="{AF507438-7753-43E0-B8FC-AC1667EBCBE1}">
+              <a14:hiddenEffects xmlns:a14="http://schemas.microsoft.com/office/drawing/2010/main">
+                <a:effectLst>
+                  <a:outerShdw dist="35921" dir="2700000" algn="ctr" rotWithShape="0">
+                    <a:schemeClr val="bg2"/>
+                  </a:outerShdw>
+                </a:effectLst>
+              </a14:hiddenEffects>
+            </a:ext>
+          </a:extLst>
+        </p:spPr>
+      </p:pic>
+      <p:pic>
+        <p:nvPicPr>
+          <p:cNvPr id="3076" name="Picture 4"/>
+          <p:cNvPicPr>
+            <a:picLocks noChangeAspect="1" noChangeArrowheads="1"/>
+          </p:cNvPicPr>
+          <p:nvPr/>
+        </p:nvPicPr>
+        <p:blipFill>
+          <a:blip r:embed="rId4">
+            <a:extLst>
+              <a:ext uri="{28A0092B-C50C-407E-A947-70E740481C1C}">
+                <a14:useLocalDpi xmlns:a14="http://schemas.microsoft.com/office/drawing/2010/main" val="0"/>
+              </a:ext>
+            </a:extLst>
+          </a:blip>
+          <a:srcRect/>
+          <a:stretch>
+            <a:fillRect/>
+          </a:stretch>
+        </p:blipFill>
+        <p:spPr bwMode="auto">
+          <a:xfrm>
+            <a:off x="1339600" y="3330224"/>
+            <a:ext cx="358357" cy="496187"/>
+          </a:xfrm>
+          <a:prstGeom prst="rect">
+            <a:avLst/>
+          </a:prstGeom>
+          <a:noFill/>
+          <a:ln>
+            <a:noFill/>
+          </a:ln>
+          <a:effectLst/>
+          <a:extLst>
+            <a:ext uri="{909E8E84-426E-40DD-AFC4-6F175D3DCCD1}">
+              <a14:hiddenFill xmlns:a14="http://schemas.microsoft.com/office/drawing/2010/main">
+                <a:solidFill>
+                  <a:schemeClr val="accent1"/>
+                </a:solidFill>
+              </a14:hiddenFill>
+            </a:ext>
+            <a:ext uri="{91240B29-F687-4F45-9708-019B960494DF}">
+              <a14:hiddenLine xmlns:a14="http://schemas.microsoft.com/office/drawing/2010/main" w="9525">
+                <a:solidFill>
+                  <a:schemeClr val="tx1"/>
+                </a:solidFill>
+                <a:miter lim="800000"/>
+                <a:headEnd/>
+                <a:tailEnd/>
+              </a14:hiddenLine>
+            </a:ext>
+            <a:ext uri="{AF507438-7753-43E0-B8FC-AC1667EBCBE1}">
+              <a14:hiddenEffects xmlns:a14="http://schemas.microsoft.com/office/drawing/2010/main">
+                <a:effectLst>
+                  <a:outerShdw dist="35921" dir="2700000" algn="ctr" rotWithShape="0">
+                    <a:schemeClr val="bg2"/>
+                  </a:outerShdw>
+                </a:effectLst>
+              </a14:hiddenEffects>
+            </a:ext>
+          </a:extLst>
+        </p:spPr>
+      </p:pic>
+      <p:pic>
+        <p:nvPicPr>
+          <p:cNvPr id="3077" name="Picture 5"/>
+          <p:cNvPicPr>
+            <a:picLocks noChangeAspect="1" noChangeArrowheads="1"/>
+          </p:cNvPicPr>
+          <p:nvPr/>
+        </p:nvPicPr>
+        <p:blipFill>
+          <a:blip r:embed="rId5">
+            <a:extLst>
+              <a:ext uri="{28A0092B-C50C-407E-A947-70E740481C1C}">
+                <a14:useLocalDpi xmlns:a14="http://schemas.microsoft.com/office/drawing/2010/main" val="0"/>
+              </a:ext>
+            </a:extLst>
+          </a:blip>
+          <a:srcRect/>
+          <a:stretch>
+            <a:fillRect/>
+          </a:stretch>
+        </p:blipFill>
+        <p:spPr bwMode="auto">
+          <a:xfrm>
+            <a:off x="1776663" y="3931920"/>
+            <a:ext cx="457200" cy="457200"/>
+          </a:xfrm>
+          <a:prstGeom prst="rect">
+            <a:avLst/>
+          </a:prstGeom>
+          <a:noFill/>
+          <a:ln>
+            <a:noFill/>
+          </a:ln>
+          <a:effectLst/>
+          <a:extLst>
+            <a:ext uri="{909E8E84-426E-40DD-AFC4-6F175D3DCCD1}">
+              <a14:hiddenFill xmlns:a14="http://schemas.microsoft.com/office/drawing/2010/main">
+                <a:solidFill>
+                  <a:schemeClr val="accent1"/>
+                </a:solidFill>
+              </a14:hiddenFill>
+            </a:ext>
+            <a:ext uri="{91240B29-F687-4F45-9708-019B960494DF}">
+              <a14:hiddenLine xmlns:a14="http://schemas.microsoft.com/office/drawing/2010/main" w="9525">
+                <a:solidFill>
+                  <a:schemeClr val="tx1"/>
+                </a:solidFill>
+                <a:miter lim="800000"/>
+                <a:headEnd/>
+                <a:tailEnd/>
+              </a14:hiddenLine>
+            </a:ext>
+            <a:ext uri="{AF507438-7753-43E0-B8FC-AC1667EBCBE1}">
+              <a14:hiddenEffects xmlns:a14="http://schemas.microsoft.com/office/drawing/2010/main">
+                <a:effectLst>
+                  <a:outerShdw dist="35921" dir="2700000" algn="ctr" rotWithShape="0">
+                    <a:schemeClr val="bg2"/>
+                  </a:outerShdw>
+                </a:effectLst>
+              </a14:hiddenEffects>
+            </a:ext>
+          </a:extLst>
+        </p:spPr>
+      </p:pic>
+      <p:pic>
+        <p:nvPicPr>
+          <p:cNvPr id="3078" name="Picture 6"/>
+          <p:cNvPicPr>
+            <a:picLocks noChangeAspect="1" noChangeArrowheads="1"/>
+          </p:cNvPicPr>
+          <p:nvPr/>
+        </p:nvPicPr>
+        <p:blipFill>
+          <a:blip r:embed="rId6">
+            <a:extLst>
+              <a:ext uri="{28A0092B-C50C-407E-A947-70E740481C1C}">
+                <a14:useLocalDpi xmlns:a14="http://schemas.microsoft.com/office/drawing/2010/main" val="0"/>
+              </a:ext>
+            </a:extLst>
+          </a:blip>
+          <a:srcRect/>
+          <a:stretch>
+            <a:fillRect/>
+          </a:stretch>
+        </p:blipFill>
+        <p:spPr bwMode="auto">
+          <a:xfrm>
+            <a:off x="2472850" y="3237013"/>
+            <a:ext cx="356686" cy="577492"/>
+          </a:xfrm>
+          <a:prstGeom prst="rect">
+            <a:avLst/>
+          </a:prstGeom>
+          <a:noFill/>
+          <a:ln>
+            <a:noFill/>
+          </a:ln>
+          <a:effectLst/>
+          <a:extLst>
+            <a:ext uri="{909E8E84-426E-40DD-AFC4-6F175D3DCCD1}">
+              <a14:hiddenFill xmlns:a14="http://schemas.microsoft.com/office/drawing/2010/main">
+                <a:solidFill>
+                  <a:schemeClr val="accent1"/>
+                </a:solidFill>
+              </a14:hiddenFill>
+            </a:ext>
+            <a:ext uri="{91240B29-F687-4F45-9708-019B960494DF}">
+              <a14:hiddenLine xmlns:a14="http://schemas.microsoft.com/office/drawing/2010/main" w="9525">
+                <a:solidFill>
+                  <a:schemeClr val="tx1"/>
+                </a:solidFill>
+                <a:miter lim="800000"/>
+                <a:headEnd/>
+                <a:tailEnd/>
+              </a14:hiddenLine>
+            </a:ext>
+            <a:ext uri="{AF507438-7753-43E0-B8FC-AC1667EBCBE1}">
+              <a14:hiddenEffects xmlns:a14="http://schemas.microsoft.com/office/drawing/2010/main">
+                <a:effectLst>
+                  <a:outerShdw dist="35921" dir="2700000" algn="ctr" rotWithShape="0">
+                    <a:schemeClr val="bg2"/>
+                  </a:outerShdw>
+                </a:effectLst>
+              </a14:hiddenEffects>
+            </a:ext>
+          </a:extLst>
+        </p:spPr>
+      </p:pic>
+      <p:pic>
+        <p:nvPicPr>
+          <p:cNvPr id="3079" name="Picture 7"/>
+          <p:cNvPicPr>
+            <a:picLocks noChangeAspect="1" noChangeArrowheads="1"/>
+          </p:cNvPicPr>
+          <p:nvPr/>
+        </p:nvPicPr>
+        <p:blipFill>
+          <a:blip r:embed="rId7">
+            <a:extLst>
+              <a:ext uri="{28A0092B-C50C-407E-A947-70E740481C1C}">
+                <a14:useLocalDpi xmlns:a14="http://schemas.microsoft.com/office/drawing/2010/main" val="0"/>
+              </a:ext>
+            </a:extLst>
+          </a:blip>
+          <a:srcRect/>
+          <a:stretch>
+            <a:fillRect/>
+          </a:stretch>
+        </p:blipFill>
+        <p:spPr bwMode="auto">
+          <a:xfrm>
+            <a:off x="3047298" y="3931920"/>
+            <a:ext cx="476250" cy="476250"/>
+          </a:xfrm>
+          <a:prstGeom prst="rect">
+            <a:avLst/>
+          </a:prstGeom>
+          <a:noFill/>
+          <a:ln>
+            <a:noFill/>
+          </a:ln>
+          <a:effectLst/>
+          <a:extLst>
+            <a:ext uri="{909E8E84-426E-40DD-AFC4-6F175D3DCCD1}">
+              <a14:hiddenFill xmlns:a14="http://schemas.microsoft.com/office/drawing/2010/main">
+                <a:solidFill>
+                  <a:schemeClr val="accent1"/>
+                </a:solidFill>
+              </a14:hiddenFill>
+            </a:ext>
+            <a:ext uri="{91240B29-F687-4F45-9708-019B960494DF}">
+              <a14:hiddenLine xmlns:a14="http://schemas.microsoft.com/office/drawing/2010/main" w="9525">
+                <a:solidFill>
+                  <a:schemeClr val="tx1"/>
+                </a:solidFill>
+                <a:miter lim="800000"/>
+                <a:headEnd/>
+                <a:tailEnd/>
+              </a14:hiddenLine>
+            </a:ext>
+            <a:ext uri="{AF507438-7753-43E0-B8FC-AC1667EBCBE1}">
+              <a14:hiddenEffects xmlns:a14="http://schemas.microsoft.com/office/drawing/2010/main">
+                <a:effectLst>
+                  <a:outerShdw dist="35921" dir="2700000" algn="ctr" rotWithShape="0">
+                    <a:schemeClr val="bg2"/>
+                  </a:outerShdw>
+                </a:effectLst>
+              </a14:hiddenEffects>
+            </a:ext>
+          </a:extLst>
+        </p:spPr>
+      </p:pic>
+      <p:pic>
+        <p:nvPicPr>
+          <p:cNvPr id="3080" name="Picture 8"/>
+          <p:cNvPicPr>
+            <a:picLocks noChangeAspect="1" noChangeArrowheads="1"/>
+          </p:cNvPicPr>
+          <p:nvPr/>
+        </p:nvPicPr>
+        <p:blipFill>
+          <a:blip r:embed="rId8">
+            <a:extLst>
+              <a:ext uri="{28A0092B-C50C-407E-A947-70E740481C1C}">
+                <a14:useLocalDpi xmlns:a14="http://schemas.microsoft.com/office/drawing/2010/main" val="0"/>
+              </a:ext>
+            </a:extLst>
+          </a:blip>
+          <a:srcRect/>
+          <a:stretch>
+            <a:fillRect/>
+          </a:stretch>
+        </p:blipFill>
+        <p:spPr bwMode="auto">
+          <a:xfrm>
+            <a:off x="3634440" y="3330224"/>
+            <a:ext cx="476250" cy="447675"/>
           </a:xfrm>
           <a:prstGeom prst="rect">
             <a:avLst/>
